--- a/documents/presentation/Vulnerability of Natural Language Classifiers to Evolutionary Generated.pptx
+++ b/documents/presentation/Vulnerability of Natural Language Classifiers to Evolutionary Generated.pptx
@@ -4,13 +4,16 @@
   <p:sldMasterIdLst>
     <p:sldMasterId id="2147483648" r:id="rId1"/>
   </p:sldMasterIdLst>
+  <p:notesMasterIdLst>
+    <p:notesMasterId r:id="rId14"/>
+  </p:notesMasterIdLst>
   <p:sldIdLst>
     <p:sldId id="256" r:id="rId2"/>
     <p:sldId id="257" r:id="rId3"/>
-    <p:sldId id="267" r:id="rId4"/>
-    <p:sldId id="258" r:id="rId5"/>
-    <p:sldId id="259" r:id="rId6"/>
-    <p:sldId id="260" r:id="rId7"/>
+    <p:sldId id="258" r:id="rId4"/>
+    <p:sldId id="259" r:id="rId5"/>
+    <p:sldId id="260" r:id="rId6"/>
+    <p:sldId id="267" r:id="rId7"/>
     <p:sldId id="261" r:id="rId8"/>
     <p:sldId id="262" r:id="rId9"/>
     <p:sldId id="263" r:id="rId10"/>
@@ -115,7 +118,362 @@
       </a:defRPr>
     </a:lvl9pPr>
   </p:defaultTextStyle>
+  <p:extLst>
+    <p:ext uri="{EFAFB233-063F-42B5-8137-9DF3F51BA10A}">
+      <p15:sldGuideLst xmlns:p15="http://schemas.microsoft.com/office/powerpoint/2012/main"/>
+    </p:ext>
+  </p:extLst>
 </p:presentation>
+</file>
+
+<file path=ppt/notesMasters/notesMaster1.xml><?xml version="1.0" encoding="utf-8"?>
+<p:notesMaster xmlns:a="http://schemas.openxmlformats.org/drawingml/2006/main" xmlns:r="http://schemas.openxmlformats.org/officeDocument/2006/relationships" xmlns:p="http://schemas.openxmlformats.org/presentationml/2006/main">
+  <p:cSld>
+    <p:bg>
+      <p:bgRef idx="1001">
+        <a:schemeClr val="bg1"/>
+      </p:bgRef>
+    </p:bg>
+    <p:spTree>
+      <p:nvGrpSpPr>
+        <p:cNvPr id="1" name=""/>
+        <p:cNvGrpSpPr/>
+        <p:nvPr/>
+      </p:nvGrpSpPr>
+      <p:grpSpPr>
+        <a:xfrm>
+          <a:off x="0" y="0"/>
+          <a:ext cx="0" cy="0"/>
+          <a:chOff x="0" y="0"/>
+          <a:chExt cx="0" cy="0"/>
+        </a:xfrm>
+      </p:grpSpPr>
+      <p:sp>
+        <p:nvSpPr>
+          <p:cNvPr id="2" name="Header Placeholder 1"/>
+          <p:cNvSpPr>
+            <a:spLocks noGrp="1"/>
+          </p:cNvSpPr>
+          <p:nvPr>
+            <p:ph type="hdr" sz="quarter"/>
+          </p:nvPr>
+        </p:nvSpPr>
+        <p:spPr>
+          <a:xfrm>
+            <a:off x="0" y="0"/>
+            <a:ext cx="2971800" cy="458788"/>
+          </a:xfrm>
+          <a:prstGeom prst="rect">
+            <a:avLst/>
+          </a:prstGeom>
+        </p:spPr>
+        <p:txBody>
+          <a:bodyPr vert="horz" lIns="91440" tIns="45720" rIns="91440" bIns="45720" rtlCol="0"/>
+          <a:lstStyle>
+            <a:lvl1pPr algn="l">
+              <a:defRPr sz="1200"/>
+            </a:lvl1pPr>
+          </a:lstStyle>
+          <a:p>
+            <a:endParaRPr lang="en-GB"/>
+          </a:p>
+        </p:txBody>
+      </p:sp>
+      <p:sp>
+        <p:nvSpPr>
+          <p:cNvPr id="3" name="Date Placeholder 2"/>
+          <p:cNvSpPr>
+            <a:spLocks noGrp="1"/>
+          </p:cNvSpPr>
+          <p:nvPr>
+            <p:ph type="dt" idx="1"/>
+          </p:nvPr>
+        </p:nvSpPr>
+        <p:spPr>
+          <a:xfrm>
+            <a:off x="3884613" y="0"/>
+            <a:ext cx="2971800" cy="458788"/>
+          </a:xfrm>
+          <a:prstGeom prst="rect">
+            <a:avLst/>
+          </a:prstGeom>
+        </p:spPr>
+        <p:txBody>
+          <a:bodyPr vert="horz" lIns="91440" tIns="45720" rIns="91440" bIns="45720" rtlCol="0"/>
+          <a:lstStyle>
+            <a:lvl1pPr algn="r">
+              <a:defRPr sz="1200"/>
+            </a:lvl1pPr>
+          </a:lstStyle>
+          <a:p>
+            <a:fld id="{97E20BCF-7380-4CD3-AF82-D75369525B81}" type="datetimeFigureOut">
+              <a:rPr lang="en-GB" smtClean="0"/>
+              <a:t>26/03/2021</a:t>
+            </a:fld>
+            <a:endParaRPr lang="en-GB"/>
+          </a:p>
+        </p:txBody>
+      </p:sp>
+      <p:sp>
+        <p:nvSpPr>
+          <p:cNvPr id="4" name="Slide Image Placeholder 3"/>
+          <p:cNvSpPr>
+            <a:spLocks noGrp="1" noRot="1" noChangeAspect="1"/>
+          </p:cNvSpPr>
+          <p:nvPr>
+            <p:ph type="sldImg" idx="2"/>
+          </p:nvPr>
+        </p:nvSpPr>
+        <p:spPr>
+          <a:xfrm>
+            <a:off x="685800" y="1143000"/>
+            <a:ext cx="5486400" cy="3086100"/>
+          </a:xfrm>
+          <a:prstGeom prst="rect">
+            <a:avLst/>
+          </a:prstGeom>
+          <a:noFill/>
+          <a:ln w="12700">
+            <a:solidFill>
+              <a:prstClr val="black"/>
+            </a:solidFill>
+          </a:ln>
+        </p:spPr>
+        <p:txBody>
+          <a:bodyPr vert="horz" lIns="91440" tIns="45720" rIns="91440" bIns="45720" rtlCol="0" anchor="ctr"/>
+          <a:lstStyle/>
+          <a:p>
+            <a:endParaRPr lang="en-GB"/>
+          </a:p>
+        </p:txBody>
+      </p:sp>
+      <p:sp>
+        <p:nvSpPr>
+          <p:cNvPr id="5" name="Notes Placeholder 4"/>
+          <p:cNvSpPr>
+            <a:spLocks noGrp="1"/>
+          </p:cNvSpPr>
+          <p:nvPr>
+            <p:ph type="body" sz="quarter" idx="3"/>
+          </p:nvPr>
+        </p:nvSpPr>
+        <p:spPr>
+          <a:xfrm>
+            <a:off x="685800" y="4400550"/>
+            <a:ext cx="5486400" cy="3600450"/>
+          </a:xfrm>
+          <a:prstGeom prst="rect">
+            <a:avLst/>
+          </a:prstGeom>
+        </p:spPr>
+        <p:txBody>
+          <a:bodyPr vert="horz" lIns="91440" tIns="45720" rIns="91440" bIns="45720" rtlCol="0"/>
+          <a:lstStyle/>
+          <a:p>
+            <a:pPr lvl="0"/>
+            <a:r>
+              <a:rPr lang="en-US"/>
+              <a:t>Click to edit Master text styles</a:t>
+            </a:r>
+          </a:p>
+          <a:p>
+            <a:pPr lvl="1"/>
+            <a:r>
+              <a:rPr lang="en-US"/>
+              <a:t>Second level</a:t>
+            </a:r>
+          </a:p>
+          <a:p>
+            <a:pPr lvl="2"/>
+            <a:r>
+              <a:rPr lang="en-US"/>
+              <a:t>Third level</a:t>
+            </a:r>
+          </a:p>
+          <a:p>
+            <a:pPr lvl="3"/>
+            <a:r>
+              <a:rPr lang="en-US"/>
+              <a:t>Fourth level</a:t>
+            </a:r>
+          </a:p>
+          <a:p>
+            <a:pPr lvl="4"/>
+            <a:r>
+              <a:rPr lang="en-US"/>
+              <a:t>Fifth level</a:t>
+            </a:r>
+            <a:endParaRPr lang="en-GB"/>
+          </a:p>
+        </p:txBody>
+      </p:sp>
+      <p:sp>
+        <p:nvSpPr>
+          <p:cNvPr id="6" name="Footer Placeholder 5"/>
+          <p:cNvSpPr>
+            <a:spLocks noGrp="1"/>
+          </p:cNvSpPr>
+          <p:nvPr>
+            <p:ph type="ftr" sz="quarter" idx="4"/>
+          </p:nvPr>
+        </p:nvSpPr>
+        <p:spPr>
+          <a:xfrm>
+            <a:off x="0" y="8685213"/>
+            <a:ext cx="2971800" cy="458787"/>
+          </a:xfrm>
+          <a:prstGeom prst="rect">
+            <a:avLst/>
+          </a:prstGeom>
+        </p:spPr>
+        <p:txBody>
+          <a:bodyPr vert="horz" lIns="91440" tIns="45720" rIns="91440" bIns="45720" rtlCol="0" anchor="b"/>
+          <a:lstStyle>
+            <a:lvl1pPr algn="l">
+              <a:defRPr sz="1200"/>
+            </a:lvl1pPr>
+          </a:lstStyle>
+          <a:p>
+            <a:endParaRPr lang="en-GB"/>
+          </a:p>
+        </p:txBody>
+      </p:sp>
+      <p:sp>
+        <p:nvSpPr>
+          <p:cNvPr id="7" name="Slide Number Placeholder 6"/>
+          <p:cNvSpPr>
+            <a:spLocks noGrp="1"/>
+          </p:cNvSpPr>
+          <p:nvPr>
+            <p:ph type="sldNum" sz="quarter" idx="5"/>
+          </p:nvPr>
+        </p:nvSpPr>
+        <p:spPr>
+          <a:xfrm>
+            <a:off x="3884613" y="8685213"/>
+            <a:ext cx="2971800" cy="458787"/>
+          </a:xfrm>
+          <a:prstGeom prst="rect">
+            <a:avLst/>
+          </a:prstGeom>
+        </p:spPr>
+        <p:txBody>
+          <a:bodyPr vert="horz" lIns="91440" tIns="45720" rIns="91440" bIns="45720" rtlCol="0" anchor="b"/>
+          <a:lstStyle>
+            <a:lvl1pPr algn="r">
+              <a:defRPr sz="1200"/>
+            </a:lvl1pPr>
+          </a:lstStyle>
+          <a:p>
+            <a:fld id="{DC7C7716-70D0-4313-B008-6112AA440B84}" type="slidenum">
+              <a:rPr lang="en-GB" smtClean="0"/>
+              <a:t>‹#›</a:t>
+            </a:fld>
+            <a:endParaRPr lang="en-GB"/>
+          </a:p>
+        </p:txBody>
+      </p:sp>
+    </p:spTree>
+    <p:extLst>
+      <p:ext uri="{BB962C8B-B14F-4D97-AF65-F5344CB8AC3E}">
+        <p14:creationId xmlns:p14="http://schemas.microsoft.com/office/powerpoint/2010/main" val="2934741480"/>
+      </p:ext>
+    </p:extLst>
+  </p:cSld>
+  <p:clrMap bg1="lt1" tx1="dk1" bg2="lt2" tx2="dk2" accent1="accent1" accent2="accent2" accent3="accent3" accent4="accent4" accent5="accent5" accent6="accent6" hlink="hlink" folHlink="folHlink"/>
+  <p:notesStyle>
+    <a:lvl1pPr marL="0" algn="l" defTabSz="914400" rtl="0" eaLnBrk="1" latinLnBrk="0" hangingPunct="1">
+      <a:defRPr sz="1200" kern="1200">
+        <a:solidFill>
+          <a:schemeClr val="tx1"/>
+        </a:solidFill>
+        <a:latin typeface="+mn-lt"/>
+        <a:ea typeface="+mn-ea"/>
+        <a:cs typeface="+mn-cs"/>
+      </a:defRPr>
+    </a:lvl1pPr>
+    <a:lvl2pPr marL="457200" algn="l" defTabSz="914400" rtl="0" eaLnBrk="1" latinLnBrk="0" hangingPunct="1">
+      <a:defRPr sz="1200" kern="1200">
+        <a:solidFill>
+          <a:schemeClr val="tx1"/>
+        </a:solidFill>
+        <a:latin typeface="+mn-lt"/>
+        <a:ea typeface="+mn-ea"/>
+        <a:cs typeface="+mn-cs"/>
+      </a:defRPr>
+    </a:lvl2pPr>
+    <a:lvl3pPr marL="914400" algn="l" defTabSz="914400" rtl="0" eaLnBrk="1" latinLnBrk="0" hangingPunct="1">
+      <a:defRPr sz="1200" kern="1200">
+        <a:solidFill>
+          <a:schemeClr val="tx1"/>
+        </a:solidFill>
+        <a:latin typeface="+mn-lt"/>
+        <a:ea typeface="+mn-ea"/>
+        <a:cs typeface="+mn-cs"/>
+      </a:defRPr>
+    </a:lvl3pPr>
+    <a:lvl4pPr marL="1371600" algn="l" defTabSz="914400" rtl="0" eaLnBrk="1" latinLnBrk="0" hangingPunct="1">
+      <a:defRPr sz="1200" kern="1200">
+        <a:solidFill>
+          <a:schemeClr val="tx1"/>
+        </a:solidFill>
+        <a:latin typeface="+mn-lt"/>
+        <a:ea typeface="+mn-ea"/>
+        <a:cs typeface="+mn-cs"/>
+      </a:defRPr>
+    </a:lvl4pPr>
+    <a:lvl5pPr marL="1828800" algn="l" defTabSz="914400" rtl="0" eaLnBrk="1" latinLnBrk="0" hangingPunct="1">
+      <a:defRPr sz="1200" kern="1200">
+        <a:solidFill>
+          <a:schemeClr val="tx1"/>
+        </a:solidFill>
+        <a:latin typeface="+mn-lt"/>
+        <a:ea typeface="+mn-ea"/>
+        <a:cs typeface="+mn-cs"/>
+      </a:defRPr>
+    </a:lvl5pPr>
+    <a:lvl6pPr marL="2286000" algn="l" defTabSz="914400" rtl="0" eaLnBrk="1" latinLnBrk="0" hangingPunct="1">
+      <a:defRPr sz="1200" kern="1200">
+        <a:solidFill>
+          <a:schemeClr val="tx1"/>
+        </a:solidFill>
+        <a:latin typeface="+mn-lt"/>
+        <a:ea typeface="+mn-ea"/>
+        <a:cs typeface="+mn-cs"/>
+      </a:defRPr>
+    </a:lvl6pPr>
+    <a:lvl7pPr marL="2743200" algn="l" defTabSz="914400" rtl="0" eaLnBrk="1" latinLnBrk="0" hangingPunct="1">
+      <a:defRPr sz="1200" kern="1200">
+        <a:solidFill>
+          <a:schemeClr val="tx1"/>
+        </a:solidFill>
+        <a:latin typeface="+mn-lt"/>
+        <a:ea typeface="+mn-ea"/>
+        <a:cs typeface="+mn-cs"/>
+      </a:defRPr>
+    </a:lvl7pPr>
+    <a:lvl8pPr marL="3200400" algn="l" defTabSz="914400" rtl="0" eaLnBrk="1" latinLnBrk="0" hangingPunct="1">
+      <a:defRPr sz="1200" kern="1200">
+        <a:solidFill>
+          <a:schemeClr val="tx1"/>
+        </a:solidFill>
+        <a:latin typeface="+mn-lt"/>
+        <a:ea typeface="+mn-ea"/>
+        <a:cs typeface="+mn-cs"/>
+      </a:defRPr>
+    </a:lvl8pPr>
+    <a:lvl9pPr marL="3657600" algn="l" defTabSz="914400" rtl="0" eaLnBrk="1" latinLnBrk="0" hangingPunct="1">
+      <a:defRPr sz="1200" kern="1200">
+        <a:solidFill>
+          <a:schemeClr val="tx1"/>
+        </a:solidFill>
+        <a:latin typeface="+mn-lt"/>
+        <a:ea typeface="+mn-ea"/>
+        <a:cs typeface="+mn-cs"/>
+      </a:defRPr>
+    </a:lvl9pPr>
+  </p:notesStyle>
+</p:notesMaster>
 </file>
 
 <file path=ppt/slideLayouts/slideLayout1.xml><?xml version="1.0" encoding="utf-8"?>
@@ -265,9 +623,9 @@
           <a:bodyPr/>
           <a:lstStyle/>
           <a:p>
-            <a:fld id="{BA70E56B-50C5-4FC0-9F2A-4A8CB6278F75}" type="datetimeFigureOut">
+            <a:fld id="{084A0786-1D85-4991-A6BC-A0F2B5749A41}" type="datetime1">
               <a:rPr lang="en-GB" smtClean="0"/>
-              <a:t>10/03/2021</a:t>
+              <a:t>26/03/2021</a:t>
             </a:fld>
             <a:endParaRPr lang="en-GB"/>
           </a:p>
@@ -465,9 +823,9 @@
           <a:bodyPr/>
           <a:lstStyle/>
           <a:p>
-            <a:fld id="{BA70E56B-50C5-4FC0-9F2A-4A8CB6278F75}" type="datetimeFigureOut">
+            <a:fld id="{A5609693-FDFA-477F-AD30-F1A2D4FA6C7A}" type="datetime1">
               <a:rPr lang="en-GB" smtClean="0"/>
-              <a:t>10/03/2021</a:t>
+              <a:t>26/03/2021</a:t>
             </a:fld>
             <a:endParaRPr lang="en-GB"/>
           </a:p>
@@ -675,9 +1033,9 @@
           <a:bodyPr/>
           <a:lstStyle/>
           <a:p>
-            <a:fld id="{BA70E56B-50C5-4FC0-9F2A-4A8CB6278F75}" type="datetimeFigureOut">
+            <a:fld id="{B3A4C199-B1EF-45F7-A47E-540BBD04DD0D}" type="datetime1">
               <a:rPr lang="en-GB" smtClean="0"/>
-              <a:t>10/03/2021</a:t>
+              <a:t>26/03/2021</a:t>
             </a:fld>
             <a:endParaRPr lang="en-GB"/>
           </a:p>
@@ -875,9 +1233,9 @@
           <a:bodyPr/>
           <a:lstStyle/>
           <a:p>
-            <a:fld id="{BA70E56B-50C5-4FC0-9F2A-4A8CB6278F75}" type="datetimeFigureOut">
+            <a:fld id="{879D3084-C42B-40F5-9819-2BA71727BCC7}" type="datetime1">
               <a:rPr lang="en-GB" smtClean="0"/>
-              <a:t>10/03/2021</a:t>
+              <a:t>26/03/2021</a:t>
             </a:fld>
             <a:endParaRPr lang="en-GB"/>
           </a:p>
@@ -1151,9 +1509,9 @@
           <a:bodyPr/>
           <a:lstStyle/>
           <a:p>
-            <a:fld id="{BA70E56B-50C5-4FC0-9F2A-4A8CB6278F75}" type="datetimeFigureOut">
+            <a:fld id="{79DB846E-D1C6-4975-AD00-81BF523F9CBE}" type="datetime1">
               <a:rPr lang="en-GB" smtClean="0"/>
-              <a:t>10/03/2021</a:t>
+              <a:t>26/03/2021</a:t>
             </a:fld>
             <a:endParaRPr lang="en-GB"/>
           </a:p>
@@ -1419,9 +1777,9 @@
           <a:bodyPr/>
           <a:lstStyle/>
           <a:p>
-            <a:fld id="{BA70E56B-50C5-4FC0-9F2A-4A8CB6278F75}" type="datetimeFigureOut">
+            <a:fld id="{6C1B2815-CF0E-4AA3-A436-23CBA9272B88}" type="datetime1">
               <a:rPr lang="en-GB" smtClean="0"/>
-              <a:t>10/03/2021</a:t>
+              <a:t>26/03/2021</a:t>
             </a:fld>
             <a:endParaRPr lang="en-GB"/>
           </a:p>
@@ -1834,9 +2192,9 @@
           <a:bodyPr/>
           <a:lstStyle/>
           <a:p>
-            <a:fld id="{BA70E56B-50C5-4FC0-9F2A-4A8CB6278F75}" type="datetimeFigureOut">
+            <a:fld id="{80148785-180A-4197-802A-13A2343CEDA1}" type="datetime1">
               <a:rPr lang="en-GB" smtClean="0"/>
-              <a:t>10/03/2021</a:t>
+              <a:t>26/03/2021</a:t>
             </a:fld>
             <a:endParaRPr lang="en-GB"/>
           </a:p>
@@ -1976,9 +2334,9 @@
           <a:bodyPr/>
           <a:lstStyle/>
           <a:p>
-            <a:fld id="{BA70E56B-50C5-4FC0-9F2A-4A8CB6278F75}" type="datetimeFigureOut">
+            <a:fld id="{BCCB01F5-2142-4CD2-9CC3-2AC54EAEB082}" type="datetime1">
               <a:rPr lang="en-GB" smtClean="0"/>
-              <a:t>10/03/2021</a:t>
+              <a:t>26/03/2021</a:t>
             </a:fld>
             <a:endParaRPr lang="en-GB"/>
           </a:p>
@@ -2089,9 +2447,9 @@
           <a:bodyPr/>
           <a:lstStyle/>
           <a:p>
-            <a:fld id="{BA70E56B-50C5-4FC0-9F2A-4A8CB6278F75}" type="datetimeFigureOut">
+            <a:fld id="{D77018F5-7DD0-4BB7-9D76-98F565F4E36D}" type="datetime1">
               <a:rPr lang="en-GB" smtClean="0"/>
-              <a:t>10/03/2021</a:t>
+              <a:t>26/03/2021</a:t>
             </a:fld>
             <a:endParaRPr lang="en-GB"/>
           </a:p>
@@ -2402,9 +2760,9 @@
           <a:bodyPr/>
           <a:lstStyle/>
           <a:p>
-            <a:fld id="{BA70E56B-50C5-4FC0-9F2A-4A8CB6278F75}" type="datetimeFigureOut">
+            <a:fld id="{FED3A852-8698-4D72-B3E2-3E5A1570D687}" type="datetime1">
               <a:rPr lang="en-GB" smtClean="0"/>
-              <a:t>10/03/2021</a:t>
+              <a:t>26/03/2021</a:t>
             </a:fld>
             <a:endParaRPr lang="en-GB"/>
           </a:p>
@@ -2691,9 +3049,9 @@
           <a:bodyPr/>
           <a:lstStyle/>
           <a:p>
-            <a:fld id="{BA70E56B-50C5-4FC0-9F2A-4A8CB6278F75}" type="datetimeFigureOut">
+            <a:fld id="{8557A605-BC85-4269-BF08-0FEE47B72999}" type="datetime1">
               <a:rPr lang="en-GB" smtClean="0"/>
-              <a:t>10/03/2021</a:t>
+              <a:t>26/03/2021</a:t>
             </a:fld>
             <a:endParaRPr lang="en-GB"/>
           </a:p>
@@ -2934,9 +3292,9 @@
             </a:lvl1pPr>
           </a:lstStyle>
           <a:p>
-            <a:fld id="{BA70E56B-50C5-4FC0-9F2A-4A8CB6278F75}" type="datetimeFigureOut">
+            <a:fld id="{8CDBFFE1-BBC6-4D30-9F5F-31277AE5E0A9}" type="datetime1">
               <a:rPr lang="en-GB" smtClean="0"/>
-              <a:t>10/03/2021</a:t>
+              <a:t>26/03/2021</a:t>
             </a:fld>
             <a:endParaRPr lang="en-GB"/>
           </a:p>
@@ -3053,6 +3411,7 @@
     <p:sldLayoutId id="2147483658" r:id="rId10"/>
     <p:sldLayoutId id="2147483659" r:id="rId11"/>
   </p:sldLayoutIdLst>
+  <p:hf hdr="0" ftr="0" dt="0"/>
   <p:txStyles>
     <p:titleStyle>
       <a:lvl1pPr algn="l" defTabSz="914400" rtl="0" eaLnBrk="1" latinLnBrk="0" hangingPunct="1">
@@ -3676,6 +4035,40 @@
           </a:fontRef>
         </p:style>
       </p:cxnSp>
+      <p:sp>
+        <p:nvSpPr>
+          <p:cNvPr id="5" name="Slide Number Placeholder 4">
+            <a:extLst>
+              <a:ext uri="{FF2B5EF4-FFF2-40B4-BE49-F238E27FC236}">
+                <a16:creationId xmlns:a16="http://schemas.microsoft.com/office/drawing/2014/main" id="{C79E5CE4-9F30-47AA-851C-118478E4E236}"/>
+              </a:ext>
+            </a:extLst>
+          </p:cNvPr>
+          <p:cNvSpPr>
+            <a:spLocks noGrp="1"/>
+          </p:cNvSpPr>
+          <p:nvPr>
+            <p:ph type="sldNum" sz="quarter" idx="12"/>
+          </p:nvPr>
+        </p:nvSpPr>
+        <p:spPr>
+          <a:xfrm>
+            <a:off x="4724399" y="6404051"/>
+            <a:ext cx="2743200" cy="365125"/>
+          </a:xfrm>
+        </p:spPr>
+        <p:txBody>
+          <a:bodyPr anchor="b" anchorCtr="1"/>
+          <a:lstStyle/>
+          <a:p>
+            <a:fld id="{59E45DDC-7D0C-4364-8766-4F6548156F25}" type="slidenum">
+              <a:rPr lang="en-GB" sz="1600" b="1" smtClean="0"/>
+              <a:t>1</a:t>
+            </a:fld>
+            <a:endParaRPr lang="en-GB" sz="1600" b="1" dirty="0"/>
+          </a:p>
+        </p:txBody>
+      </p:sp>
     </p:spTree>
     <p:extLst>
       <p:ext uri="{BB962C8B-B14F-4D97-AF65-F5344CB8AC3E}">
@@ -5130,6 +5523,42 @@
           </a:prstGeom>
         </p:spPr>
       </p:pic>
+      <p:sp>
+        <p:nvSpPr>
+          <p:cNvPr id="5" name="Slide Number Placeholder 4">
+            <a:extLst>
+              <a:ext uri="{FF2B5EF4-FFF2-40B4-BE49-F238E27FC236}">
+                <a16:creationId xmlns:a16="http://schemas.microsoft.com/office/drawing/2014/main" id="{0BDAE63A-4767-4632-B2BF-DBFBE7E9994B}"/>
+              </a:ext>
+            </a:extLst>
+          </p:cNvPr>
+          <p:cNvSpPr>
+            <a:spLocks noGrp="1"/>
+          </p:cNvSpPr>
+          <p:nvPr>
+            <p:ph type="sldNum" sz="quarter" idx="12"/>
+          </p:nvPr>
+        </p:nvSpPr>
+        <p:spPr>
+          <a:xfrm>
+            <a:off x="4724399" y="6492875"/>
+            <a:ext cx="2743200" cy="365125"/>
+          </a:xfrm>
+        </p:spPr>
+        <p:txBody>
+          <a:bodyPr/>
+          <a:lstStyle/>
+          <a:p>
+            <a:pPr algn="ctr"/>
+            <a:fld id="{59E45DDC-7D0C-4364-8766-4F6548156F25}" type="slidenum">
+              <a:rPr lang="en-GB" sz="1600" b="1" smtClean="0"/>
+              <a:pPr algn="ctr"/>
+              <a:t>10</a:t>
+            </a:fld>
+            <a:endParaRPr lang="en-GB" sz="1600" b="1" dirty="0"/>
+          </a:p>
+        </p:txBody>
+      </p:sp>
     </p:spTree>
     <p:extLst>
       <p:ext uri="{BB962C8B-B14F-4D97-AF65-F5344CB8AC3E}">
@@ -5647,12 +6076,8 @@
               <a:buChar char="•"/>
             </a:pPr>
             <a:r>
-              <a:rPr lang="en-US" dirty="0" err="1"/>
-              <a:t>Cryprocurrency</a:t>
-            </a:r>
-            <a:r>
               <a:rPr lang="en-US" dirty="0"/>
-              <a:t> market particularly sensitive to prevailing sentiment, so a reliable model may be of use in this market</a:t>
+              <a:t>Cryptocurrency market particularly sensitive to prevailing sentiment, so a reliable model may be of use in this market</a:t>
             </a:r>
           </a:p>
         </p:txBody>
@@ -5744,6 +6169,42 @@
           </a:fontRef>
         </p:style>
       </p:cxnSp>
+      <p:sp>
+        <p:nvSpPr>
+          <p:cNvPr id="4" name="Slide Number Placeholder 3">
+            <a:extLst>
+              <a:ext uri="{FF2B5EF4-FFF2-40B4-BE49-F238E27FC236}">
+                <a16:creationId xmlns:a16="http://schemas.microsoft.com/office/drawing/2014/main" id="{CAE180AB-5B77-489C-8CCC-949A63938FDA}"/>
+              </a:ext>
+            </a:extLst>
+          </p:cNvPr>
+          <p:cNvSpPr>
+            <a:spLocks noGrp="1"/>
+          </p:cNvSpPr>
+          <p:nvPr>
+            <p:ph type="sldNum" sz="quarter" idx="12"/>
+          </p:nvPr>
+        </p:nvSpPr>
+        <p:spPr>
+          <a:xfrm>
+            <a:off x="4600322" y="6496986"/>
+            <a:ext cx="2743200" cy="365125"/>
+          </a:xfrm>
+        </p:spPr>
+        <p:txBody>
+          <a:bodyPr/>
+          <a:lstStyle/>
+          <a:p>
+            <a:pPr algn="ctr"/>
+            <a:fld id="{59E45DDC-7D0C-4364-8766-4F6548156F25}" type="slidenum">
+              <a:rPr lang="en-GB" sz="1600" b="1" smtClean="0"/>
+              <a:pPr algn="ctr"/>
+              <a:t>11</a:t>
+            </a:fld>
+            <a:endParaRPr lang="en-GB" sz="1600" b="1" dirty="0"/>
+          </a:p>
+        </p:txBody>
+      </p:sp>
     </p:spTree>
     <p:extLst>
       <p:ext uri="{BB962C8B-B14F-4D97-AF65-F5344CB8AC3E}">
@@ -6512,6 +6973,42 @@
           </a:fontRef>
         </p:style>
       </p:cxnSp>
+      <p:sp>
+        <p:nvSpPr>
+          <p:cNvPr id="5" name="Slide Number Placeholder 4">
+            <a:extLst>
+              <a:ext uri="{FF2B5EF4-FFF2-40B4-BE49-F238E27FC236}">
+                <a16:creationId xmlns:a16="http://schemas.microsoft.com/office/drawing/2014/main" id="{E218CE18-2BD9-4C91-A469-2A2B71B87634}"/>
+              </a:ext>
+            </a:extLst>
+          </p:cNvPr>
+          <p:cNvSpPr>
+            <a:spLocks noGrp="1"/>
+          </p:cNvSpPr>
+          <p:nvPr>
+            <p:ph type="sldNum" sz="quarter" idx="12"/>
+          </p:nvPr>
+        </p:nvSpPr>
+        <p:spPr>
+          <a:xfrm>
+            <a:off x="4724399" y="6492875"/>
+            <a:ext cx="2743200" cy="365125"/>
+          </a:xfrm>
+        </p:spPr>
+        <p:txBody>
+          <a:bodyPr/>
+          <a:lstStyle/>
+          <a:p>
+            <a:pPr algn="ctr"/>
+            <a:fld id="{59E45DDC-7D0C-4364-8766-4F6548156F25}" type="slidenum">
+              <a:rPr lang="en-GB" sz="1600" b="1" smtClean="0"/>
+              <a:pPr algn="ctr"/>
+              <a:t>12</a:t>
+            </a:fld>
+            <a:endParaRPr lang="en-GB" sz="1600" b="1" dirty="0"/>
+          </a:p>
+        </p:txBody>
+      </p:sp>
     </p:spTree>
     <p:extLst>
       <p:ext uri="{BB962C8B-B14F-4D97-AF65-F5344CB8AC3E}">
@@ -7258,6 +7755,42 @@
           </a:fontRef>
         </p:style>
       </p:cxnSp>
+      <p:sp>
+        <p:nvSpPr>
+          <p:cNvPr id="5" name="Slide Number Placeholder 4">
+            <a:extLst>
+              <a:ext uri="{FF2B5EF4-FFF2-40B4-BE49-F238E27FC236}">
+                <a16:creationId xmlns:a16="http://schemas.microsoft.com/office/drawing/2014/main" id="{F66F2C23-2F42-456A-A57B-C8C70D9DC377}"/>
+              </a:ext>
+            </a:extLst>
+          </p:cNvPr>
+          <p:cNvSpPr>
+            <a:spLocks noGrp="1"/>
+          </p:cNvSpPr>
+          <p:nvPr>
+            <p:ph type="sldNum" sz="quarter" idx="12"/>
+          </p:nvPr>
+        </p:nvSpPr>
+        <p:spPr>
+          <a:xfrm>
+            <a:off x="4665058" y="6510424"/>
+            <a:ext cx="2743200" cy="365125"/>
+          </a:xfrm>
+        </p:spPr>
+        <p:txBody>
+          <a:bodyPr/>
+          <a:lstStyle/>
+          <a:p>
+            <a:pPr algn="ctr"/>
+            <a:fld id="{59E45DDC-7D0C-4364-8766-4F6548156F25}" type="slidenum">
+              <a:rPr lang="en-GB" sz="1600" b="1" smtClean="0"/>
+              <a:pPr algn="ctr"/>
+              <a:t>2</a:t>
+            </a:fld>
+            <a:endParaRPr lang="en-GB" sz="1600" b="1" dirty="0"/>
+          </a:p>
+        </p:txBody>
+      </p:sp>
     </p:spTree>
     <p:extLst>
       <p:ext uri="{BB962C8B-B14F-4D97-AF65-F5344CB8AC3E}">
@@ -7675,8 +8208,16 @@
                 <a:ea typeface="+mj-ea"/>
                 <a:cs typeface="+mj-cs"/>
               </a:rPr>
-              <a:t>Genetic Algorithms</a:t>
-            </a:r>
+              <a:t>Sentiment Analysis</a:t>
+            </a:r>
+            <a:endParaRPr lang="en-US" sz="3600" kern="1200" dirty="0">
+              <a:solidFill>
+                <a:schemeClr val="tx1"/>
+              </a:solidFill>
+              <a:latin typeface="+mj-lt"/>
+              <a:ea typeface="+mj-ea"/>
+              <a:cs typeface="+mj-cs"/>
+            </a:endParaRPr>
           </a:p>
         </p:txBody>
       </p:sp>
@@ -7695,7 +8236,7 @@
         <p:spPr>
           <a:xfrm>
             <a:off x="1045029" y="2524721"/>
-            <a:ext cx="4991629" cy="3677123"/>
+            <a:ext cx="4991629" cy="3789494"/>
           </a:xfrm>
           <a:prstGeom prst="rect">
             <a:avLst/>
@@ -7703,9 +8244,259 @@
         </p:spPr>
         <p:txBody>
           <a:bodyPr vert="horz" lIns="91440" tIns="45720" rIns="91440" bIns="45720" rtlCol="0" anchor="ctr">
-            <a:noAutofit/>
+            <a:normAutofit/>
           </a:bodyPr>
           <a:lstStyle/>
+          <a:p>
+            <a:pPr marL="457200" indent="-457200">
+              <a:lnSpc>
+                <a:spcPct val="110000"/>
+              </a:lnSpc>
+              <a:spcAft>
+                <a:spcPts val="1680"/>
+              </a:spcAft>
+              <a:buFont typeface="Arial" panose="020B0604020202020204" pitchFamily="34" charset="0"/>
+              <a:buChar char="•"/>
+            </a:pPr>
+            <a:r>
+              <a:rPr lang="en-GB" sz="2000" dirty="0">
+                <a:solidFill>
+                  <a:schemeClr val="bg1">
+                    <a:lumMod val="10000"/>
+                  </a:schemeClr>
+                </a:solidFill>
+                <a:latin typeface="Calibri" panose="020F0502020204030204" pitchFamily="34" charset="0"/>
+                <a:cs typeface="Times New Roman" panose="02020603050405020304" pitchFamily="18" charset="0"/>
+              </a:rPr>
+              <a:t>Detect </a:t>
+            </a:r>
+            <a:r>
+              <a:rPr lang="en-GB" sz="2000" b="1" dirty="0">
+                <a:solidFill>
+                  <a:schemeClr val="accent1"/>
+                </a:solidFill>
+                <a:latin typeface="Calibri" panose="020F0502020204030204" pitchFamily="34" charset="0"/>
+                <a:cs typeface="Times New Roman" panose="02020603050405020304" pitchFamily="18" charset="0"/>
+              </a:rPr>
+              <a:t>emotion</a:t>
+            </a:r>
+            <a:r>
+              <a:rPr lang="en-GB" sz="2000" dirty="0">
+                <a:solidFill>
+                  <a:schemeClr val="bg1">
+                    <a:lumMod val="10000"/>
+                  </a:schemeClr>
+                </a:solidFill>
+                <a:latin typeface="Calibri" panose="020F0502020204030204" pitchFamily="34" charset="0"/>
+                <a:cs typeface="Times New Roman" panose="02020603050405020304" pitchFamily="18" charset="0"/>
+              </a:rPr>
+              <a:t> and </a:t>
+            </a:r>
+            <a:r>
+              <a:rPr lang="en-GB" sz="2000" b="1" dirty="0">
+                <a:solidFill>
+                  <a:schemeClr val="accent1"/>
+                </a:solidFill>
+                <a:latin typeface="Calibri" panose="020F0502020204030204" pitchFamily="34" charset="0"/>
+                <a:cs typeface="Times New Roman" panose="02020603050405020304" pitchFamily="18" charset="0"/>
+              </a:rPr>
+              <a:t>opinion</a:t>
+            </a:r>
+            <a:r>
+              <a:rPr lang="en-GB" sz="2000" dirty="0">
+                <a:solidFill>
+                  <a:schemeClr val="bg1">
+                    <a:lumMod val="10000"/>
+                  </a:schemeClr>
+                </a:solidFill>
+                <a:latin typeface="Calibri" panose="020F0502020204030204" pitchFamily="34" charset="0"/>
+                <a:cs typeface="Times New Roman" panose="02020603050405020304" pitchFamily="18" charset="0"/>
+              </a:rPr>
+              <a:t> in text</a:t>
+            </a:r>
+            <a:endParaRPr lang="it-IT" sz="2000" dirty="0">
+              <a:solidFill>
+                <a:schemeClr val="bg1">
+                  <a:lumMod val="10000"/>
+                </a:schemeClr>
+              </a:solidFill>
+              <a:latin typeface="Calibri" panose="020F0502020204030204" pitchFamily="34" charset="0"/>
+              <a:cs typeface="Times New Roman" panose="02020603050405020304" pitchFamily="18" charset="0"/>
+            </a:endParaRPr>
+          </a:p>
+          <a:p>
+            <a:pPr marL="457200" indent="-457200">
+              <a:lnSpc>
+                <a:spcPct val="110000"/>
+              </a:lnSpc>
+              <a:spcAft>
+                <a:spcPts val="1680"/>
+              </a:spcAft>
+              <a:buFont typeface="Arial" panose="020B0604020202020204" pitchFamily="34" charset="0"/>
+              <a:buChar char="•"/>
+            </a:pPr>
+            <a:r>
+              <a:rPr lang="it-IT" sz="2000" dirty="0">
+                <a:solidFill>
+                  <a:schemeClr val="bg1">
+                    <a:lumMod val="10000"/>
+                  </a:schemeClr>
+                </a:solidFill>
+                <a:latin typeface="Calibri" panose="020F0502020204030204" pitchFamily="34" charset="0"/>
+                <a:cs typeface="Times New Roman" panose="02020603050405020304" pitchFamily="18" charset="0"/>
+              </a:rPr>
+              <a:t>Binary clasification: decide whether the text is </a:t>
+            </a:r>
+            <a:r>
+              <a:rPr lang="it-IT" sz="2000" b="1" dirty="0">
+                <a:solidFill>
+                  <a:schemeClr val="accent1"/>
+                </a:solidFill>
+                <a:latin typeface="Calibri" panose="020F0502020204030204" pitchFamily="34" charset="0"/>
+                <a:cs typeface="Times New Roman" panose="02020603050405020304" pitchFamily="18" charset="0"/>
+              </a:rPr>
+              <a:t>positive</a:t>
+            </a:r>
+            <a:r>
+              <a:rPr lang="it-IT" sz="2000" dirty="0">
+                <a:solidFill>
+                  <a:schemeClr val="bg1">
+                    <a:lumMod val="10000"/>
+                  </a:schemeClr>
+                </a:solidFill>
+                <a:latin typeface="Calibri" panose="020F0502020204030204" pitchFamily="34" charset="0"/>
+                <a:cs typeface="Times New Roman" panose="02020603050405020304" pitchFamily="18" charset="0"/>
+              </a:rPr>
+              <a:t> or </a:t>
+            </a:r>
+            <a:r>
+              <a:rPr lang="it-IT" sz="2000" b="1" dirty="0">
+                <a:solidFill>
+                  <a:schemeClr val="accent1"/>
+                </a:solidFill>
+                <a:latin typeface="Calibri" panose="020F0502020204030204" pitchFamily="34" charset="0"/>
+                <a:cs typeface="Times New Roman" panose="02020603050405020304" pitchFamily="18" charset="0"/>
+              </a:rPr>
+              <a:t>negative</a:t>
+            </a:r>
+          </a:p>
+          <a:p>
+            <a:pPr>
+              <a:lnSpc>
+                <a:spcPct val="110000"/>
+              </a:lnSpc>
+              <a:spcAft>
+                <a:spcPts val="1680"/>
+              </a:spcAft>
+            </a:pPr>
+            <a:r>
+              <a:rPr lang="en-GB" sz="2000" b="1" dirty="0">
+                <a:effectLst/>
+                <a:latin typeface="Calibri" panose="020F0502020204030204" pitchFamily="34" charset="0"/>
+                <a:ea typeface="Times New Roman" panose="02020603050405020304" pitchFamily="18" charset="0"/>
+                <a:cs typeface="Times New Roman" panose="02020603050405020304" pitchFamily="18" charset="0"/>
+              </a:rPr>
+              <a:t>... IMDB Movie Review Dataset</a:t>
+            </a:r>
+          </a:p>
+          <a:p>
+            <a:pPr marL="457200" indent="-457200">
+              <a:lnSpc>
+                <a:spcPct val="110000"/>
+              </a:lnSpc>
+              <a:spcAft>
+                <a:spcPts val="1680"/>
+              </a:spcAft>
+              <a:buFont typeface="Arial" panose="020B0604020202020204" pitchFamily="34" charset="0"/>
+              <a:buChar char="•"/>
+            </a:pPr>
+            <a:r>
+              <a:rPr lang="en-GB" sz="2000" dirty="0">
+                <a:solidFill>
+                  <a:schemeClr val="bg1">
+                    <a:lumMod val="10000"/>
+                  </a:schemeClr>
+                </a:solidFill>
+                <a:latin typeface="Calibri" panose="020F0502020204030204" pitchFamily="34" charset="0"/>
+                <a:cs typeface="Times New Roman" panose="02020603050405020304" pitchFamily="18" charset="0"/>
+              </a:rPr>
+              <a:t>50,000 </a:t>
+            </a:r>
+            <a:r>
+              <a:rPr lang="en-GB" sz="2000" b="1" dirty="0">
+                <a:solidFill>
+                  <a:schemeClr val="accent1"/>
+                </a:solidFill>
+                <a:latin typeface="Calibri" panose="020F0502020204030204" pitchFamily="34" charset="0"/>
+                <a:cs typeface="Times New Roman" panose="02020603050405020304" pitchFamily="18" charset="0"/>
+              </a:rPr>
+              <a:t>movie reviews </a:t>
+            </a:r>
+          </a:p>
+          <a:p>
+            <a:pPr marL="457200" indent="-457200">
+              <a:lnSpc>
+                <a:spcPct val="110000"/>
+              </a:lnSpc>
+              <a:spcAft>
+                <a:spcPts val="1680"/>
+              </a:spcAft>
+              <a:buFont typeface="Arial" panose="020B0604020202020204" pitchFamily="34" charset="0"/>
+              <a:buChar char="•"/>
+            </a:pPr>
+            <a:r>
+              <a:rPr lang="en-GB" sz="2000" dirty="0">
+                <a:solidFill>
+                  <a:srgbClr val="000000"/>
+                </a:solidFill>
+                <a:latin typeface="Calibri" panose="020F0502020204030204" pitchFamily="34" charset="0"/>
+                <a:cs typeface="Times New Roman" panose="02020603050405020304" pitchFamily="18" charset="0"/>
+              </a:rPr>
+              <a:t>25,000 </a:t>
+            </a:r>
+            <a:r>
+              <a:rPr lang="en-GB" sz="2000" b="1" dirty="0">
+                <a:solidFill>
+                  <a:schemeClr val="accent1"/>
+                </a:solidFill>
+                <a:latin typeface="Calibri" panose="020F0502020204030204" pitchFamily="34" charset="0"/>
+                <a:cs typeface="Times New Roman" panose="02020603050405020304" pitchFamily="18" charset="0"/>
+              </a:rPr>
+              <a:t>classified as negative </a:t>
+            </a:r>
+            <a:r>
+              <a:rPr lang="en-GB" sz="2000" dirty="0">
+                <a:solidFill>
+                  <a:schemeClr val="bg1">
+                    <a:lumMod val="10000"/>
+                  </a:schemeClr>
+                </a:solidFill>
+                <a:latin typeface="Calibri" panose="020F0502020204030204" pitchFamily="34" charset="0"/>
+                <a:cs typeface="Times New Roman" panose="02020603050405020304" pitchFamily="18" charset="0"/>
+              </a:rPr>
+              <a:t>and </a:t>
+            </a:r>
+            <a:r>
+              <a:rPr lang="en-GB" sz="2000" dirty="0">
+                <a:solidFill>
+                  <a:srgbClr val="000000"/>
+                </a:solidFill>
+                <a:latin typeface="Calibri" panose="020F0502020204030204" pitchFamily="34" charset="0"/>
+                <a:cs typeface="Times New Roman" panose="02020603050405020304" pitchFamily="18" charset="0"/>
+              </a:rPr>
+              <a:t>25,000</a:t>
+            </a:r>
+            <a:r>
+              <a:rPr lang="en-GB" sz="2000" b="1" dirty="0">
+                <a:solidFill>
+                  <a:schemeClr val="accent1"/>
+                </a:solidFill>
+                <a:latin typeface="Calibri" panose="020F0502020204030204" pitchFamily="34" charset="0"/>
+                <a:cs typeface="Times New Roman" panose="02020603050405020304" pitchFamily="18" charset="0"/>
+              </a:rPr>
+              <a:t> classified as positive</a:t>
+            </a:r>
+          </a:p>
           <a:p>
             <a:pPr marL="342900" indent="-228600">
               <a:lnSpc>
@@ -7717,192 +8508,7 @@
               <a:buFont typeface="Arial" panose="020B0604020202020204" pitchFamily="34" charset="0"/>
               <a:buChar char="•"/>
             </a:pPr>
-            <a:r>
-              <a:rPr lang="en-US" sz="2000" dirty="0">
-                <a:effectLst/>
-              </a:rPr>
-              <a:t>concept of biological processes of </a:t>
-            </a:r>
-            <a:r>
-              <a:rPr lang="en-US" sz="2000" b="1" dirty="0">
-                <a:effectLst/>
-              </a:rPr>
-              <a:t>evolution</a:t>
-            </a:r>
-            <a:r>
-              <a:rPr lang="en-US" sz="2000" dirty="0">
-                <a:effectLst/>
-              </a:rPr>
-              <a:t> and </a:t>
-            </a:r>
-            <a:r>
-              <a:rPr lang="en-US" sz="2000" b="1" dirty="0">
-                <a:effectLst/>
-              </a:rPr>
-              <a:t>natural selection</a:t>
-            </a:r>
-          </a:p>
-          <a:p>
-            <a:pPr marL="342900" indent="-228600">
-              <a:lnSpc>
-                <a:spcPct val="90000"/>
-              </a:lnSpc>
-              <a:spcAft>
-                <a:spcPts val="1680"/>
-              </a:spcAft>
-              <a:buFont typeface="Arial" panose="020B0604020202020204" pitchFamily="34" charset="0"/>
-              <a:buChar char="•"/>
-            </a:pPr>
-            <a:r>
-              <a:rPr lang="en-US" sz="2000" dirty="0">
-                <a:effectLst/>
-              </a:rPr>
-              <a:t>continuously </a:t>
-            </a:r>
-            <a:r>
-              <a:rPr lang="en-US" sz="2000" b="1" dirty="0">
-                <a:effectLst/>
-              </a:rPr>
-              <a:t>generate possible solutions</a:t>
-            </a:r>
-          </a:p>
-          <a:p>
-            <a:pPr marL="342900" indent="-228600">
-              <a:lnSpc>
-                <a:spcPct val="90000"/>
-              </a:lnSpc>
-              <a:spcAft>
-                <a:spcPts val="1680"/>
-              </a:spcAft>
-              <a:buFont typeface="Arial" panose="020B0604020202020204" pitchFamily="34" charset="0"/>
-              <a:buChar char="•"/>
-            </a:pPr>
-            <a:r>
-              <a:rPr lang="en-US" sz="2000" dirty="0">
-                <a:effectLst/>
-              </a:rPr>
-              <a:t>evaluate solutions against </a:t>
-            </a:r>
-            <a:r>
-              <a:rPr lang="en-US" sz="2000" b="1" dirty="0">
-                <a:effectLst/>
-              </a:rPr>
-              <a:t>fitness function </a:t>
-            </a:r>
-            <a:r>
-              <a:rPr lang="en-US" sz="2000" dirty="0">
-                <a:effectLst/>
-              </a:rPr>
-              <a:t>(measure </a:t>
-            </a:r>
-            <a:r>
-              <a:rPr lang="en-US" sz="2000" b="1" dirty="0">
-                <a:effectLst/>
-              </a:rPr>
-              <a:t>how close </a:t>
-            </a:r>
-            <a:r>
-              <a:rPr lang="en-US" sz="2000" dirty="0">
-                <a:effectLst/>
-              </a:rPr>
-              <a:t>we are </a:t>
-            </a:r>
-            <a:r>
-              <a:rPr lang="en-US" sz="2000" b="1" dirty="0">
-                <a:effectLst/>
-              </a:rPr>
-              <a:t>to the target label</a:t>
-            </a:r>
-            <a:r>
-              <a:rPr lang="en-US" sz="2000" dirty="0">
-                <a:effectLst/>
-              </a:rPr>
-              <a:t>)</a:t>
-            </a:r>
-          </a:p>
-          <a:p>
-            <a:pPr marL="342900" indent="-228600">
-              <a:lnSpc>
-                <a:spcPct val="90000"/>
-              </a:lnSpc>
-              <a:spcAft>
-                <a:spcPts val="1680"/>
-              </a:spcAft>
-              <a:buFont typeface="Arial" panose="020B0604020202020204" pitchFamily="34" charset="0"/>
-              <a:buChar char="•"/>
-            </a:pPr>
-            <a:r>
-              <a:rPr lang="en-US" sz="2000" dirty="0"/>
-              <a:t>r</a:t>
-            </a:r>
-            <a:r>
-              <a:rPr lang="en-US" sz="2000" dirty="0">
-                <a:effectLst/>
-              </a:rPr>
-              <a:t>efine solutions </a:t>
-            </a:r>
-            <a:r>
-              <a:rPr lang="en-US" sz="2000" b="1" dirty="0">
-                <a:effectLst/>
-              </a:rPr>
-              <a:t>…move towards a </a:t>
-            </a:r>
-            <a:r>
-              <a:rPr lang="en-US" sz="2000" b="1" dirty="0"/>
-              <a:t>solution </a:t>
-            </a:r>
-            <a:r>
-              <a:rPr lang="en-US" sz="2000" dirty="0"/>
-              <a:t>by</a:t>
-            </a:r>
-            <a:r>
-              <a:rPr lang="en-US" sz="2000" b="1" dirty="0"/>
-              <a:t> swapping words with </a:t>
-            </a:r>
-            <a:r>
-              <a:rPr lang="en-US" sz="2000" dirty="0"/>
-              <a:t>their</a:t>
-            </a:r>
-            <a:r>
-              <a:rPr lang="en-US" sz="2000" b="1" dirty="0"/>
-              <a:t> synonyms </a:t>
-            </a:r>
-            <a:r>
-              <a:rPr lang="en-US" sz="2000" dirty="0"/>
-              <a:t>to</a:t>
-            </a:r>
-            <a:r>
-              <a:rPr lang="en-US" sz="2000" b="1" dirty="0"/>
-              <a:t> </a:t>
-            </a:r>
-            <a:r>
-              <a:rPr lang="en-US" sz="2000" b="1" dirty="0" err="1"/>
-              <a:t>optimise</a:t>
-            </a:r>
-            <a:r>
-              <a:rPr lang="en-US" sz="2000" b="1" dirty="0"/>
-              <a:t> fitness function</a:t>
-            </a:r>
-          </a:p>
-          <a:p>
-            <a:pPr marL="342900" indent="-228600">
-              <a:lnSpc>
-                <a:spcPct val="90000"/>
-              </a:lnSpc>
-              <a:spcAft>
-                <a:spcPts val="1680"/>
-              </a:spcAft>
-              <a:buFont typeface="Arial" panose="020B0604020202020204" pitchFamily="34" charset="0"/>
-              <a:buChar char="•"/>
-            </a:pPr>
-            <a:r>
-              <a:rPr lang="en-US" sz="2000" b="1" dirty="0"/>
-              <a:t>flip</a:t>
-            </a:r>
-            <a:r>
-              <a:rPr lang="en-US" sz="2000" dirty="0"/>
-              <a:t> sentiment label</a:t>
-            </a:r>
+            <a:endParaRPr lang="en-US" dirty="0"/>
           </a:p>
         </p:txBody>
       </p:sp>
@@ -7976,40 +8582,6 @@
           </a:p>
         </p:txBody>
       </p:sp>
-      <p:pic>
-        <p:nvPicPr>
-          <p:cNvPr id="5" name="Picture 4" descr="Graphical user interface, text, application&#10;&#10;Description automatically generated">
-            <a:extLst>
-              <a:ext uri="{FF2B5EF4-FFF2-40B4-BE49-F238E27FC236}">
-                <a16:creationId xmlns:a16="http://schemas.microsoft.com/office/drawing/2014/main" id="{6CCC6EF0-B78D-47B8-BE16-41BD1D021ECA}"/>
-              </a:ext>
-            </a:extLst>
-          </p:cNvPr>
-          <p:cNvPicPr/>
-          <p:nvPr/>
-        </p:nvPicPr>
-        <p:blipFill>
-          <a:blip r:embed="rId2">
-            <a:extLst>
-              <a:ext uri="{28A0092B-C50C-407E-A947-70E740481C1C}">
-                <a14:useLocalDpi xmlns:a14="http://schemas.microsoft.com/office/drawing/2010/main" val="0"/>
-              </a:ext>
-            </a:extLst>
-          </a:blip>
-          <a:stretch>
-            <a:fillRect/>
-          </a:stretch>
-        </p:blipFill>
-        <p:spPr>
-          <a:xfrm>
-            <a:off x="7404929" y="901032"/>
-            <a:ext cx="3274380" cy="5116220"/>
-          </a:xfrm>
-          <a:prstGeom prst="rect">
-            <a:avLst/>
-          </a:prstGeom>
-        </p:spPr>
-      </p:pic>
       <p:cxnSp>
         <p:nvCxnSpPr>
           <p:cNvPr id="21" name="Straight Connector 20">
@@ -8062,10 +8634,82 @@
           </a:fontRef>
         </p:style>
       </p:cxnSp>
+      <p:pic>
+        <p:nvPicPr>
+          <p:cNvPr id="6" name="Picture 5" descr="Shape, rectangle&#10;&#10;Description automatically generated">
+            <a:extLst>
+              <a:ext uri="{FF2B5EF4-FFF2-40B4-BE49-F238E27FC236}">
+                <a16:creationId xmlns:a16="http://schemas.microsoft.com/office/drawing/2014/main" id="{94B96111-0EA2-4D35-8308-F73D295FE004}"/>
+              </a:ext>
+            </a:extLst>
+          </p:cNvPr>
+          <p:cNvPicPr>
+            <a:picLocks noChangeAspect="1"/>
+          </p:cNvPicPr>
+          <p:nvPr/>
+        </p:nvPicPr>
+        <p:blipFill>
+          <a:blip r:embed="rId2">
+            <a:extLst>
+              <a:ext uri="{28A0092B-C50C-407E-A947-70E740481C1C}">
+                <a14:useLocalDpi xmlns:a14="http://schemas.microsoft.com/office/drawing/2010/main" val="0"/>
+              </a:ext>
+            </a:extLst>
+          </a:blip>
+          <a:stretch>
+            <a:fillRect/>
+          </a:stretch>
+        </p:blipFill>
+        <p:spPr>
+          <a:xfrm>
+            <a:off x="6762386" y="2228919"/>
+            <a:ext cx="4545328" cy="2352405"/>
+          </a:xfrm>
+          <a:prstGeom prst="rect">
+            <a:avLst/>
+          </a:prstGeom>
+        </p:spPr>
+      </p:pic>
+      <p:sp>
+        <p:nvSpPr>
+          <p:cNvPr id="5" name="Slide Number Placeholder 4">
+            <a:extLst>
+              <a:ext uri="{FF2B5EF4-FFF2-40B4-BE49-F238E27FC236}">
+                <a16:creationId xmlns:a16="http://schemas.microsoft.com/office/drawing/2014/main" id="{07E967AF-BA25-48EC-9A1E-08F57E271498}"/>
+              </a:ext>
+            </a:extLst>
+          </p:cNvPr>
+          <p:cNvSpPr>
+            <a:spLocks noGrp="1"/>
+          </p:cNvSpPr>
+          <p:nvPr>
+            <p:ph type="sldNum" sz="quarter" idx="12"/>
+          </p:nvPr>
+        </p:nvSpPr>
+        <p:spPr>
+          <a:xfrm>
+            <a:off x="4665058" y="6488782"/>
+            <a:ext cx="2743200" cy="365125"/>
+          </a:xfrm>
+        </p:spPr>
+        <p:txBody>
+          <a:bodyPr/>
+          <a:lstStyle/>
+          <a:p>
+            <a:pPr algn="ctr"/>
+            <a:fld id="{59E45DDC-7D0C-4364-8766-4F6548156F25}" type="slidenum">
+              <a:rPr lang="en-GB" sz="1600" b="1" smtClean="0"/>
+              <a:pPr algn="ctr"/>
+              <a:t>3</a:t>
+            </a:fld>
+            <a:endParaRPr lang="en-GB" sz="1600" b="1" dirty="0"/>
+          </a:p>
+        </p:txBody>
+      </p:sp>
     </p:spTree>
     <p:extLst>
       <p:ext uri="{BB962C8B-B14F-4D97-AF65-F5344CB8AC3E}">
-        <p14:creationId xmlns:p14="http://schemas.microsoft.com/office/powerpoint/2010/main" val="3951490703"/>
+        <p14:creationId xmlns:p14="http://schemas.microsoft.com/office/powerpoint/2010/main" val="1664846449"/>
       </p:ext>
     </p:extLst>
   </p:cSld>
@@ -8076,6 +8720,1236 @@
 </file>
 
 <file path=ppt/slides/slide4.xml><?xml version="1.0" encoding="utf-8"?>
+<p:sld xmlns:a="http://schemas.openxmlformats.org/drawingml/2006/main" xmlns:r="http://schemas.openxmlformats.org/officeDocument/2006/relationships" xmlns:p="http://schemas.openxmlformats.org/presentationml/2006/main">
+  <p:cSld>
+    <p:bg>
+      <p:bgPr>
+        <a:solidFill>
+          <a:schemeClr val="bg1"/>
+        </a:solidFill>
+        <a:effectLst/>
+      </p:bgPr>
+    </p:bg>
+    <p:spTree>
+      <p:nvGrpSpPr>
+        <p:cNvPr id="1" name=""/>
+        <p:cNvGrpSpPr/>
+        <p:nvPr/>
+      </p:nvGrpSpPr>
+      <p:grpSpPr>
+        <a:xfrm>
+          <a:off x="0" y="0"/>
+          <a:ext cx="0" cy="0"/>
+          <a:chOff x="0" y="0"/>
+          <a:chExt cx="0" cy="0"/>
+        </a:xfrm>
+      </p:grpSpPr>
+      <p:sp useBgFill="1">
+        <p:nvSpPr>
+          <p:cNvPr id="26" name="Rectangle 25">
+            <a:extLst>
+              <a:ext uri="{FF2B5EF4-FFF2-40B4-BE49-F238E27FC236}">
+                <a16:creationId xmlns:a16="http://schemas.microsoft.com/office/drawing/2014/main" id="{28D31E1B-0407-4223-9642-0B642CBF57D9}"/>
+              </a:ext>
+              <a:ext uri="{C183D7F6-B498-43B3-948B-1728B52AA6E4}">
+                <adec:decorative xmlns:adec="http://schemas.microsoft.com/office/drawing/2017/decorative" val="1"/>
+              </a:ext>
+            </a:extLst>
+          </p:cNvPr>
+          <p:cNvSpPr>
+            <a:spLocks noGrp="1" noRot="1" noChangeAspect="1" noMove="1" noResize="1" noEditPoints="1" noAdjustHandles="1" noChangeArrowheads="1" noChangeShapeType="1" noTextEdit="1"/>
+          </p:cNvSpPr>
+          <p:nvPr>
+            <p:extLst>
+              <p:ext uri="{386F3935-93C4-4BCD-93E2-E3B085C9AB24}">
+                <p16:designElem xmlns:p16="http://schemas.microsoft.com/office/powerpoint/2015/main" val="1"/>
+              </p:ext>
+            </p:extLst>
+          </p:nvPr>
+        </p:nvSpPr>
+        <p:spPr>
+          <a:xfrm>
+            <a:off x="0" y="0"/>
+            <a:ext cx="12191999" cy="6857365"/>
+          </a:xfrm>
+          <a:prstGeom prst="rect">
+            <a:avLst/>
+          </a:prstGeom>
+          <a:ln>
+            <a:noFill/>
+          </a:ln>
+        </p:spPr>
+        <p:style>
+          <a:lnRef idx="2">
+            <a:schemeClr val="accent1">
+              <a:shade val="50000"/>
+            </a:schemeClr>
+          </a:lnRef>
+          <a:fillRef idx="1">
+            <a:schemeClr val="accent1"/>
+          </a:fillRef>
+          <a:effectRef idx="0">
+            <a:schemeClr val="accent1"/>
+          </a:effectRef>
+          <a:fontRef idx="minor">
+            <a:schemeClr val="lt1"/>
+          </a:fontRef>
+        </p:style>
+        <p:txBody>
+          <a:bodyPr rtlCol="0" anchor="ctr"/>
+          <a:lstStyle/>
+          <a:p>
+            <a:pPr algn="ctr"/>
+            <a:endParaRPr lang="en-US"/>
+          </a:p>
+        </p:txBody>
+      </p:sp>
+      <p:grpSp>
+        <p:nvGrpSpPr>
+          <p:cNvPr id="28" name="Group 27">
+            <a:extLst>
+              <a:ext uri="{FF2B5EF4-FFF2-40B4-BE49-F238E27FC236}">
+                <a16:creationId xmlns:a16="http://schemas.microsoft.com/office/drawing/2014/main" id="{AE1C45F0-260A-458C-96ED-C1F6D2151219}"/>
+              </a:ext>
+              <a:ext uri="{C183D7F6-B498-43B3-948B-1728B52AA6E4}">
+                <adec:decorative xmlns:adec="http://schemas.microsoft.com/office/drawing/2017/decorative" val="1"/>
+              </a:ext>
+            </a:extLst>
+          </p:cNvPr>
+          <p:cNvGrpSpPr>
+            <a:grpSpLocks noGrp="1" noUngrp="1" noRot="1" noChangeAspect="1" noMove="1" noResize="1"/>
+          </p:cNvGrpSpPr>
+          <p:nvPr>
+            <p:extLst>
+              <p:ext uri="{386F3935-93C4-4BCD-93E2-E3B085C9AB24}">
+                <p16:designElem xmlns:p16="http://schemas.microsoft.com/office/powerpoint/2015/main" val="1"/>
+              </p:ext>
+            </p:extLst>
+          </p:nvPr>
+        </p:nvGrpSpPr>
+        <p:grpSpPr>
+          <a:xfrm>
+            <a:off x="4" y="1062849"/>
+            <a:ext cx="731521" cy="673460"/>
+            <a:chOff x="3940602" y="308034"/>
+            <a:chExt cx="2116791" cy="3428999"/>
+          </a:xfrm>
+          <a:solidFill>
+            <a:schemeClr val="accent4"/>
+          </a:solidFill>
+        </p:grpSpPr>
+        <p:sp>
+          <p:nvSpPr>
+            <p:cNvPr id="42" name="Rectangle 28">
+              <a:extLst>
+                <a:ext uri="{FF2B5EF4-FFF2-40B4-BE49-F238E27FC236}">
+                  <a16:creationId xmlns:a16="http://schemas.microsoft.com/office/drawing/2014/main" id="{A6604B49-AD5C-4590-B051-06C8222ECD99}"/>
+                </a:ext>
+                <a:ext uri="{C183D7F6-B498-43B3-948B-1728B52AA6E4}">
+                  <adec:decorative xmlns:adec="http://schemas.microsoft.com/office/drawing/2017/decorative" val="1"/>
+                </a:ext>
+              </a:extLst>
+            </p:cNvPr>
+            <p:cNvSpPr/>
+            <p:nvPr>
+              <p:extLst>
+                <p:ext uri="{386F3935-93C4-4BCD-93E2-E3B085C9AB24}">
+                  <p16:designElem xmlns:p16="http://schemas.microsoft.com/office/powerpoint/2015/main" val="1"/>
+                </p:ext>
+              </p:extLst>
+            </p:nvPr>
+          </p:nvSpPr>
+          <p:spPr>
+            <a:xfrm>
+              <a:off x="3940602" y="308034"/>
+              <a:ext cx="566743" cy="3428999"/>
+            </a:xfrm>
+            <a:prstGeom prst="rect">
+              <a:avLst/>
+            </a:prstGeom>
+            <a:grpFill/>
+            <a:ln>
+              <a:noFill/>
+            </a:ln>
+          </p:spPr>
+          <p:style>
+            <a:lnRef idx="2">
+              <a:schemeClr val="accent1">
+                <a:shade val="50000"/>
+              </a:schemeClr>
+            </a:lnRef>
+            <a:fillRef idx="1">
+              <a:schemeClr val="accent1"/>
+            </a:fillRef>
+            <a:effectRef idx="0">
+              <a:schemeClr val="accent1"/>
+            </a:effectRef>
+            <a:fontRef idx="minor">
+              <a:schemeClr val="lt1"/>
+            </a:fontRef>
+          </p:style>
+          <p:txBody>
+            <a:bodyPr rtlCol="0" anchor="ctr"/>
+            <a:lstStyle/>
+            <a:p>
+              <a:pPr algn="ctr"/>
+              <a:endParaRPr lang="en-US"/>
+            </a:p>
+          </p:txBody>
+        </p:sp>
+        <p:sp>
+          <p:nvSpPr>
+            <p:cNvPr id="30" name="Rectangle 29">
+              <a:extLst>
+                <a:ext uri="{FF2B5EF4-FFF2-40B4-BE49-F238E27FC236}">
+                  <a16:creationId xmlns:a16="http://schemas.microsoft.com/office/drawing/2014/main" id="{743ECCAF-29C5-4537-947C-7EA1292463DB}"/>
+                </a:ext>
+                <a:ext uri="{C183D7F6-B498-43B3-948B-1728B52AA6E4}">
+                  <adec:decorative xmlns:adec="http://schemas.microsoft.com/office/drawing/2017/decorative" val="1"/>
+                </a:ext>
+              </a:extLst>
+            </p:cNvPr>
+            <p:cNvSpPr/>
+            <p:nvPr>
+              <p:extLst>
+                <p:ext uri="{386F3935-93C4-4BCD-93E2-E3B085C9AB24}">
+                  <p16:designElem xmlns:p16="http://schemas.microsoft.com/office/powerpoint/2015/main" val="1"/>
+                </p:ext>
+              </p:extLst>
+            </p:nvPr>
+          </p:nvSpPr>
+          <p:spPr>
+            <a:xfrm>
+              <a:off x="4715626" y="308034"/>
+              <a:ext cx="566743" cy="3428999"/>
+            </a:xfrm>
+            <a:prstGeom prst="rect">
+              <a:avLst/>
+            </a:prstGeom>
+            <a:grpFill/>
+            <a:ln>
+              <a:noFill/>
+            </a:ln>
+          </p:spPr>
+          <p:style>
+            <a:lnRef idx="2">
+              <a:schemeClr val="accent1">
+                <a:shade val="50000"/>
+              </a:schemeClr>
+            </a:lnRef>
+            <a:fillRef idx="1">
+              <a:schemeClr val="accent1"/>
+            </a:fillRef>
+            <a:effectRef idx="0">
+              <a:schemeClr val="accent1"/>
+            </a:effectRef>
+            <a:fontRef idx="minor">
+              <a:schemeClr val="lt1"/>
+            </a:fontRef>
+          </p:style>
+          <p:txBody>
+            <a:bodyPr rtlCol="0" anchor="ctr"/>
+            <a:lstStyle/>
+            <a:p>
+              <a:pPr algn="ctr"/>
+              <a:endParaRPr lang="en-US"/>
+            </a:p>
+          </p:txBody>
+        </p:sp>
+        <p:sp>
+          <p:nvSpPr>
+            <p:cNvPr id="31" name="Rectangle 30">
+              <a:extLst>
+                <a:ext uri="{FF2B5EF4-FFF2-40B4-BE49-F238E27FC236}">
+                  <a16:creationId xmlns:a16="http://schemas.microsoft.com/office/drawing/2014/main" id="{ED49787B-8DE6-4467-AD0A-8DECC6E0C2D6}"/>
+                </a:ext>
+                <a:ext uri="{C183D7F6-B498-43B3-948B-1728B52AA6E4}">
+                  <adec:decorative xmlns:adec="http://schemas.microsoft.com/office/drawing/2017/decorative" val="1"/>
+                </a:ext>
+              </a:extLst>
+            </p:cNvPr>
+            <p:cNvSpPr/>
+            <p:nvPr>
+              <p:extLst>
+                <p:ext uri="{386F3935-93C4-4BCD-93E2-E3B085C9AB24}">
+                  <p16:designElem xmlns:p16="http://schemas.microsoft.com/office/powerpoint/2015/main" val="1"/>
+                </p:ext>
+              </p:extLst>
+            </p:nvPr>
+          </p:nvSpPr>
+          <p:spPr>
+            <a:xfrm>
+              <a:off x="5490650" y="308034"/>
+              <a:ext cx="566743" cy="3428999"/>
+            </a:xfrm>
+            <a:prstGeom prst="rect">
+              <a:avLst/>
+            </a:prstGeom>
+            <a:grpFill/>
+            <a:ln>
+              <a:noFill/>
+            </a:ln>
+          </p:spPr>
+          <p:style>
+            <a:lnRef idx="2">
+              <a:schemeClr val="accent1">
+                <a:shade val="50000"/>
+              </a:schemeClr>
+            </a:lnRef>
+            <a:fillRef idx="1">
+              <a:schemeClr val="accent1"/>
+            </a:fillRef>
+            <a:effectRef idx="0">
+              <a:schemeClr val="accent1"/>
+            </a:effectRef>
+            <a:fontRef idx="minor">
+              <a:schemeClr val="lt1"/>
+            </a:fontRef>
+          </p:style>
+          <p:txBody>
+            <a:bodyPr rtlCol="0" anchor="ctr"/>
+            <a:lstStyle/>
+            <a:p>
+              <a:pPr algn="ctr"/>
+              <a:endParaRPr lang="en-US"/>
+            </a:p>
+          </p:txBody>
+        </p:sp>
+      </p:grpSp>
+      <p:sp>
+        <p:nvSpPr>
+          <p:cNvPr id="33" name="Rectangle 32">
+            <a:extLst>
+              <a:ext uri="{FF2B5EF4-FFF2-40B4-BE49-F238E27FC236}">
+                <a16:creationId xmlns:a16="http://schemas.microsoft.com/office/drawing/2014/main" id="{D5B0017B-2ECA-49AF-B397-DC140825DF8D}"/>
+              </a:ext>
+              <a:ext uri="{C183D7F6-B498-43B3-948B-1728B52AA6E4}">
+                <adec:decorative xmlns:adec="http://schemas.microsoft.com/office/drawing/2017/decorative" val="1"/>
+              </a:ext>
+            </a:extLst>
+          </p:cNvPr>
+          <p:cNvSpPr>
+            <a:spLocks noGrp="1" noRot="1" noChangeAspect="1" noMove="1" noResize="1" noEditPoints="1" noAdjustHandles="1" noChangeArrowheads="1" noChangeShapeType="1" noTextEdit="1"/>
+          </p:cNvSpPr>
+          <p:nvPr>
+            <p:extLst>
+              <p:ext uri="{386F3935-93C4-4BCD-93E2-E3B085C9AB24}">
+                <p16:designElem xmlns:p16="http://schemas.microsoft.com/office/powerpoint/2015/main" val="1"/>
+              </p:ext>
+            </p:extLst>
+          </p:nvPr>
+        </p:nvSpPr>
+        <p:spPr>
+          <a:xfrm>
+            <a:off x="640080" y="656150"/>
+            <a:ext cx="5672667" cy="1431591"/>
+          </a:xfrm>
+          <a:prstGeom prst="rect">
+            <a:avLst/>
+          </a:prstGeom>
+          <a:solidFill>
+            <a:schemeClr val="bg1"/>
+          </a:solidFill>
+          <a:ln>
+            <a:noFill/>
+          </a:ln>
+          <a:effectLst>
+            <a:outerShdw blurRad="139700" dist="127000" dir="5400000" algn="t" rotWithShape="0">
+              <a:prstClr val="black">
+                <a:alpha val="15000"/>
+              </a:prstClr>
+            </a:outerShdw>
+          </a:effectLst>
+        </p:spPr>
+        <p:style>
+          <a:lnRef idx="2">
+            <a:schemeClr val="accent1">
+              <a:shade val="50000"/>
+            </a:schemeClr>
+          </a:lnRef>
+          <a:fillRef idx="1">
+            <a:schemeClr val="accent1"/>
+          </a:fillRef>
+          <a:effectRef idx="0">
+            <a:schemeClr val="accent1"/>
+          </a:effectRef>
+          <a:fontRef idx="minor">
+            <a:schemeClr val="lt1"/>
+          </a:fontRef>
+        </p:style>
+        <p:txBody>
+          <a:bodyPr rtlCol="0" anchor="ctr"/>
+          <a:lstStyle/>
+          <a:p>
+            <a:pPr algn="ctr"/>
+            <a:endParaRPr lang="en-US"/>
+          </a:p>
+        </p:txBody>
+      </p:sp>
+      <p:sp>
+        <p:nvSpPr>
+          <p:cNvPr id="2" name="Title 1">
+            <a:extLst>
+              <a:ext uri="{FF2B5EF4-FFF2-40B4-BE49-F238E27FC236}">
+                <a16:creationId xmlns:a16="http://schemas.microsoft.com/office/drawing/2014/main" id="{F88937ED-511D-4BE7-9355-6D2EB05BBC4D}"/>
+              </a:ext>
+            </a:extLst>
+          </p:cNvPr>
+          <p:cNvSpPr>
+            <a:spLocks noGrp="1"/>
+          </p:cNvSpPr>
+          <p:nvPr>
+            <p:ph type="title"/>
+          </p:nvPr>
+        </p:nvSpPr>
+        <p:spPr>
+          <a:xfrm>
+            <a:off x="1043631" y="873940"/>
+            <a:ext cx="5052369" cy="1035781"/>
+          </a:xfrm>
+        </p:spPr>
+        <p:txBody>
+          <a:bodyPr vert="horz" lIns="91440" tIns="45720" rIns="91440" bIns="45720" rtlCol="0" anchor="ctr">
+            <a:normAutofit/>
+          </a:bodyPr>
+          <a:lstStyle/>
+          <a:p>
+            <a:r>
+              <a:rPr lang="en-US" sz="3600" kern="1200">
+                <a:solidFill>
+                  <a:schemeClr val="tx1"/>
+                </a:solidFill>
+                <a:latin typeface="+mj-lt"/>
+                <a:ea typeface="+mj-ea"/>
+                <a:cs typeface="+mj-cs"/>
+              </a:rPr>
+              <a:t>Sentiment Analysis Model</a:t>
+            </a:r>
+            <a:endParaRPr lang="en-US" sz="3600" kern="1200" dirty="0">
+              <a:solidFill>
+                <a:schemeClr val="tx1"/>
+              </a:solidFill>
+              <a:latin typeface="+mj-lt"/>
+              <a:ea typeface="+mj-ea"/>
+              <a:cs typeface="+mj-cs"/>
+            </a:endParaRPr>
+          </a:p>
+        </p:txBody>
+      </p:sp>
+      <p:sp>
+        <p:nvSpPr>
+          <p:cNvPr id="4" name="TextBox 3">
+            <a:extLst>
+              <a:ext uri="{FF2B5EF4-FFF2-40B4-BE49-F238E27FC236}">
+                <a16:creationId xmlns:a16="http://schemas.microsoft.com/office/drawing/2014/main" id="{AF7F13B0-B7A2-4AE2-BE4F-9F080552CC86}"/>
+              </a:ext>
+            </a:extLst>
+          </p:cNvPr>
+          <p:cNvSpPr txBox="1"/>
+          <p:nvPr/>
+        </p:nvSpPr>
+        <p:spPr>
+          <a:xfrm>
+            <a:off x="1045029" y="2524721"/>
+            <a:ext cx="4991629" cy="3677123"/>
+          </a:xfrm>
+          <a:prstGeom prst="rect">
+            <a:avLst/>
+          </a:prstGeom>
+        </p:spPr>
+        <p:txBody>
+          <a:bodyPr vert="horz" lIns="91440" tIns="45720" rIns="91440" bIns="45720" rtlCol="0" anchor="ctr">
+            <a:normAutofit/>
+          </a:bodyPr>
+          <a:lstStyle/>
+          <a:p>
+            <a:pPr marL="457200" indent="-228600">
+              <a:lnSpc>
+                <a:spcPct val="90000"/>
+              </a:lnSpc>
+              <a:spcAft>
+                <a:spcPts val="1680"/>
+              </a:spcAft>
+              <a:buFont typeface="Arial" panose="020B0604020202020204" pitchFamily="34" charset="0"/>
+              <a:buChar char="•"/>
+            </a:pPr>
+            <a:r>
+              <a:rPr lang="en-US" sz="2000" dirty="0"/>
+              <a:t>Dataset Loading &amp; Pre-processing</a:t>
+            </a:r>
+          </a:p>
+          <a:p>
+            <a:pPr marL="457200" indent="-228600">
+              <a:lnSpc>
+                <a:spcPct val="90000"/>
+              </a:lnSpc>
+              <a:spcAft>
+                <a:spcPts val="1680"/>
+              </a:spcAft>
+              <a:buFont typeface="Arial" panose="020B0604020202020204" pitchFamily="34" charset="0"/>
+              <a:buChar char="•"/>
+            </a:pPr>
+            <a:r>
+              <a:rPr lang="en-US" sz="2000" dirty="0"/>
+              <a:t>Training and Test Data Split</a:t>
+            </a:r>
+          </a:p>
+          <a:p>
+            <a:pPr marL="457200" indent="-228600">
+              <a:lnSpc>
+                <a:spcPct val="90000"/>
+              </a:lnSpc>
+              <a:spcAft>
+                <a:spcPts val="1680"/>
+              </a:spcAft>
+              <a:buFont typeface="Arial" panose="020B0604020202020204" pitchFamily="34" charset="0"/>
+              <a:buChar char="•"/>
+            </a:pPr>
+            <a:r>
+              <a:rPr lang="en-US" sz="2000" dirty="0"/>
+              <a:t>Tokenization</a:t>
+            </a:r>
+          </a:p>
+          <a:p>
+            <a:pPr marL="457200" indent="-228600">
+              <a:lnSpc>
+                <a:spcPct val="90000"/>
+              </a:lnSpc>
+              <a:spcAft>
+                <a:spcPts val="1680"/>
+              </a:spcAft>
+              <a:buFont typeface="Arial" panose="020B0604020202020204" pitchFamily="34" charset="0"/>
+              <a:buChar char="•"/>
+            </a:pPr>
+            <a:r>
+              <a:rPr lang="en-US" sz="2000" dirty="0"/>
+              <a:t>Word Embeddings</a:t>
+            </a:r>
+          </a:p>
+          <a:p>
+            <a:pPr marL="457200" indent="-228600">
+              <a:lnSpc>
+                <a:spcPct val="90000"/>
+              </a:lnSpc>
+              <a:spcAft>
+                <a:spcPts val="1680"/>
+              </a:spcAft>
+              <a:buFont typeface="Arial" panose="020B0604020202020204" pitchFamily="34" charset="0"/>
+              <a:buChar char="•"/>
+            </a:pPr>
+            <a:r>
+              <a:rPr lang="en-US" sz="2000" dirty="0"/>
+              <a:t>Model Training</a:t>
+            </a:r>
+          </a:p>
+          <a:p>
+            <a:pPr marL="457200" indent="-228600">
+              <a:lnSpc>
+                <a:spcPct val="90000"/>
+              </a:lnSpc>
+              <a:spcAft>
+                <a:spcPts val="1680"/>
+              </a:spcAft>
+              <a:buFont typeface="Arial" panose="020B0604020202020204" pitchFamily="34" charset="0"/>
+              <a:buChar char="•"/>
+            </a:pPr>
+            <a:r>
+              <a:rPr lang="en-US" sz="2000" dirty="0"/>
+              <a:t>Model Test &amp; Evaluation</a:t>
+            </a:r>
+          </a:p>
+          <a:p>
+            <a:pPr marL="342900" indent="-228600">
+              <a:lnSpc>
+                <a:spcPct val="90000"/>
+              </a:lnSpc>
+              <a:spcAft>
+                <a:spcPts val="1680"/>
+              </a:spcAft>
+              <a:buFont typeface="Arial" panose="020B0604020202020204" pitchFamily="34" charset="0"/>
+              <a:buChar char="•"/>
+            </a:pPr>
+            <a:endParaRPr lang="en-US" dirty="0"/>
+          </a:p>
+        </p:txBody>
+      </p:sp>
+      <p:sp>
+        <p:nvSpPr>
+          <p:cNvPr id="35" name="Rectangle 34">
+            <a:extLst>
+              <a:ext uri="{FF2B5EF4-FFF2-40B4-BE49-F238E27FC236}">
+                <a16:creationId xmlns:a16="http://schemas.microsoft.com/office/drawing/2014/main" id="{70E96339-907C-46C3-99AC-31179B6F0EBD}"/>
+              </a:ext>
+              <a:ext uri="{C183D7F6-B498-43B3-948B-1728B52AA6E4}">
+                <adec:decorative xmlns:adec="http://schemas.microsoft.com/office/drawing/2017/decorative" val="1"/>
+              </a:ext>
+            </a:extLst>
+          </p:cNvPr>
+          <p:cNvSpPr>
+            <a:spLocks noGrp="1" noRot="1" noChangeAspect="1" noMove="1" noResize="1" noEditPoints="1" noAdjustHandles="1" noChangeArrowheads="1" noChangeShapeType="1" noTextEdit="1"/>
+          </p:cNvSpPr>
+          <p:nvPr>
+            <p:extLst>
+              <p:ext uri="{386F3935-93C4-4BCD-93E2-E3B085C9AB24}">
+                <p16:designElem xmlns:p16="http://schemas.microsoft.com/office/powerpoint/2015/main" val="1"/>
+              </p:ext>
+            </p:extLst>
+          </p:nvPr>
+        </p:nvSpPr>
+        <p:spPr>
+          <a:xfrm>
+            <a:off x="6716299" y="608401"/>
+            <a:ext cx="4637502" cy="5593443"/>
+          </a:xfrm>
+          <a:prstGeom prst="rect">
+            <a:avLst/>
+          </a:prstGeom>
+          <a:solidFill>
+            <a:schemeClr val="bg1"/>
+          </a:solidFill>
+          <a:ln>
+            <a:noFill/>
+          </a:ln>
+          <a:effectLst>
+            <a:outerShdw blurRad="139700" dist="127000" dir="5400000" algn="t" rotWithShape="0">
+              <a:prstClr val="black">
+                <a:alpha val="15000"/>
+              </a:prstClr>
+            </a:outerShdw>
+          </a:effectLst>
+        </p:spPr>
+        <p:style>
+          <a:lnRef idx="2">
+            <a:schemeClr val="accent1">
+              <a:shade val="50000"/>
+            </a:schemeClr>
+          </a:lnRef>
+          <a:fillRef idx="1">
+            <a:schemeClr val="accent1"/>
+          </a:fillRef>
+          <a:effectRef idx="0">
+            <a:schemeClr val="accent1"/>
+          </a:effectRef>
+          <a:fontRef idx="minor">
+            <a:schemeClr val="lt1"/>
+          </a:fontRef>
+        </p:style>
+        <p:txBody>
+          <a:bodyPr rtlCol="0" anchor="ctr"/>
+          <a:lstStyle/>
+          <a:p>
+            <a:pPr algn="ctr"/>
+            <a:endParaRPr lang="en-US"/>
+          </a:p>
+        </p:txBody>
+      </p:sp>
+      <p:pic>
+        <p:nvPicPr>
+          <p:cNvPr id="16" name="Picture 15" descr="Diagram&#10;&#10;Description automatically generated">
+            <a:extLst>
+              <a:ext uri="{FF2B5EF4-FFF2-40B4-BE49-F238E27FC236}">
+                <a16:creationId xmlns:a16="http://schemas.microsoft.com/office/drawing/2014/main" id="{62FDFAFA-F66F-4CEC-A232-43B67106844B}"/>
+              </a:ext>
+            </a:extLst>
+          </p:cNvPr>
+          <p:cNvPicPr>
+            <a:picLocks noChangeAspect="1"/>
+          </p:cNvPicPr>
+          <p:nvPr/>
+        </p:nvPicPr>
+        <p:blipFill>
+          <a:blip r:embed="rId2">
+            <a:extLst>
+              <a:ext uri="{28A0092B-C50C-407E-A947-70E740481C1C}">
+                <a14:useLocalDpi xmlns:a14="http://schemas.microsoft.com/office/drawing/2010/main" val="0"/>
+              </a:ext>
+            </a:extLst>
+          </a:blip>
+          <a:stretch>
+            <a:fillRect/>
+          </a:stretch>
+        </p:blipFill>
+        <p:spPr>
+          <a:xfrm>
+            <a:off x="6923719" y="1747496"/>
+            <a:ext cx="4223252" cy="3315252"/>
+          </a:xfrm>
+          <a:prstGeom prst="rect">
+            <a:avLst/>
+          </a:prstGeom>
+        </p:spPr>
+      </p:pic>
+      <p:cxnSp>
+        <p:nvCxnSpPr>
+          <p:cNvPr id="43" name="Straight Connector 36">
+            <a:extLst>
+              <a:ext uri="{FF2B5EF4-FFF2-40B4-BE49-F238E27FC236}">
+                <a16:creationId xmlns:a16="http://schemas.microsoft.com/office/drawing/2014/main" id="{6CF1BAF6-AD41-4082-B212-8A1F9A2E8779}"/>
+              </a:ext>
+              <a:ext uri="{C183D7F6-B498-43B3-948B-1728B52AA6E4}">
+                <adec:decorative xmlns:adec="http://schemas.microsoft.com/office/drawing/2017/decorative" val="1"/>
+              </a:ext>
+            </a:extLst>
+          </p:cNvPr>
+          <p:cNvCxnSpPr>
+            <a:cxnSpLocks noGrp="1" noRot="1" noChangeAspect="1" noMove="1" noResize="1" noEditPoints="1" noAdjustHandles="1" noChangeArrowheads="1" noChangeShapeType="1"/>
+          </p:cNvCxnSpPr>
+          <p:nvPr>
+            <p:extLst>
+              <p:ext uri="{386F3935-93C4-4BCD-93E2-E3B085C9AB24}">
+                <p16:designElem xmlns:p16="http://schemas.microsoft.com/office/powerpoint/2015/main" val="1"/>
+              </p:ext>
+            </p:extLst>
+          </p:nvPr>
+        </p:nvCxnSpPr>
+        <p:spPr>
+          <a:xfrm flipH="1">
+            <a:off x="838200" y="6492240"/>
+            <a:ext cx="10515600" cy="0"/>
+          </a:xfrm>
+          <a:prstGeom prst="line">
+            <a:avLst/>
+          </a:prstGeom>
+          <a:ln w="57150">
+            <a:solidFill>
+              <a:schemeClr val="accent4"/>
+            </a:solidFill>
+          </a:ln>
+        </p:spPr>
+        <p:style>
+          <a:lnRef idx="1">
+            <a:schemeClr val="accent1"/>
+          </a:lnRef>
+          <a:fillRef idx="0">
+            <a:schemeClr val="accent1"/>
+          </a:fillRef>
+          <a:effectRef idx="0">
+            <a:schemeClr val="accent1"/>
+          </a:effectRef>
+          <a:fontRef idx="minor">
+            <a:schemeClr val="tx1"/>
+          </a:fontRef>
+        </p:style>
+      </p:cxnSp>
+      <p:sp>
+        <p:nvSpPr>
+          <p:cNvPr id="5" name="Slide Number Placeholder 4">
+            <a:extLst>
+              <a:ext uri="{FF2B5EF4-FFF2-40B4-BE49-F238E27FC236}">
+                <a16:creationId xmlns:a16="http://schemas.microsoft.com/office/drawing/2014/main" id="{B0B42221-C058-4ED8-A351-A72B7A585388}"/>
+              </a:ext>
+            </a:extLst>
+          </p:cNvPr>
+          <p:cNvSpPr>
+            <a:spLocks noGrp="1"/>
+          </p:cNvSpPr>
+          <p:nvPr>
+            <p:ph type="sldNum" sz="quarter" idx="12"/>
+          </p:nvPr>
+        </p:nvSpPr>
+        <p:spPr>
+          <a:xfrm>
+            <a:off x="4724399" y="6492875"/>
+            <a:ext cx="2743200" cy="365125"/>
+          </a:xfrm>
+        </p:spPr>
+        <p:txBody>
+          <a:bodyPr/>
+          <a:lstStyle/>
+          <a:p>
+            <a:pPr algn="ctr"/>
+            <a:fld id="{59E45DDC-7D0C-4364-8766-4F6548156F25}" type="slidenum">
+              <a:rPr lang="en-GB" sz="1600" b="1" smtClean="0"/>
+              <a:pPr algn="ctr"/>
+              <a:t>4</a:t>
+            </a:fld>
+            <a:endParaRPr lang="en-GB" sz="1600" b="1" dirty="0"/>
+          </a:p>
+        </p:txBody>
+      </p:sp>
+    </p:spTree>
+    <p:extLst>
+      <p:ext uri="{BB962C8B-B14F-4D97-AF65-F5344CB8AC3E}">
+        <p14:creationId xmlns:p14="http://schemas.microsoft.com/office/powerpoint/2010/main" val="1013573695"/>
+      </p:ext>
+    </p:extLst>
+  </p:cSld>
+  <p:clrMapOvr>
+    <a:masterClrMapping/>
+  </p:clrMapOvr>
+</p:sld>
+</file>
+
+<file path=ppt/slides/slide5.xml><?xml version="1.0" encoding="utf-8"?>
+<p:sld xmlns:a="http://schemas.openxmlformats.org/drawingml/2006/main" xmlns:r="http://schemas.openxmlformats.org/officeDocument/2006/relationships" xmlns:p="http://schemas.openxmlformats.org/presentationml/2006/main">
+  <p:cSld>
+    <p:bg>
+      <p:bgPr>
+        <a:solidFill>
+          <a:schemeClr val="bg1"/>
+        </a:solidFill>
+        <a:effectLst/>
+      </p:bgPr>
+    </p:bg>
+    <p:spTree>
+      <p:nvGrpSpPr>
+        <p:cNvPr id="1" name=""/>
+        <p:cNvGrpSpPr/>
+        <p:nvPr/>
+      </p:nvGrpSpPr>
+      <p:grpSpPr>
+        <a:xfrm>
+          <a:off x="0" y="0"/>
+          <a:ext cx="0" cy="0"/>
+          <a:chOff x="0" y="0"/>
+          <a:chExt cx="0" cy="0"/>
+        </a:xfrm>
+      </p:grpSpPr>
+      <p:sp useBgFill="1">
+        <p:nvSpPr>
+          <p:cNvPr id="48" name="Rectangle 47">
+            <a:extLst>
+              <a:ext uri="{FF2B5EF4-FFF2-40B4-BE49-F238E27FC236}">
+                <a16:creationId xmlns:a16="http://schemas.microsoft.com/office/drawing/2014/main" id="{0855A890-B60B-4670-9DC2-69DC05015AB3}"/>
+              </a:ext>
+              <a:ext uri="{C183D7F6-B498-43B3-948B-1728B52AA6E4}">
+                <adec:decorative xmlns:adec="http://schemas.microsoft.com/office/drawing/2017/decorative" val="1"/>
+              </a:ext>
+            </a:extLst>
+          </p:cNvPr>
+          <p:cNvSpPr>
+            <a:spLocks noGrp="1" noRot="1" noChangeAspect="1" noMove="1" noResize="1" noEditPoints="1" noAdjustHandles="1" noChangeArrowheads="1" noChangeShapeType="1" noTextEdit="1"/>
+          </p:cNvSpPr>
+          <p:nvPr>
+            <p:extLst>
+              <p:ext uri="{386F3935-93C4-4BCD-93E2-E3B085C9AB24}">
+                <p16:designElem xmlns:p16="http://schemas.microsoft.com/office/powerpoint/2015/main" val="1"/>
+              </p:ext>
+            </p:extLst>
+          </p:nvPr>
+        </p:nvSpPr>
+        <p:spPr>
+          <a:xfrm>
+            <a:off x="0" y="0"/>
+            <a:ext cx="12191999" cy="6857365"/>
+          </a:xfrm>
+          <a:prstGeom prst="rect">
+            <a:avLst/>
+          </a:prstGeom>
+          <a:ln>
+            <a:noFill/>
+          </a:ln>
+        </p:spPr>
+        <p:style>
+          <a:lnRef idx="2">
+            <a:schemeClr val="accent1">
+              <a:shade val="50000"/>
+            </a:schemeClr>
+          </a:lnRef>
+          <a:fillRef idx="1">
+            <a:schemeClr val="accent1"/>
+          </a:fillRef>
+          <a:effectRef idx="0">
+            <a:schemeClr val="accent1"/>
+          </a:effectRef>
+          <a:fontRef idx="minor">
+            <a:schemeClr val="lt1"/>
+          </a:fontRef>
+        </p:style>
+        <p:txBody>
+          <a:bodyPr rtlCol="0" anchor="ctr"/>
+          <a:lstStyle/>
+          <a:p>
+            <a:pPr algn="ctr"/>
+            <a:endParaRPr lang="en-US"/>
+          </a:p>
+        </p:txBody>
+      </p:sp>
+      <p:sp>
+        <p:nvSpPr>
+          <p:cNvPr id="2" name="Title 1">
+            <a:extLst>
+              <a:ext uri="{FF2B5EF4-FFF2-40B4-BE49-F238E27FC236}">
+                <a16:creationId xmlns:a16="http://schemas.microsoft.com/office/drawing/2014/main" id="{F88937ED-511D-4BE7-9355-6D2EB05BBC4D}"/>
+              </a:ext>
+            </a:extLst>
+          </p:cNvPr>
+          <p:cNvSpPr>
+            <a:spLocks noGrp="1"/>
+          </p:cNvSpPr>
+          <p:nvPr>
+            <p:ph type="title"/>
+          </p:nvPr>
+        </p:nvSpPr>
+        <p:spPr>
+          <a:xfrm>
+            <a:off x="454467" y="2023110"/>
+            <a:ext cx="2469624" cy="2846070"/>
+          </a:xfrm>
+        </p:spPr>
+        <p:txBody>
+          <a:bodyPr vert="horz" lIns="91440" tIns="45720" rIns="91440" bIns="45720" rtlCol="0" anchor="ctr">
+            <a:normAutofit/>
+          </a:bodyPr>
+          <a:lstStyle/>
+          <a:p>
+            <a:r>
+              <a:rPr lang="en-US" sz="3700"/>
+              <a:t>Sentiment Analysis Model</a:t>
+            </a:r>
+          </a:p>
+        </p:txBody>
+      </p:sp>
+      <p:sp>
+        <p:nvSpPr>
+          <p:cNvPr id="50" name="Rectangle 49">
+            <a:extLst>
+              <a:ext uri="{FF2B5EF4-FFF2-40B4-BE49-F238E27FC236}">
+                <a16:creationId xmlns:a16="http://schemas.microsoft.com/office/drawing/2014/main" id="{90F533E9-6690-41A8-A372-4C6C622D028D}"/>
+              </a:ext>
+              <a:ext uri="{C183D7F6-B498-43B3-948B-1728B52AA6E4}">
+                <adec:decorative xmlns:adec="http://schemas.microsoft.com/office/drawing/2017/decorative" val="1"/>
+              </a:ext>
+            </a:extLst>
+          </p:cNvPr>
+          <p:cNvSpPr>
+            <a:spLocks noGrp="1" noRot="1" noChangeAspect="1" noMove="1" noResize="1" noEditPoints="1" noAdjustHandles="1" noChangeArrowheads="1" noChangeShapeType="1" noTextEdit="1"/>
+          </p:cNvSpPr>
+          <p:nvPr>
+            <p:extLst>
+              <p:ext uri="{386F3935-93C4-4BCD-93E2-E3B085C9AB24}">
+                <p16:designElem xmlns:p16="http://schemas.microsoft.com/office/powerpoint/2015/main" val="1"/>
+              </p:ext>
+            </p:extLst>
+          </p:nvPr>
+        </p:nvSpPr>
+        <p:spPr>
+          <a:xfrm rot="5400000">
+            <a:off x="2522480" y="3392097"/>
+            <a:ext cx="1719072" cy="152382"/>
+          </a:xfrm>
+          <a:prstGeom prst="rect">
+            <a:avLst/>
+          </a:prstGeom>
+          <a:solidFill>
+            <a:schemeClr val="accent4"/>
+          </a:solidFill>
+          <a:ln>
+            <a:noFill/>
+          </a:ln>
+        </p:spPr>
+        <p:style>
+          <a:lnRef idx="2">
+            <a:schemeClr val="accent1">
+              <a:shade val="50000"/>
+            </a:schemeClr>
+          </a:lnRef>
+          <a:fillRef idx="1">
+            <a:schemeClr val="accent1"/>
+          </a:fillRef>
+          <a:effectRef idx="0">
+            <a:schemeClr val="accent1"/>
+          </a:effectRef>
+          <a:fontRef idx="minor">
+            <a:schemeClr val="lt1"/>
+          </a:fontRef>
+        </p:style>
+        <p:txBody>
+          <a:bodyPr rtlCol="0" anchor="ctr"/>
+          <a:lstStyle/>
+          <a:p>
+            <a:pPr algn="ctr"/>
+            <a:endParaRPr lang="en-US"/>
+          </a:p>
+        </p:txBody>
+      </p:sp>
+      <p:sp>
+        <p:nvSpPr>
+          <p:cNvPr id="52" name="Rectangle 51">
+            <a:extLst>
+              <a:ext uri="{FF2B5EF4-FFF2-40B4-BE49-F238E27FC236}">
+                <a16:creationId xmlns:a16="http://schemas.microsoft.com/office/drawing/2014/main" id="{99413ED5-9ED4-4772-BCE4-2BCAE6B12E35}"/>
+              </a:ext>
+              <a:ext uri="{C183D7F6-B498-43B3-948B-1728B52AA6E4}">
+                <adec:decorative xmlns:adec="http://schemas.microsoft.com/office/drawing/2017/decorative" val="1"/>
+              </a:ext>
+            </a:extLst>
+          </p:cNvPr>
+          <p:cNvSpPr>
+            <a:spLocks noGrp="1" noRot="1" noChangeAspect="1" noMove="1" noResize="1" noEditPoints="1" noAdjustHandles="1" noChangeArrowheads="1" noChangeShapeType="1" noTextEdit="1"/>
+          </p:cNvSpPr>
+          <p:nvPr>
+            <p:extLst>
+              <p:ext uri="{386F3935-93C4-4BCD-93E2-E3B085C9AB24}">
+                <p16:designElem xmlns:p16="http://schemas.microsoft.com/office/powerpoint/2015/main" val="1"/>
+              </p:ext>
+            </p:extLst>
+          </p:nvPr>
+        </p:nvSpPr>
+        <p:spPr>
+          <a:xfrm rot="16200000">
+            <a:off x="7042549" y="-827233"/>
+            <a:ext cx="1715478" cy="8583421"/>
+          </a:xfrm>
+          <a:prstGeom prst="rect">
+            <a:avLst/>
+          </a:prstGeom>
+          <a:solidFill>
+            <a:schemeClr val="accent4"/>
+          </a:solidFill>
+          <a:ln>
+            <a:noFill/>
+          </a:ln>
+        </p:spPr>
+        <p:style>
+          <a:lnRef idx="2">
+            <a:schemeClr val="accent1">
+              <a:shade val="50000"/>
+            </a:schemeClr>
+          </a:lnRef>
+          <a:fillRef idx="1">
+            <a:schemeClr val="accent1"/>
+          </a:fillRef>
+          <a:effectRef idx="0">
+            <a:schemeClr val="accent1"/>
+          </a:effectRef>
+          <a:fontRef idx="minor">
+            <a:schemeClr val="lt1"/>
+          </a:fontRef>
+        </p:style>
+        <p:txBody>
+          <a:bodyPr rtlCol="0" anchor="ctr"/>
+          <a:lstStyle/>
+          <a:p>
+            <a:pPr algn="ctr"/>
+            <a:endParaRPr lang="en-US" dirty="0"/>
+          </a:p>
+        </p:txBody>
+      </p:sp>
+      <p:sp>
+        <p:nvSpPr>
+          <p:cNvPr id="54" name="Rectangle 53">
+            <a:extLst>
+              <a:ext uri="{FF2B5EF4-FFF2-40B4-BE49-F238E27FC236}">
+                <a16:creationId xmlns:a16="http://schemas.microsoft.com/office/drawing/2014/main" id="{04357C93-F0CB-4A1C-8F77-4E9063789819}"/>
+              </a:ext>
+              <a:ext uri="{C183D7F6-B498-43B3-948B-1728B52AA6E4}">
+                <adec:decorative xmlns:adec="http://schemas.microsoft.com/office/drawing/2017/decorative" val="1"/>
+              </a:ext>
+            </a:extLst>
+          </p:cNvPr>
+          <p:cNvSpPr>
+            <a:spLocks noGrp="1" noRot="1" noChangeAspect="1" noMove="1" noResize="1" noEditPoints="1" noAdjustHandles="1" noChangeArrowheads="1" noChangeShapeType="1" noTextEdit="1"/>
+          </p:cNvSpPr>
+          <p:nvPr>
+            <p:extLst>
+              <p:ext uri="{386F3935-93C4-4BCD-93E2-E3B085C9AB24}">
+                <p16:designElem xmlns:p16="http://schemas.microsoft.com/office/powerpoint/2015/main" val="1"/>
+              </p:ext>
+            </p:extLst>
+          </p:nvPr>
+        </p:nvSpPr>
+        <p:spPr>
+          <a:xfrm>
+            <a:off x="3807283" y="664308"/>
+            <a:ext cx="8082632" cy="5600340"/>
+          </a:xfrm>
+          <a:prstGeom prst="rect">
+            <a:avLst/>
+          </a:prstGeom>
+          <a:solidFill>
+            <a:schemeClr val="bg1"/>
+          </a:solidFill>
+          <a:ln>
+            <a:noFill/>
+          </a:ln>
+          <a:effectLst>
+            <a:outerShdw blurRad="139700" dist="127000" dir="5400000" algn="t" rotWithShape="0">
+              <a:prstClr val="black">
+                <a:alpha val="15000"/>
+              </a:prstClr>
+            </a:outerShdw>
+          </a:effectLst>
+        </p:spPr>
+        <p:style>
+          <a:lnRef idx="2">
+            <a:schemeClr val="accent1">
+              <a:shade val="50000"/>
+            </a:schemeClr>
+          </a:lnRef>
+          <a:fillRef idx="1">
+            <a:schemeClr val="accent1"/>
+          </a:fillRef>
+          <a:effectRef idx="0">
+            <a:schemeClr val="accent1"/>
+          </a:effectRef>
+          <a:fontRef idx="minor">
+            <a:schemeClr val="lt1"/>
+          </a:fontRef>
+        </p:style>
+        <p:txBody>
+          <a:bodyPr rtlCol="0" anchor="ctr"/>
+          <a:lstStyle/>
+          <a:p>
+            <a:pPr algn="ctr"/>
+            <a:endParaRPr lang="en-US"/>
+          </a:p>
+        </p:txBody>
+      </p:sp>
+      <p:pic>
+        <p:nvPicPr>
+          <p:cNvPr id="14" name="Picture 13" descr="Chart, line chart&#10;&#10;Description automatically generated">
+            <a:extLst>
+              <a:ext uri="{FF2B5EF4-FFF2-40B4-BE49-F238E27FC236}">
+                <a16:creationId xmlns:a16="http://schemas.microsoft.com/office/drawing/2014/main" id="{889A87B7-2B82-45D1-AB96-9DFF44ACAAC3}"/>
+              </a:ext>
+            </a:extLst>
+          </p:cNvPr>
+          <p:cNvPicPr/>
+          <p:nvPr/>
+        </p:nvPicPr>
+        <p:blipFill>
+          <a:blip r:embed="rId2" cstate="print">
+            <a:extLst>
+              <a:ext uri="{28A0092B-C50C-407E-A947-70E740481C1C}">
+                <a14:useLocalDpi xmlns:a14="http://schemas.microsoft.com/office/drawing/2010/main" val="0"/>
+              </a:ext>
+            </a:extLst>
+          </a:blip>
+          <a:stretch>
+            <a:fillRect/>
+          </a:stretch>
+        </p:blipFill>
+        <p:spPr>
+          <a:xfrm>
+            <a:off x="7927572" y="1025082"/>
+            <a:ext cx="3703320" cy="2240506"/>
+          </a:xfrm>
+          <a:prstGeom prst="rect">
+            <a:avLst/>
+          </a:prstGeom>
+        </p:spPr>
+      </p:pic>
+      <p:pic>
+        <p:nvPicPr>
+          <p:cNvPr id="15" name="Picture 14" descr="Chart&#10;&#10;Description automatically generated">
+            <a:extLst>
+              <a:ext uri="{FF2B5EF4-FFF2-40B4-BE49-F238E27FC236}">
+                <a16:creationId xmlns:a16="http://schemas.microsoft.com/office/drawing/2014/main" id="{E2DFCC23-844B-46C2-875F-D1114CB8D5AF}"/>
+              </a:ext>
+            </a:extLst>
+          </p:cNvPr>
+          <p:cNvPicPr/>
+          <p:nvPr/>
+        </p:nvPicPr>
+        <p:blipFill>
+          <a:blip r:embed="rId3" cstate="print">
+            <a:extLst>
+              <a:ext uri="{28A0092B-C50C-407E-A947-70E740481C1C}">
+                <a14:useLocalDpi xmlns:a14="http://schemas.microsoft.com/office/drawing/2010/main" val="0"/>
+              </a:ext>
+            </a:extLst>
+          </a:blip>
+          <a:stretch>
+            <a:fillRect/>
+          </a:stretch>
+        </p:blipFill>
+        <p:spPr>
+          <a:xfrm>
+            <a:off x="3926879" y="1033134"/>
+            <a:ext cx="3703320" cy="2240506"/>
+          </a:xfrm>
+          <a:prstGeom prst="rect">
+            <a:avLst/>
+          </a:prstGeom>
+        </p:spPr>
+      </p:pic>
+      <p:pic>
+        <p:nvPicPr>
+          <p:cNvPr id="36" name="Picture 35" descr="Graphical user interface, text, application, email&#10;&#10;Description automatically generated">
+            <a:extLst>
+              <a:ext uri="{FF2B5EF4-FFF2-40B4-BE49-F238E27FC236}">
+                <a16:creationId xmlns:a16="http://schemas.microsoft.com/office/drawing/2014/main" id="{DD0BC013-6ADA-4DD6-95E2-3C5297F82D65}"/>
+              </a:ext>
+            </a:extLst>
+          </p:cNvPr>
+          <p:cNvPicPr>
+            <a:picLocks noChangeAspect="1"/>
+          </p:cNvPicPr>
+          <p:nvPr/>
+        </p:nvPicPr>
+        <p:blipFill>
+          <a:blip r:embed="rId4">
+            <a:extLst>
+              <a:ext uri="{28A0092B-C50C-407E-A947-70E740481C1C}">
+                <a14:useLocalDpi xmlns:a14="http://schemas.microsoft.com/office/drawing/2010/main" val="0"/>
+              </a:ext>
+            </a:extLst>
+          </a:blip>
+          <a:stretch>
+            <a:fillRect/>
+          </a:stretch>
+        </p:blipFill>
+        <p:spPr>
+          <a:xfrm>
+            <a:off x="3991454" y="3548937"/>
+            <a:ext cx="7714290" cy="2160000"/>
+          </a:xfrm>
+          <a:prstGeom prst="rect">
+            <a:avLst/>
+          </a:prstGeom>
+        </p:spPr>
+      </p:pic>
+      <p:sp>
+        <p:nvSpPr>
+          <p:cNvPr id="4" name="Slide Number Placeholder 3">
+            <a:extLst>
+              <a:ext uri="{FF2B5EF4-FFF2-40B4-BE49-F238E27FC236}">
+                <a16:creationId xmlns:a16="http://schemas.microsoft.com/office/drawing/2014/main" id="{C6524029-7C51-4B61-AEB8-B6E1CA8D681C}"/>
+              </a:ext>
+            </a:extLst>
+          </p:cNvPr>
+          <p:cNvSpPr>
+            <a:spLocks noGrp="1"/>
+          </p:cNvSpPr>
+          <p:nvPr>
+            <p:ph type="sldNum" sz="quarter" idx="12"/>
+          </p:nvPr>
+        </p:nvSpPr>
+        <p:spPr>
+          <a:xfrm>
+            <a:off x="4406939" y="6378444"/>
+            <a:ext cx="2743200" cy="365125"/>
+          </a:xfrm>
+        </p:spPr>
+        <p:txBody>
+          <a:bodyPr/>
+          <a:lstStyle/>
+          <a:p>
+            <a:pPr algn="ctr"/>
+            <a:fld id="{59E45DDC-7D0C-4364-8766-4F6548156F25}" type="slidenum">
+              <a:rPr lang="en-GB" sz="1600" b="1" smtClean="0"/>
+              <a:pPr algn="ctr"/>
+              <a:t>5</a:t>
+            </a:fld>
+            <a:endParaRPr lang="en-GB" sz="1600" b="1" dirty="0"/>
+          </a:p>
+        </p:txBody>
+      </p:sp>
+    </p:spTree>
+    <p:extLst>
+      <p:ext uri="{BB962C8B-B14F-4D97-AF65-F5344CB8AC3E}">
+        <p14:creationId xmlns:p14="http://schemas.microsoft.com/office/powerpoint/2010/main" val="4212802533"/>
+      </p:ext>
+    </p:extLst>
+  </p:cSld>
+  <p:clrMapOvr>
+    <a:masterClrMapping/>
+  </p:clrMapOvr>
+</p:sld>
+</file>
+
+<file path=ppt/slides/slide6.xml><?xml version="1.0" encoding="utf-8"?>
 <p:sld xmlns:a="http://schemas.openxmlformats.org/drawingml/2006/main" xmlns:r="http://schemas.openxmlformats.org/officeDocument/2006/relationships" xmlns:p="http://schemas.openxmlformats.org/presentationml/2006/main">
   <p:cSld>
     <p:bg>
@@ -8479,16 +10353,8 @@
                 <a:ea typeface="+mj-ea"/>
                 <a:cs typeface="+mj-cs"/>
               </a:rPr>
-              <a:t>Sentiment Analysis</a:t>
-            </a:r>
-            <a:endParaRPr lang="en-US" sz="3600" kern="1200" dirty="0">
-              <a:solidFill>
-                <a:schemeClr val="tx1"/>
-              </a:solidFill>
-              <a:latin typeface="+mj-lt"/>
-              <a:ea typeface="+mj-ea"/>
-              <a:cs typeface="+mj-cs"/>
-            </a:endParaRPr>
+              <a:t>Genetic Algorithms</a:t>
+            </a:r>
           </a:p>
         </p:txBody>
       </p:sp>
@@ -8507,7 +10373,7 @@
         <p:spPr>
           <a:xfrm>
             <a:off x="1045029" y="2524721"/>
-            <a:ext cx="4991629" cy="3789494"/>
+            <a:ext cx="4991629" cy="3677123"/>
           </a:xfrm>
           <a:prstGeom prst="rect">
             <a:avLst/>
@@ -8515,259 +10381,9 @@
         </p:spPr>
         <p:txBody>
           <a:bodyPr vert="horz" lIns="91440" tIns="45720" rIns="91440" bIns="45720" rtlCol="0" anchor="ctr">
-            <a:normAutofit/>
+            <a:noAutofit/>
           </a:bodyPr>
           <a:lstStyle/>
-          <a:p>
-            <a:pPr marL="457200" indent="-457200">
-              <a:lnSpc>
-                <a:spcPct val="110000"/>
-              </a:lnSpc>
-              <a:spcAft>
-                <a:spcPts val="1680"/>
-              </a:spcAft>
-              <a:buFont typeface="Arial" panose="020B0604020202020204" pitchFamily="34" charset="0"/>
-              <a:buChar char="•"/>
-            </a:pPr>
-            <a:r>
-              <a:rPr lang="en-GB" sz="2000" dirty="0">
-                <a:solidFill>
-                  <a:schemeClr val="bg1">
-                    <a:lumMod val="10000"/>
-                  </a:schemeClr>
-                </a:solidFill>
-                <a:latin typeface="Calibri" panose="020F0502020204030204" pitchFamily="34" charset="0"/>
-                <a:cs typeface="Times New Roman" panose="02020603050405020304" pitchFamily="18" charset="0"/>
-              </a:rPr>
-              <a:t>Detect </a:t>
-            </a:r>
-            <a:r>
-              <a:rPr lang="en-GB" sz="2000" b="1" dirty="0">
-                <a:solidFill>
-                  <a:schemeClr val="accent1"/>
-                </a:solidFill>
-                <a:latin typeface="Calibri" panose="020F0502020204030204" pitchFamily="34" charset="0"/>
-                <a:cs typeface="Times New Roman" panose="02020603050405020304" pitchFamily="18" charset="0"/>
-              </a:rPr>
-              <a:t>emotion</a:t>
-            </a:r>
-            <a:r>
-              <a:rPr lang="en-GB" sz="2000" dirty="0">
-                <a:solidFill>
-                  <a:schemeClr val="bg1">
-                    <a:lumMod val="10000"/>
-                  </a:schemeClr>
-                </a:solidFill>
-                <a:latin typeface="Calibri" panose="020F0502020204030204" pitchFamily="34" charset="0"/>
-                <a:cs typeface="Times New Roman" panose="02020603050405020304" pitchFamily="18" charset="0"/>
-              </a:rPr>
-              <a:t> and </a:t>
-            </a:r>
-            <a:r>
-              <a:rPr lang="en-GB" sz="2000" b="1" dirty="0">
-                <a:solidFill>
-                  <a:schemeClr val="accent1"/>
-                </a:solidFill>
-                <a:latin typeface="Calibri" panose="020F0502020204030204" pitchFamily="34" charset="0"/>
-                <a:cs typeface="Times New Roman" panose="02020603050405020304" pitchFamily="18" charset="0"/>
-              </a:rPr>
-              <a:t>opinion</a:t>
-            </a:r>
-            <a:r>
-              <a:rPr lang="en-GB" sz="2000" dirty="0">
-                <a:solidFill>
-                  <a:schemeClr val="bg1">
-                    <a:lumMod val="10000"/>
-                  </a:schemeClr>
-                </a:solidFill>
-                <a:latin typeface="Calibri" panose="020F0502020204030204" pitchFamily="34" charset="0"/>
-                <a:cs typeface="Times New Roman" panose="02020603050405020304" pitchFamily="18" charset="0"/>
-              </a:rPr>
-              <a:t> in text</a:t>
-            </a:r>
-            <a:endParaRPr lang="it-IT" sz="2000" dirty="0">
-              <a:solidFill>
-                <a:schemeClr val="bg1">
-                  <a:lumMod val="10000"/>
-                </a:schemeClr>
-              </a:solidFill>
-              <a:latin typeface="Calibri" panose="020F0502020204030204" pitchFamily="34" charset="0"/>
-              <a:cs typeface="Times New Roman" panose="02020603050405020304" pitchFamily="18" charset="0"/>
-            </a:endParaRPr>
-          </a:p>
-          <a:p>
-            <a:pPr marL="457200" indent="-457200">
-              <a:lnSpc>
-                <a:spcPct val="110000"/>
-              </a:lnSpc>
-              <a:spcAft>
-                <a:spcPts val="1680"/>
-              </a:spcAft>
-              <a:buFont typeface="Arial" panose="020B0604020202020204" pitchFamily="34" charset="0"/>
-              <a:buChar char="•"/>
-            </a:pPr>
-            <a:r>
-              <a:rPr lang="it-IT" sz="2000" dirty="0">
-                <a:solidFill>
-                  <a:schemeClr val="bg1">
-                    <a:lumMod val="10000"/>
-                  </a:schemeClr>
-                </a:solidFill>
-                <a:latin typeface="Calibri" panose="020F0502020204030204" pitchFamily="34" charset="0"/>
-                <a:cs typeface="Times New Roman" panose="02020603050405020304" pitchFamily="18" charset="0"/>
-              </a:rPr>
-              <a:t>Binary clasification: decide whether the text is </a:t>
-            </a:r>
-            <a:r>
-              <a:rPr lang="it-IT" sz="2000" b="1" dirty="0">
-                <a:solidFill>
-                  <a:schemeClr val="accent1"/>
-                </a:solidFill>
-                <a:latin typeface="Calibri" panose="020F0502020204030204" pitchFamily="34" charset="0"/>
-                <a:cs typeface="Times New Roman" panose="02020603050405020304" pitchFamily="18" charset="0"/>
-              </a:rPr>
-              <a:t>positive</a:t>
-            </a:r>
-            <a:r>
-              <a:rPr lang="it-IT" sz="2000" dirty="0">
-                <a:solidFill>
-                  <a:schemeClr val="bg1">
-                    <a:lumMod val="10000"/>
-                  </a:schemeClr>
-                </a:solidFill>
-                <a:latin typeface="Calibri" panose="020F0502020204030204" pitchFamily="34" charset="0"/>
-                <a:cs typeface="Times New Roman" panose="02020603050405020304" pitchFamily="18" charset="0"/>
-              </a:rPr>
-              <a:t> or </a:t>
-            </a:r>
-            <a:r>
-              <a:rPr lang="it-IT" sz="2000" b="1" dirty="0">
-                <a:solidFill>
-                  <a:schemeClr val="accent1"/>
-                </a:solidFill>
-                <a:latin typeface="Calibri" panose="020F0502020204030204" pitchFamily="34" charset="0"/>
-                <a:cs typeface="Times New Roman" panose="02020603050405020304" pitchFamily="18" charset="0"/>
-              </a:rPr>
-              <a:t>negative</a:t>
-            </a:r>
-          </a:p>
-          <a:p>
-            <a:pPr>
-              <a:lnSpc>
-                <a:spcPct val="110000"/>
-              </a:lnSpc>
-              <a:spcAft>
-                <a:spcPts val="1680"/>
-              </a:spcAft>
-            </a:pPr>
-            <a:r>
-              <a:rPr lang="en-GB" sz="2000" b="1" dirty="0">
-                <a:effectLst/>
-                <a:latin typeface="Calibri" panose="020F0502020204030204" pitchFamily="34" charset="0"/>
-                <a:ea typeface="Times New Roman" panose="02020603050405020304" pitchFamily="18" charset="0"/>
-                <a:cs typeface="Times New Roman" panose="02020603050405020304" pitchFamily="18" charset="0"/>
-              </a:rPr>
-              <a:t>... IMDB Movie Review Dataset</a:t>
-            </a:r>
-          </a:p>
-          <a:p>
-            <a:pPr marL="457200" indent="-457200">
-              <a:lnSpc>
-                <a:spcPct val="110000"/>
-              </a:lnSpc>
-              <a:spcAft>
-                <a:spcPts val="1680"/>
-              </a:spcAft>
-              <a:buFont typeface="Arial" panose="020B0604020202020204" pitchFamily="34" charset="0"/>
-              <a:buChar char="•"/>
-            </a:pPr>
-            <a:r>
-              <a:rPr lang="en-GB" sz="2000" dirty="0">
-                <a:solidFill>
-                  <a:schemeClr val="bg1">
-                    <a:lumMod val="10000"/>
-                  </a:schemeClr>
-                </a:solidFill>
-                <a:latin typeface="Calibri" panose="020F0502020204030204" pitchFamily="34" charset="0"/>
-                <a:cs typeface="Times New Roman" panose="02020603050405020304" pitchFamily="18" charset="0"/>
-              </a:rPr>
-              <a:t>50,000 </a:t>
-            </a:r>
-            <a:r>
-              <a:rPr lang="en-GB" sz="2000" b="1" dirty="0">
-                <a:solidFill>
-                  <a:schemeClr val="accent1"/>
-                </a:solidFill>
-                <a:latin typeface="Calibri" panose="020F0502020204030204" pitchFamily="34" charset="0"/>
-                <a:cs typeface="Times New Roman" panose="02020603050405020304" pitchFamily="18" charset="0"/>
-              </a:rPr>
-              <a:t>movie reviews </a:t>
-            </a:r>
-          </a:p>
-          <a:p>
-            <a:pPr marL="457200" indent="-457200">
-              <a:lnSpc>
-                <a:spcPct val="110000"/>
-              </a:lnSpc>
-              <a:spcAft>
-                <a:spcPts val="1680"/>
-              </a:spcAft>
-              <a:buFont typeface="Arial" panose="020B0604020202020204" pitchFamily="34" charset="0"/>
-              <a:buChar char="•"/>
-            </a:pPr>
-            <a:r>
-              <a:rPr lang="en-GB" sz="2000" dirty="0">
-                <a:solidFill>
-                  <a:srgbClr val="000000"/>
-                </a:solidFill>
-                <a:latin typeface="Calibri" panose="020F0502020204030204" pitchFamily="34" charset="0"/>
-                <a:cs typeface="Times New Roman" panose="02020603050405020304" pitchFamily="18" charset="0"/>
-              </a:rPr>
-              <a:t>25,000 </a:t>
-            </a:r>
-            <a:r>
-              <a:rPr lang="en-GB" sz="2000" b="1" dirty="0">
-                <a:solidFill>
-                  <a:schemeClr val="accent1"/>
-                </a:solidFill>
-                <a:latin typeface="Calibri" panose="020F0502020204030204" pitchFamily="34" charset="0"/>
-                <a:cs typeface="Times New Roman" panose="02020603050405020304" pitchFamily="18" charset="0"/>
-              </a:rPr>
-              <a:t>classified as negative </a:t>
-            </a:r>
-            <a:r>
-              <a:rPr lang="en-GB" sz="2000" dirty="0">
-                <a:solidFill>
-                  <a:schemeClr val="bg1">
-                    <a:lumMod val="10000"/>
-                  </a:schemeClr>
-                </a:solidFill>
-                <a:latin typeface="Calibri" panose="020F0502020204030204" pitchFamily="34" charset="0"/>
-                <a:cs typeface="Times New Roman" panose="02020603050405020304" pitchFamily="18" charset="0"/>
-              </a:rPr>
-              <a:t>and </a:t>
-            </a:r>
-            <a:r>
-              <a:rPr lang="en-GB" sz="2000" dirty="0">
-                <a:solidFill>
-                  <a:srgbClr val="000000"/>
-                </a:solidFill>
-                <a:latin typeface="Calibri" panose="020F0502020204030204" pitchFamily="34" charset="0"/>
-                <a:cs typeface="Times New Roman" panose="02020603050405020304" pitchFamily="18" charset="0"/>
-              </a:rPr>
-              <a:t>25,000</a:t>
-            </a:r>
-            <a:r>
-              <a:rPr lang="en-GB" sz="2000" b="1" dirty="0">
-                <a:solidFill>
-                  <a:schemeClr val="accent1"/>
-                </a:solidFill>
-                <a:latin typeface="Calibri" panose="020F0502020204030204" pitchFamily="34" charset="0"/>
-                <a:cs typeface="Times New Roman" panose="02020603050405020304" pitchFamily="18" charset="0"/>
-              </a:rPr>
-              <a:t> classified as positive</a:t>
-            </a:r>
-          </a:p>
           <a:p>
             <a:pPr marL="342900" indent="-228600">
               <a:lnSpc>
@@ -8779,7 +10395,192 @@
               <a:buFont typeface="Arial" panose="020B0604020202020204" pitchFamily="34" charset="0"/>
               <a:buChar char="•"/>
             </a:pPr>
-            <a:endParaRPr lang="en-US" dirty="0"/>
+            <a:r>
+              <a:rPr lang="en-US" sz="2000" dirty="0">
+                <a:effectLst/>
+              </a:rPr>
+              <a:t>concept of biological processes of </a:t>
+            </a:r>
+            <a:r>
+              <a:rPr lang="en-US" sz="2000" b="1" dirty="0">
+                <a:effectLst/>
+              </a:rPr>
+              <a:t>evolution</a:t>
+            </a:r>
+            <a:r>
+              <a:rPr lang="en-US" sz="2000" dirty="0">
+                <a:effectLst/>
+              </a:rPr>
+              <a:t> and </a:t>
+            </a:r>
+            <a:r>
+              <a:rPr lang="en-US" sz="2000" b="1" dirty="0">
+                <a:effectLst/>
+              </a:rPr>
+              <a:t>natural selection</a:t>
+            </a:r>
+          </a:p>
+          <a:p>
+            <a:pPr marL="342900" indent="-228600">
+              <a:lnSpc>
+                <a:spcPct val="90000"/>
+              </a:lnSpc>
+              <a:spcAft>
+                <a:spcPts val="1680"/>
+              </a:spcAft>
+              <a:buFont typeface="Arial" panose="020B0604020202020204" pitchFamily="34" charset="0"/>
+              <a:buChar char="•"/>
+            </a:pPr>
+            <a:r>
+              <a:rPr lang="en-US" sz="2000" dirty="0">
+                <a:effectLst/>
+              </a:rPr>
+              <a:t>continuously </a:t>
+            </a:r>
+            <a:r>
+              <a:rPr lang="en-US" sz="2000" b="1" dirty="0">
+                <a:effectLst/>
+              </a:rPr>
+              <a:t>generate possible solutions</a:t>
+            </a:r>
+          </a:p>
+          <a:p>
+            <a:pPr marL="342900" indent="-228600">
+              <a:lnSpc>
+                <a:spcPct val="90000"/>
+              </a:lnSpc>
+              <a:spcAft>
+                <a:spcPts val="1680"/>
+              </a:spcAft>
+              <a:buFont typeface="Arial" panose="020B0604020202020204" pitchFamily="34" charset="0"/>
+              <a:buChar char="•"/>
+            </a:pPr>
+            <a:r>
+              <a:rPr lang="en-US" sz="2000" dirty="0">
+                <a:effectLst/>
+              </a:rPr>
+              <a:t>evaluate solutions against </a:t>
+            </a:r>
+            <a:r>
+              <a:rPr lang="en-US" sz="2000" b="1" dirty="0">
+                <a:effectLst/>
+              </a:rPr>
+              <a:t>fitness function </a:t>
+            </a:r>
+            <a:r>
+              <a:rPr lang="en-US" sz="2000" dirty="0">
+                <a:effectLst/>
+              </a:rPr>
+              <a:t>(measure </a:t>
+            </a:r>
+            <a:r>
+              <a:rPr lang="en-US" sz="2000" b="1" dirty="0">
+                <a:effectLst/>
+              </a:rPr>
+              <a:t>how close </a:t>
+            </a:r>
+            <a:r>
+              <a:rPr lang="en-US" sz="2000" dirty="0">
+                <a:effectLst/>
+              </a:rPr>
+              <a:t>we are </a:t>
+            </a:r>
+            <a:r>
+              <a:rPr lang="en-US" sz="2000" b="1" dirty="0">
+                <a:effectLst/>
+              </a:rPr>
+              <a:t>to the target label</a:t>
+            </a:r>
+            <a:r>
+              <a:rPr lang="en-US" sz="2000" dirty="0">
+                <a:effectLst/>
+              </a:rPr>
+              <a:t>)</a:t>
+            </a:r>
+          </a:p>
+          <a:p>
+            <a:pPr marL="342900" indent="-228600">
+              <a:lnSpc>
+                <a:spcPct val="90000"/>
+              </a:lnSpc>
+              <a:spcAft>
+                <a:spcPts val="1680"/>
+              </a:spcAft>
+              <a:buFont typeface="Arial" panose="020B0604020202020204" pitchFamily="34" charset="0"/>
+              <a:buChar char="•"/>
+            </a:pPr>
+            <a:r>
+              <a:rPr lang="en-US" sz="2000" dirty="0"/>
+              <a:t>r</a:t>
+            </a:r>
+            <a:r>
+              <a:rPr lang="en-US" sz="2000" dirty="0">
+                <a:effectLst/>
+              </a:rPr>
+              <a:t>efine solutions </a:t>
+            </a:r>
+            <a:r>
+              <a:rPr lang="en-US" sz="2000" b="1" dirty="0">
+                <a:effectLst/>
+              </a:rPr>
+              <a:t>…move towards a </a:t>
+            </a:r>
+            <a:r>
+              <a:rPr lang="en-US" sz="2000" b="1" dirty="0"/>
+              <a:t>solution </a:t>
+            </a:r>
+            <a:r>
+              <a:rPr lang="en-US" sz="2000" dirty="0"/>
+              <a:t>by</a:t>
+            </a:r>
+            <a:r>
+              <a:rPr lang="en-US" sz="2000" b="1" dirty="0"/>
+              <a:t> swapping words with </a:t>
+            </a:r>
+            <a:r>
+              <a:rPr lang="en-US" sz="2000" dirty="0"/>
+              <a:t>their</a:t>
+            </a:r>
+            <a:r>
+              <a:rPr lang="en-US" sz="2000" b="1" dirty="0"/>
+              <a:t> synonyms </a:t>
+            </a:r>
+            <a:r>
+              <a:rPr lang="en-US" sz="2000" dirty="0"/>
+              <a:t>to</a:t>
+            </a:r>
+            <a:r>
+              <a:rPr lang="en-US" sz="2000" b="1" dirty="0"/>
+              <a:t> </a:t>
+            </a:r>
+            <a:r>
+              <a:rPr lang="en-US" sz="2000" b="1" dirty="0" err="1"/>
+              <a:t>optimise</a:t>
+            </a:r>
+            <a:r>
+              <a:rPr lang="en-US" sz="2000" b="1" dirty="0"/>
+              <a:t> fitness function</a:t>
+            </a:r>
+          </a:p>
+          <a:p>
+            <a:pPr marL="342900" indent="-228600">
+              <a:lnSpc>
+                <a:spcPct val="90000"/>
+              </a:lnSpc>
+              <a:spcAft>
+                <a:spcPts val="1680"/>
+              </a:spcAft>
+              <a:buFont typeface="Arial" panose="020B0604020202020204" pitchFamily="34" charset="0"/>
+              <a:buChar char="•"/>
+            </a:pPr>
+            <a:r>
+              <a:rPr lang="en-US" sz="2000" b="1" dirty="0"/>
+              <a:t>flip</a:t>
+            </a:r>
+            <a:r>
+              <a:rPr lang="en-US" sz="2000" dirty="0"/>
+              <a:t> sentiment label</a:t>
+            </a:r>
           </a:p>
         </p:txBody>
       </p:sp>
@@ -8853,6 +10654,40 @@
           </a:p>
         </p:txBody>
       </p:sp>
+      <p:pic>
+        <p:nvPicPr>
+          <p:cNvPr id="5" name="Picture 4" descr="Graphical user interface, text, application&#10;&#10;Description automatically generated">
+            <a:extLst>
+              <a:ext uri="{FF2B5EF4-FFF2-40B4-BE49-F238E27FC236}">
+                <a16:creationId xmlns:a16="http://schemas.microsoft.com/office/drawing/2014/main" id="{6CCC6EF0-B78D-47B8-BE16-41BD1D021ECA}"/>
+              </a:ext>
+            </a:extLst>
+          </p:cNvPr>
+          <p:cNvPicPr/>
+          <p:nvPr/>
+        </p:nvPicPr>
+        <p:blipFill>
+          <a:blip r:embed="rId2">
+            <a:extLst>
+              <a:ext uri="{28A0092B-C50C-407E-A947-70E740481C1C}">
+                <a14:useLocalDpi xmlns:a14="http://schemas.microsoft.com/office/drawing/2010/main" val="0"/>
+              </a:ext>
+            </a:extLst>
+          </a:blip>
+          <a:stretch>
+            <a:fillRect/>
+          </a:stretch>
+        </p:blipFill>
+        <p:spPr>
+          <a:xfrm>
+            <a:off x="7404929" y="901032"/>
+            <a:ext cx="3274380" cy="5116220"/>
+          </a:xfrm>
+          <a:prstGeom prst="rect">
+            <a:avLst/>
+          </a:prstGeom>
+        </p:spPr>
+      </p:pic>
       <p:cxnSp>
         <p:nvCxnSpPr>
           <p:cNvPr id="21" name="Straight Connector 20">
@@ -8905,46 +10740,46 @@
           </a:fontRef>
         </p:style>
       </p:cxnSp>
-      <p:pic>
-        <p:nvPicPr>
-          <p:cNvPr id="6" name="Picture 5" descr="Shape, rectangle&#10;&#10;Description automatically generated">
-            <a:extLst>
-              <a:ext uri="{FF2B5EF4-FFF2-40B4-BE49-F238E27FC236}">
-                <a16:creationId xmlns:a16="http://schemas.microsoft.com/office/drawing/2014/main" id="{94B96111-0EA2-4D35-8308-F73D295FE004}"/>
-              </a:ext>
-            </a:extLst>
-          </p:cNvPr>
-          <p:cNvPicPr>
-            <a:picLocks noChangeAspect="1"/>
-          </p:cNvPicPr>
-          <p:nvPr/>
-        </p:nvPicPr>
-        <p:blipFill>
-          <a:blip r:embed="rId2">
-            <a:extLst>
-              <a:ext uri="{28A0092B-C50C-407E-A947-70E740481C1C}">
-                <a14:useLocalDpi xmlns:a14="http://schemas.microsoft.com/office/drawing/2010/main" val="0"/>
-              </a:ext>
-            </a:extLst>
-          </a:blip>
-          <a:stretch>
-            <a:fillRect/>
-          </a:stretch>
-        </p:blipFill>
+      <p:sp>
+        <p:nvSpPr>
+          <p:cNvPr id="6" name="Slide Number Placeholder 5">
+            <a:extLst>
+              <a:ext uri="{FF2B5EF4-FFF2-40B4-BE49-F238E27FC236}">
+                <a16:creationId xmlns:a16="http://schemas.microsoft.com/office/drawing/2014/main" id="{81854411-25D2-44E1-BD88-85C416DEC44A}"/>
+              </a:ext>
+            </a:extLst>
+          </p:cNvPr>
+          <p:cNvSpPr>
+            <a:spLocks noGrp="1"/>
+          </p:cNvSpPr>
+          <p:nvPr>
+            <p:ph type="sldNum" sz="quarter" idx="12"/>
+          </p:nvPr>
+        </p:nvSpPr>
         <p:spPr>
           <a:xfrm>
-            <a:off x="6762386" y="2228919"/>
-            <a:ext cx="4545328" cy="2352405"/>
+            <a:off x="4724399" y="6492875"/>
+            <a:ext cx="2743200" cy="365125"/>
           </a:xfrm>
-          <a:prstGeom prst="rect">
-            <a:avLst/>
-          </a:prstGeom>
         </p:spPr>
-      </p:pic>
+        <p:txBody>
+          <a:bodyPr/>
+          <a:lstStyle/>
+          <a:p>
+            <a:pPr algn="ctr"/>
+            <a:fld id="{59E45DDC-7D0C-4364-8766-4F6548156F25}" type="slidenum">
+              <a:rPr lang="en-GB" sz="1600" b="1" smtClean="0"/>
+              <a:pPr algn="ctr"/>
+              <a:t>6</a:t>
+            </a:fld>
+            <a:endParaRPr lang="en-GB" sz="1600" b="1" dirty="0"/>
+          </a:p>
+        </p:txBody>
+      </p:sp>
     </p:spTree>
     <p:extLst>
       <p:ext uri="{BB962C8B-B14F-4D97-AF65-F5344CB8AC3E}">
-        <p14:creationId xmlns:p14="http://schemas.microsoft.com/office/powerpoint/2010/main" val="1664846449"/>
+        <p14:creationId xmlns:p14="http://schemas.microsoft.com/office/powerpoint/2010/main" val="3951490703"/>
       </p:ext>
     </p:extLst>
   </p:cSld>
@@ -8954,7 +10789,7 @@
 </p:sld>
 </file>
 
-<file path=ppt/slides/slide5.xml><?xml version="1.0" encoding="utf-8"?>
+<file path=ppt/slides/slide7.xml><?xml version="1.0" encoding="utf-8"?>
 <p:sld xmlns:a="http://schemas.openxmlformats.org/drawingml/2006/main" xmlns:r="http://schemas.openxmlformats.org/officeDocument/2006/relationships" xmlns:p="http://schemas.openxmlformats.org/presentationml/2006/main">
   <p:cSld>
     <p:bg>
@@ -9350,7 +11185,7 @@
           <a:lstStyle/>
           <a:p>
             <a:r>
-              <a:rPr lang="en-US" sz="3600" kern="1200">
+              <a:rPr lang="en-US" sz="3600" kern="1200" dirty="0">
                 <a:solidFill>
                   <a:schemeClr val="tx1"/>
                 </a:solidFill>
@@ -9358,16 +11193,8 @@
                 <a:ea typeface="+mj-ea"/>
                 <a:cs typeface="+mj-cs"/>
               </a:rPr>
-              <a:t>Sentiment Analysis Model</a:t>
-            </a:r>
-            <a:endParaRPr lang="en-US" sz="3600" kern="1200" dirty="0">
-              <a:solidFill>
-                <a:schemeClr val="tx1"/>
-              </a:solidFill>
-              <a:latin typeface="+mj-lt"/>
-              <a:ea typeface="+mj-ea"/>
-              <a:cs typeface="+mj-cs"/>
-            </a:endParaRPr>
+              <a:t>Attack Algorithms</a:t>
+            </a:r>
           </a:p>
         </p:txBody>
       </p:sp>
@@ -9410,7 +11237,7 @@
             </a:pPr>
             <a:r>
               <a:rPr lang="en-US" sz="2000" dirty="0"/>
-              <a:t>Dataset Loading &amp; Pre-processing</a:t>
+              <a:t>3 different Genetic Algorithms Tested </a:t>
             </a:r>
           </a:p>
           <a:p>
@@ -9426,7 +11253,7 @@
             </a:pPr>
             <a:r>
               <a:rPr lang="en-US" sz="2000" dirty="0"/>
-              <a:t>Training and Test Data Split</a:t>
+              <a:t>Black-Box Approach</a:t>
             </a:r>
           </a:p>
           <a:p>
@@ -9442,7 +11269,7 @@
             </a:pPr>
             <a:r>
               <a:rPr lang="en-US" sz="2000" dirty="0"/>
-              <a:t>Tokenization</a:t>
+              <a:t>Generate Initial Population</a:t>
             </a:r>
           </a:p>
           <a:p>
@@ -9458,7 +11285,7 @@
             </a:pPr>
             <a:r>
               <a:rPr lang="en-US" sz="2000" dirty="0"/>
-              <a:t>Word Embeddings</a:t>
+              <a:t>Target Label &amp; Fitness Function</a:t>
             </a:r>
           </a:p>
           <a:p>
@@ -9474,7 +11301,7 @@
             </a:pPr>
             <a:r>
               <a:rPr lang="en-US" sz="2000" dirty="0"/>
-              <a:t>Model Training</a:t>
+              <a:t>Selection</a:t>
             </a:r>
           </a:p>
           <a:p>
@@ -9490,11 +11317,11 @@
             </a:pPr>
             <a:r>
               <a:rPr lang="en-US" sz="2000" dirty="0"/>
-              <a:t>Model Test &amp; Evaluation</a:t>
-            </a:r>
-          </a:p>
-          <a:p>
-            <a:pPr marL="342900" indent="-228600">
+              <a:t>Crossover</a:t>
+            </a:r>
+          </a:p>
+          <a:p>
+            <a:pPr marL="457200" indent="-228600">
               <a:lnSpc>
                 <a:spcPct val="90000"/>
               </a:lnSpc>
@@ -9504,7 +11331,10 @@
               <a:buFont typeface="Arial" panose="020B0604020202020204" pitchFamily="34" charset="0"/>
               <a:buChar char="•"/>
             </a:pPr>
-            <a:endParaRPr lang="en-US" dirty="0"/>
+            <a:r>
+              <a:rPr lang="en-US" sz="2000" dirty="0"/>
+              <a:t>Exit Condition</a:t>
+            </a:r>
           </a:p>
         </p:txBody>
       </p:sp>
@@ -9578,42 +11408,6 @@
           </a:p>
         </p:txBody>
       </p:sp>
-      <p:pic>
-        <p:nvPicPr>
-          <p:cNvPr id="16" name="Picture 15" descr="Diagram&#10;&#10;Description automatically generated">
-            <a:extLst>
-              <a:ext uri="{FF2B5EF4-FFF2-40B4-BE49-F238E27FC236}">
-                <a16:creationId xmlns:a16="http://schemas.microsoft.com/office/drawing/2014/main" id="{62FDFAFA-F66F-4CEC-A232-43B67106844B}"/>
-              </a:ext>
-            </a:extLst>
-          </p:cNvPr>
-          <p:cNvPicPr>
-            <a:picLocks noChangeAspect="1"/>
-          </p:cNvPicPr>
-          <p:nvPr/>
-        </p:nvPicPr>
-        <p:blipFill>
-          <a:blip r:embed="rId2">
-            <a:extLst>
-              <a:ext uri="{28A0092B-C50C-407E-A947-70E740481C1C}">
-                <a14:useLocalDpi xmlns:a14="http://schemas.microsoft.com/office/drawing/2010/main" val="0"/>
-              </a:ext>
-            </a:extLst>
-          </a:blip>
-          <a:stretch>
-            <a:fillRect/>
-          </a:stretch>
-        </p:blipFill>
-        <p:spPr>
-          <a:xfrm>
-            <a:off x="6923719" y="1747496"/>
-            <a:ext cx="4223252" cy="3315252"/>
-          </a:xfrm>
-          <a:prstGeom prst="rect">
-            <a:avLst/>
-          </a:prstGeom>
-        </p:spPr>
-      </p:pic>
       <p:cxnSp>
         <p:nvCxnSpPr>
           <p:cNvPr id="43" name="Straight Connector 36">
@@ -9666,10 +11460,82 @@
           </a:fontRef>
         </p:style>
       </p:cxnSp>
+      <p:pic>
+        <p:nvPicPr>
+          <p:cNvPr id="14" name="Picture 13" descr="Diagram&#10;&#10;Description automatically generated">
+            <a:extLst>
+              <a:ext uri="{FF2B5EF4-FFF2-40B4-BE49-F238E27FC236}">
+                <a16:creationId xmlns:a16="http://schemas.microsoft.com/office/drawing/2014/main" id="{BE7D70D2-856A-4F97-8934-73C3651A4CDF}"/>
+              </a:ext>
+            </a:extLst>
+          </p:cNvPr>
+          <p:cNvPicPr>
+            <a:picLocks noChangeAspect="1"/>
+          </p:cNvPicPr>
+          <p:nvPr/>
+        </p:nvPicPr>
+        <p:blipFill>
+          <a:blip r:embed="rId2">
+            <a:extLst>
+              <a:ext uri="{28A0092B-C50C-407E-A947-70E740481C1C}">
+                <a14:useLocalDpi xmlns:a14="http://schemas.microsoft.com/office/drawing/2010/main" val="0"/>
+              </a:ext>
+            </a:extLst>
+          </a:blip>
+          <a:stretch>
+            <a:fillRect/>
+          </a:stretch>
+        </p:blipFill>
+        <p:spPr>
+          <a:xfrm>
+            <a:off x="6805119" y="812951"/>
+            <a:ext cx="4459861" cy="5231461"/>
+          </a:xfrm>
+          <a:prstGeom prst="rect">
+            <a:avLst/>
+          </a:prstGeom>
+        </p:spPr>
+      </p:pic>
+      <p:sp>
+        <p:nvSpPr>
+          <p:cNvPr id="5" name="Slide Number Placeholder 4">
+            <a:extLst>
+              <a:ext uri="{FF2B5EF4-FFF2-40B4-BE49-F238E27FC236}">
+                <a16:creationId xmlns:a16="http://schemas.microsoft.com/office/drawing/2014/main" id="{9A3E3E1B-1493-4DC4-A9C6-02D74D67E010}"/>
+              </a:ext>
+            </a:extLst>
+          </p:cNvPr>
+          <p:cNvSpPr>
+            <a:spLocks noGrp="1"/>
+          </p:cNvSpPr>
+          <p:nvPr>
+            <p:ph type="sldNum" sz="quarter" idx="12"/>
+          </p:nvPr>
+        </p:nvSpPr>
+        <p:spPr>
+          <a:xfrm>
+            <a:off x="4665058" y="6492875"/>
+            <a:ext cx="2743200" cy="365125"/>
+          </a:xfrm>
+        </p:spPr>
+        <p:txBody>
+          <a:bodyPr/>
+          <a:lstStyle/>
+          <a:p>
+            <a:pPr algn="ctr"/>
+            <a:fld id="{59E45DDC-7D0C-4364-8766-4F6548156F25}" type="slidenum">
+              <a:rPr lang="en-GB" sz="1600" b="1" smtClean="0"/>
+              <a:pPr algn="ctr"/>
+              <a:t>7</a:t>
+            </a:fld>
+            <a:endParaRPr lang="en-GB" sz="1600" b="1" dirty="0"/>
+          </a:p>
+        </p:txBody>
+      </p:sp>
     </p:spTree>
     <p:extLst>
       <p:ext uri="{BB962C8B-B14F-4D97-AF65-F5344CB8AC3E}">
-        <p14:creationId xmlns:p14="http://schemas.microsoft.com/office/powerpoint/2010/main" val="1013573695"/>
+        <p14:creationId xmlns:p14="http://schemas.microsoft.com/office/powerpoint/2010/main" val="3439525465"/>
       </p:ext>
     </p:extLst>
   </p:cSld>
@@ -9679,474 +11545,7 @@
 </p:sld>
 </file>
 
-<file path=ppt/slides/slide6.xml><?xml version="1.0" encoding="utf-8"?>
-<p:sld xmlns:a="http://schemas.openxmlformats.org/drawingml/2006/main" xmlns:r="http://schemas.openxmlformats.org/officeDocument/2006/relationships" xmlns:p="http://schemas.openxmlformats.org/presentationml/2006/main">
-  <p:cSld>
-    <p:bg>
-      <p:bgPr>
-        <a:solidFill>
-          <a:schemeClr val="bg1"/>
-        </a:solidFill>
-        <a:effectLst/>
-      </p:bgPr>
-    </p:bg>
-    <p:spTree>
-      <p:nvGrpSpPr>
-        <p:cNvPr id="1" name=""/>
-        <p:cNvGrpSpPr/>
-        <p:nvPr/>
-      </p:nvGrpSpPr>
-      <p:grpSpPr>
-        <a:xfrm>
-          <a:off x="0" y="0"/>
-          <a:ext cx="0" cy="0"/>
-          <a:chOff x="0" y="0"/>
-          <a:chExt cx="0" cy="0"/>
-        </a:xfrm>
-      </p:grpSpPr>
-      <p:sp useBgFill="1">
-        <p:nvSpPr>
-          <p:cNvPr id="48" name="Rectangle 47">
-            <a:extLst>
-              <a:ext uri="{FF2B5EF4-FFF2-40B4-BE49-F238E27FC236}">
-                <a16:creationId xmlns:a16="http://schemas.microsoft.com/office/drawing/2014/main" id="{0855A890-B60B-4670-9DC2-69DC05015AB3}"/>
-              </a:ext>
-              <a:ext uri="{C183D7F6-B498-43B3-948B-1728B52AA6E4}">
-                <adec:decorative xmlns:adec="http://schemas.microsoft.com/office/drawing/2017/decorative" val="1"/>
-              </a:ext>
-            </a:extLst>
-          </p:cNvPr>
-          <p:cNvSpPr>
-            <a:spLocks noGrp="1" noRot="1" noChangeAspect="1" noMove="1" noResize="1" noEditPoints="1" noAdjustHandles="1" noChangeArrowheads="1" noChangeShapeType="1" noTextEdit="1"/>
-          </p:cNvSpPr>
-          <p:nvPr>
-            <p:extLst>
-              <p:ext uri="{386F3935-93C4-4BCD-93E2-E3B085C9AB24}">
-                <p16:designElem xmlns:p16="http://schemas.microsoft.com/office/powerpoint/2015/main" val="1"/>
-              </p:ext>
-            </p:extLst>
-          </p:nvPr>
-        </p:nvSpPr>
-        <p:spPr>
-          <a:xfrm>
-            <a:off x="0" y="0"/>
-            <a:ext cx="12191999" cy="6857365"/>
-          </a:xfrm>
-          <a:prstGeom prst="rect">
-            <a:avLst/>
-          </a:prstGeom>
-          <a:ln>
-            <a:noFill/>
-          </a:ln>
-        </p:spPr>
-        <p:style>
-          <a:lnRef idx="2">
-            <a:schemeClr val="accent1">
-              <a:shade val="50000"/>
-            </a:schemeClr>
-          </a:lnRef>
-          <a:fillRef idx="1">
-            <a:schemeClr val="accent1"/>
-          </a:fillRef>
-          <a:effectRef idx="0">
-            <a:schemeClr val="accent1"/>
-          </a:effectRef>
-          <a:fontRef idx="minor">
-            <a:schemeClr val="lt1"/>
-          </a:fontRef>
-        </p:style>
-        <p:txBody>
-          <a:bodyPr rtlCol="0" anchor="ctr"/>
-          <a:lstStyle/>
-          <a:p>
-            <a:pPr algn="ctr"/>
-            <a:endParaRPr lang="en-US"/>
-          </a:p>
-        </p:txBody>
-      </p:sp>
-      <p:sp>
-        <p:nvSpPr>
-          <p:cNvPr id="2" name="Title 1">
-            <a:extLst>
-              <a:ext uri="{FF2B5EF4-FFF2-40B4-BE49-F238E27FC236}">
-                <a16:creationId xmlns:a16="http://schemas.microsoft.com/office/drawing/2014/main" id="{F88937ED-511D-4BE7-9355-6D2EB05BBC4D}"/>
-              </a:ext>
-            </a:extLst>
-          </p:cNvPr>
-          <p:cNvSpPr>
-            <a:spLocks noGrp="1"/>
-          </p:cNvSpPr>
-          <p:nvPr>
-            <p:ph type="title"/>
-          </p:nvPr>
-        </p:nvSpPr>
-        <p:spPr>
-          <a:xfrm>
-            <a:off x="454467" y="2023110"/>
-            <a:ext cx="2469624" cy="2846070"/>
-          </a:xfrm>
-        </p:spPr>
-        <p:txBody>
-          <a:bodyPr vert="horz" lIns="91440" tIns="45720" rIns="91440" bIns="45720" rtlCol="0" anchor="ctr">
-            <a:normAutofit/>
-          </a:bodyPr>
-          <a:lstStyle/>
-          <a:p>
-            <a:r>
-              <a:rPr lang="en-US" sz="3700"/>
-              <a:t>Sentiment Analysis Model</a:t>
-            </a:r>
-          </a:p>
-        </p:txBody>
-      </p:sp>
-      <p:sp>
-        <p:nvSpPr>
-          <p:cNvPr id="50" name="Rectangle 49">
-            <a:extLst>
-              <a:ext uri="{FF2B5EF4-FFF2-40B4-BE49-F238E27FC236}">
-                <a16:creationId xmlns:a16="http://schemas.microsoft.com/office/drawing/2014/main" id="{90F533E9-6690-41A8-A372-4C6C622D028D}"/>
-              </a:ext>
-              <a:ext uri="{C183D7F6-B498-43B3-948B-1728B52AA6E4}">
-                <adec:decorative xmlns:adec="http://schemas.microsoft.com/office/drawing/2017/decorative" val="1"/>
-              </a:ext>
-            </a:extLst>
-          </p:cNvPr>
-          <p:cNvSpPr>
-            <a:spLocks noGrp="1" noRot="1" noChangeAspect="1" noMove="1" noResize="1" noEditPoints="1" noAdjustHandles="1" noChangeArrowheads="1" noChangeShapeType="1" noTextEdit="1"/>
-          </p:cNvSpPr>
-          <p:nvPr>
-            <p:extLst>
-              <p:ext uri="{386F3935-93C4-4BCD-93E2-E3B085C9AB24}">
-                <p16:designElem xmlns:p16="http://schemas.microsoft.com/office/powerpoint/2015/main" val="1"/>
-              </p:ext>
-            </p:extLst>
-          </p:nvPr>
-        </p:nvSpPr>
-        <p:spPr>
-          <a:xfrm rot="5400000">
-            <a:off x="2522480" y="3392097"/>
-            <a:ext cx="1719072" cy="152382"/>
-          </a:xfrm>
-          <a:prstGeom prst="rect">
-            <a:avLst/>
-          </a:prstGeom>
-          <a:solidFill>
-            <a:schemeClr val="accent4"/>
-          </a:solidFill>
-          <a:ln>
-            <a:noFill/>
-          </a:ln>
-        </p:spPr>
-        <p:style>
-          <a:lnRef idx="2">
-            <a:schemeClr val="accent1">
-              <a:shade val="50000"/>
-            </a:schemeClr>
-          </a:lnRef>
-          <a:fillRef idx="1">
-            <a:schemeClr val="accent1"/>
-          </a:fillRef>
-          <a:effectRef idx="0">
-            <a:schemeClr val="accent1"/>
-          </a:effectRef>
-          <a:fontRef idx="minor">
-            <a:schemeClr val="lt1"/>
-          </a:fontRef>
-        </p:style>
-        <p:txBody>
-          <a:bodyPr rtlCol="0" anchor="ctr"/>
-          <a:lstStyle/>
-          <a:p>
-            <a:pPr algn="ctr"/>
-            <a:endParaRPr lang="en-US"/>
-          </a:p>
-        </p:txBody>
-      </p:sp>
-      <p:sp>
-        <p:nvSpPr>
-          <p:cNvPr id="52" name="Rectangle 51">
-            <a:extLst>
-              <a:ext uri="{FF2B5EF4-FFF2-40B4-BE49-F238E27FC236}">
-                <a16:creationId xmlns:a16="http://schemas.microsoft.com/office/drawing/2014/main" id="{99413ED5-9ED4-4772-BCE4-2BCAE6B12E35}"/>
-              </a:ext>
-              <a:ext uri="{C183D7F6-B498-43B3-948B-1728B52AA6E4}">
-                <adec:decorative xmlns:adec="http://schemas.microsoft.com/office/drawing/2017/decorative" val="1"/>
-              </a:ext>
-            </a:extLst>
-          </p:cNvPr>
-          <p:cNvSpPr>
-            <a:spLocks noGrp="1" noRot="1" noChangeAspect="1" noMove="1" noResize="1" noEditPoints="1" noAdjustHandles="1" noChangeArrowheads="1" noChangeShapeType="1" noTextEdit="1"/>
-          </p:cNvSpPr>
-          <p:nvPr>
-            <p:extLst>
-              <p:ext uri="{386F3935-93C4-4BCD-93E2-E3B085C9AB24}">
-                <p16:designElem xmlns:p16="http://schemas.microsoft.com/office/powerpoint/2015/main" val="1"/>
-              </p:ext>
-            </p:extLst>
-          </p:nvPr>
-        </p:nvSpPr>
-        <p:spPr>
-          <a:xfrm rot="16200000">
-            <a:off x="7042549" y="-827233"/>
-            <a:ext cx="1715478" cy="8583421"/>
-          </a:xfrm>
-          <a:prstGeom prst="rect">
-            <a:avLst/>
-          </a:prstGeom>
-          <a:solidFill>
-            <a:schemeClr val="accent4"/>
-          </a:solidFill>
-          <a:ln>
-            <a:noFill/>
-          </a:ln>
-        </p:spPr>
-        <p:style>
-          <a:lnRef idx="2">
-            <a:schemeClr val="accent1">
-              <a:shade val="50000"/>
-            </a:schemeClr>
-          </a:lnRef>
-          <a:fillRef idx="1">
-            <a:schemeClr val="accent1"/>
-          </a:fillRef>
-          <a:effectRef idx="0">
-            <a:schemeClr val="accent1"/>
-          </a:effectRef>
-          <a:fontRef idx="minor">
-            <a:schemeClr val="lt1"/>
-          </a:fontRef>
-        </p:style>
-        <p:txBody>
-          <a:bodyPr rtlCol="0" anchor="ctr"/>
-          <a:lstStyle/>
-          <a:p>
-            <a:pPr algn="ctr"/>
-            <a:endParaRPr lang="en-US" dirty="0"/>
-          </a:p>
-        </p:txBody>
-      </p:sp>
-      <p:sp>
-        <p:nvSpPr>
-          <p:cNvPr id="54" name="Rectangle 53">
-            <a:extLst>
-              <a:ext uri="{FF2B5EF4-FFF2-40B4-BE49-F238E27FC236}">
-                <a16:creationId xmlns:a16="http://schemas.microsoft.com/office/drawing/2014/main" id="{04357C93-F0CB-4A1C-8F77-4E9063789819}"/>
-              </a:ext>
-              <a:ext uri="{C183D7F6-B498-43B3-948B-1728B52AA6E4}">
-                <adec:decorative xmlns:adec="http://schemas.microsoft.com/office/drawing/2017/decorative" val="1"/>
-              </a:ext>
-            </a:extLst>
-          </p:cNvPr>
-          <p:cNvSpPr>
-            <a:spLocks noGrp="1" noRot="1" noChangeAspect="1" noMove="1" noResize="1" noEditPoints="1" noAdjustHandles="1" noChangeArrowheads="1" noChangeShapeType="1" noTextEdit="1"/>
-          </p:cNvSpPr>
-          <p:nvPr>
-            <p:extLst>
-              <p:ext uri="{386F3935-93C4-4BCD-93E2-E3B085C9AB24}">
-                <p16:designElem xmlns:p16="http://schemas.microsoft.com/office/powerpoint/2015/main" val="1"/>
-              </p:ext>
-            </p:extLst>
-          </p:nvPr>
-        </p:nvSpPr>
-        <p:spPr>
-          <a:xfrm>
-            <a:off x="3807283" y="664308"/>
-            <a:ext cx="8082632" cy="5600340"/>
-          </a:xfrm>
-          <a:prstGeom prst="rect">
-            <a:avLst/>
-          </a:prstGeom>
-          <a:solidFill>
-            <a:schemeClr val="bg1"/>
-          </a:solidFill>
-          <a:ln>
-            <a:noFill/>
-          </a:ln>
-          <a:effectLst>
-            <a:outerShdw blurRad="139700" dist="127000" dir="5400000" algn="t" rotWithShape="0">
-              <a:prstClr val="black">
-                <a:alpha val="15000"/>
-              </a:prstClr>
-            </a:outerShdw>
-          </a:effectLst>
-        </p:spPr>
-        <p:style>
-          <a:lnRef idx="2">
-            <a:schemeClr val="accent1">
-              <a:shade val="50000"/>
-            </a:schemeClr>
-          </a:lnRef>
-          <a:fillRef idx="1">
-            <a:schemeClr val="accent1"/>
-          </a:fillRef>
-          <a:effectRef idx="0">
-            <a:schemeClr val="accent1"/>
-          </a:effectRef>
-          <a:fontRef idx="minor">
-            <a:schemeClr val="lt1"/>
-          </a:fontRef>
-        </p:style>
-        <p:txBody>
-          <a:bodyPr rtlCol="0" anchor="ctr"/>
-          <a:lstStyle/>
-          <a:p>
-            <a:pPr algn="ctr"/>
-            <a:endParaRPr lang="en-US"/>
-          </a:p>
-        </p:txBody>
-      </p:sp>
-      <p:pic>
-        <p:nvPicPr>
-          <p:cNvPr id="34" name="Picture 33" descr="A picture containing chart&#10;&#10;Description automatically generated">
-            <a:extLst>
-              <a:ext uri="{FF2B5EF4-FFF2-40B4-BE49-F238E27FC236}">
-                <a16:creationId xmlns:a16="http://schemas.microsoft.com/office/drawing/2014/main" id="{CE20470F-9F37-42B7-8F42-DF29FB2E621C}"/>
-              </a:ext>
-            </a:extLst>
-          </p:cNvPr>
-          <p:cNvPicPr>
-            <a:picLocks noChangeAspect="1"/>
-          </p:cNvPicPr>
-          <p:nvPr/>
-        </p:nvPicPr>
-        <p:blipFill>
-          <a:blip r:embed="rId2">
-            <a:extLst>
-              <a:ext uri="{28A0092B-C50C-407E-A947-70E740481C1C}">
-                <a14:useLocalDpi xmlns:a14="http://schemas.microsoft.com/office/drawing/2010/main" val="0"/>
-              </a:ext>
-            </a:extLst>
-          </a:blip>
-          <a:stretch>
-            <a:fillRect/>
-          </a:stretch>
-        </p:blipFill>
-        <p:spPr>
-          <a:xfrm>
-            <a:off x="4664937" y="3356634"/>
-            <a:ext cx="2227204" cy="2523744"/>
-          </a:xfrm>
-          <a:prstGeom prst="rect">
-            <a:avLst/>
-          </a:prstGeom>
-        </p:spPr>
-      </p:pic>
-      <p:pic>
-        <p:nvPicPr>
-          <p:cNvPr id="14" name="Picture 13" descr="Chart, line chart&#10;&#10;Description automatically generated">
-            <a:extLst>
-              <a:ext uri="{FF2B5EF4-FFF2-40B4-BE49-F238E27FC236}">
-                <a16:creationId xmlns:a16="http://schemas.microsoft.com/office/drawing/2014/main" id="{889A87B7-2B82-45D1-AB96-9DFF44ACAAC3}"/>
-              </a:ext>
-            </a:extLst>
-          </p:cNvPr>
-          <p:cNvPicPr/>
-          <p:nvPr/>
-        </p:nvPicPr>
-        <p:blipFill>
-          <a:blip r:embed="rId3" cstate="print">
-            <a:extLst>
-              <a:ext uri="{28A0092B-C50C-407E-A947-70E740481C1C}">
-                <a14:useLocalDpi xmlns:a14="http://schemas.microsoft.com/office/drawing/2010/main" val="0"/>
-              </a:ext>
-            </a:extLst>
-          </a:blip>
-          <a:stretch>
-            <a:fillRect/>
-          </a:stretch>
-        </p:blipFill>
-        <p:spPr>
-          <a:xfrm>
-            <a:off x="7927572" y="1025082"/>
-            <a:ext cx="3703320" cy="2240506"/>
-          </a:xfrm>
-          <a:prstGeom prst="rect">
-            <a:avLst/>
-          </a:prstGeom>
-        </p:spPr>
-      </p:pic>
-      <p:pic>
-        <p:nvPicPr>
-          <p:cNvPr id="15" name="Picture 14" descr="Chart&#10;&#10;Description automatically generated">
-            <a:extLst>
-              <a:ext uri="{FF2B5EF4-FFF2-40B4-BE49-F238E27FC236}">
-                <a16:creationId xmlns:a16="http://schemas.microsoft.com/office/drawing/2014/main" id="{E2DFCC23-844B-46C2-875F-D1114CB8D5AF}"/>
-              </a:ext>
-            </a:extLst>
-          </p:cNvPr>
-          <p:cNvPicPr/>
-          <p:nvPr/>
-        </p:nvPicPr>
-        <p:blipFill>
-          <a:blip r:embed="rId4" cstate="print">
-            <a:extLst>
-              <a:ext uri="{28A0092B-C50C-407E-A947-70E740481C1C}">
-                <a14:useLocalDpi xmlns:a14="http://schemas.microsoft.com/office/drawing/2010/main" val="0"/>
-              </a:ext>
-            </a:extLst>
-          </a:blip>
-          <a:stretch>
-            <a:fillRect/>
-          </a:stretch>
-        </p:blipFill>
-        <p:spPr>
-          <a:xfrm>
-            <a:off x="3926879" y="1033134"/>
-            <a:ext cx="3703320" cy="2240506"/>
-          </a:xfrm>
-          <a:prstGeom prst="rect">
-            <a:avLst/>
-          </a:prstGeom>
-        </p:spPr>
-      </p:pic>
-      <p:pic>
-        <p:nvPicPr>
-          <p:cNvPr id="36" name="Picture 35" descr="Graphical user interface, text, application, email&#10;&#10;Description automatically generated">
-            <a:extLst>
-              <a:ext uri="{FF2B5EF4-FFF2-40B4-BE49-F238E27FC236}">
-                <a16:creationId xmlns:a16="http://schemas.microsoft.com/office/drawing/2014/main" id="{DD0BC013-6ADA-4DD6-95E2-3C5297F82D65}"/>
-              </a:ext>
-            </a:extLst>
-          </p:cNvPr>
-          <p:cNvPicPr/>
-          <p:nvPr/>
-        </p:nvPicPr>
-        <p:blipFill>
-          <a:blip r:embed="rId5">
-            <a:extLst>
-              <a:ext uri="{28A0092B-C50C-407E-A947-70E740481C1C}">
-                <a14:useLocalDpi xmlns:a14="http://schemas.microsoft.com/office/drawing/2010/main" val="0"/>
-              </a:ext>
-            </a:extLst>
-          </a:blip>
-          <a:stretch>
-            <a:fillRect/>
-          </a:stretch>
-        </p:blipFill>
-        <p:spPr>
-          <a:xfrm>
-            <a:off x="7932998" y="4308380"/>
-            <a:ext cx="3703320" cy="1036929"/>
-          </a:xfrm>
-          <a:prstGeom prst="rect">
-            <a:avLst/>
-          </a:prstGeom>
-        </p:spPr>
-      </p:pic>
-    </p:spTree>
-    <p:extLst>
-      <p:ext uri="{BB962C8B-B14F-4D97-AF65-F5344CB8AC3E}">
-        <p14:creationId xmlns:p14="http://schemas.microsoft.com/office/powerpoint/2010/main" val="4212802533"/>
-      </p:ext>
-    </p:extLst>
-  </p:cSld>
-  <p:clrMapOvr>
-    <a:masterClrMapping/>
-  </p:clrMapOvr>
-</p:sld>
-</file>
-
-<file path=ppt/slides/slide7.xml><?xml version="1.0" encoding="utf-8"?>
+<file path=ppt/slides/slide8.xml><?xml version="1.0" encoding="utf-8"?>
 <p:sld xmlns:a="http://schemas.openxmlformats.org/drawingml/2006/main" xmlns:r="http://schemas.openxmlformats.org/officeDocument/2006/relationships" xmlns:p="http://schemas.openxmlformats.org/presentationml/2006/main">
   <p:cSld>
     <p:bg>
@@ -10550,147 +11949,7 @@
                 <a:ea typeface="+mj-ea"/>
                 <a:cs typeface="+mj-cs"/>
               </a:rPr>
-              <a:t>Attack Algorithms</a:t>
-            </a:r>
-          </a:p>
-        </p:txBody>
-      </p:sp>
-      <p:sp>
-        <p:nvSpPr>
-          <p:cNvPr id="4" name="TextBox 3">
-            <a:extLst>
-              <a:ext uri="{FF2B5EF4-FFF2-40B4-BE49-F238E27FC236}">
-                <a16:creationId xmlns:a16="http://schemas.microsoft.com/office/drawing/2014/main" id="{AF7F13B0-B7A2-4AE2-BE4F-9F080552CC86}"/>
-              </a:ext>
-            </a:extLst>
-          </p:cNvPr>
-          <p:cNvSpPr txBox="1"/>
-          <p:nvPr/>
-        </p:nvSpPr>
-        <p:spPr>
-          <a:xfrm>
-            <a:off x="1045029" y="2524721"/>
-            <a:ext cx="4991629" cy="3677123"/>
-          </a:xfrm>
-          <a:prstGeom prst="rect">
-            <a:avLst/>
-          </a:prstGeom>
-        </p:spPr>
-        <p:txBody>
-          <a:bodyPr vert="horz" lIns="91440" tIns="45720" rIns="91440" bIns="45720" rtlCol="0" anchor="ctr">
-            <a:normAutofit/>
-          </a:bodyPr>
-          <a:lstStyle/>
-          <a:p>
-            <a:pPr marL="457200" indent="-228600">
-              <a:lnSpc>
-                <a:spcPct val="90000"/>
-              </a:lnSpc>
-              <a:spcAft>
-                <a:spcPts val="1680"/>
-              </a:spcAft>
-              <a:buFont typeface="Arial" panose="020B0604020202020204" pitchFamily="34" charset="0"/>
-              <a:buChar char="•"/>
-            </a:pPr>
-            <a:r>
-              <a:rPr lang="en-US" sz="2000" dirty="0"/>
-              <a:t>3 different Genetic Algorithms Tested </a:t>
-            </a:r>
-          </a:p>
-          <a:p>
-            <a:pPr marL="457200" indent="-228600">
-              <a:lnSpc>
-                <a:spcPct val="90000"/>
-              </a:lnSpc>
-              <a:spcAft>
-                <a:spcPts val="1680"/>
-              </a:spcAft>
-              <a:buFont typeface="Arial" panose="020B0604020202020204" pitchFamily="34" charset="0"/>
-              <a:buChar char="•"/>
-            </a:pPr>
-            <a:r>
-              <a:rPr lang="en-US" sz="2000" dirty="0"/>
-              <a:t>Black-Box Approach</a:t>
-            </a:r>
-          </a:p>
-          <a:p>
-            <a:pPr marL="457200" indent="-228600">
-              <a:lnSpc>
-                <a:spcPct val="90000"/>
-              </a:lnSpc>
-              <a:spcAft>
-                <a:spcPts val="1680"/>
-              </a:spcAft>
-              <a:buFont typeface="Arial" panose="020B0604020202020204" pitchFamily="34" charset="0"/>
-              <a:buChar char="•"/>
-            </a:pPr>
-            <a:r>
-              <a:rPr lang="en-US" sz="2000" dirty="0"/>
-              <a:t>Generate Initial Population</a:t>
-            </a:r>
-          </a:p>
-          <a:p>
-            <a:pPr marL="457200" indent="-228600">
-              <a:lnSpc>
-                <a:spcPct val="90000"/>
-              </a:lnSpc>
-              <a:spcAft>
-                <a:spcPts val="1680"/>
-              </a:spcAft>
-              <a:buFont typeface="Arial" panose="020B0604020202020204" pitchFamily="34" charset="0"/>
-              <a:buChar char="•"/>
-            </a:pPr>
-            <a:r>
-              <a:rPr lang="en-US" sz="2000" dirty="0"/>
-              <a:t>Target Label &amp; Fitness Function</a:t>
-            </a:r>
-          </a:p>
-          <a:p>
-            <a:pPr marL="457200" indent="-228600">
-              <a:lnSpc>
-                <a:spcPct val="90000"/>
-              </a:lnSpc>
-              <a:spcAft>
-                <a:spcPts val="1680"/>
-              </a:spcAft>
-              <a:buFont typeface="Arial" panose="020B0604020202020204" pitchFamily="34" charset="0"/>
-              <a:buChar char="•"/>
-            </a:pPr>
-            <a:r>
-              <a:rPr lang="en-US" sz="2000" dirty="0"/>
-              <a:t>Selection</a:t>
-            </a:r>
-          </a:p>
-          <a:p>
-            <a:pPr marL="457200" indent="-228600">
-              <a:lnSpc>
-                <a:spcPct val="90000"/>
-              </a:lnSpc>
-              <a:spcAft>
-                <a:spcPts val="1680"/>
-              </a:spcAft>
-              <a:buFont typeface="Arial" panose="020B0604020202020204" pitchFamily="34" charset="0"/>
-              <a:buChar char="•"/>
-            </a:pPr>
-            <a:r>
-              <a:rPr lang="en-US" sz="2000" dirty="0"/>
-              <a:t>Crossover</a:t>
-            </a:r>
-          </a:p>
-          <a:p>
-            <a:pPr marL="457200" indent="-228600">
-              <a:lnSpc>
-                <a:spcPct val="90000"/>
-              </a:lnSpc>
-              <a:spcAft>
-                <a:spcPts val="1680"/>
-              </a:spcAft>
-              <a:buFont typeface="Arial" panose="020B0604020202020204" pitchFamily="34" charset="0"/>
-              <a:buChar char="•"/>
-            </a:pPr>
-            <a:r>
-              <a:rPr lang="en-US" sz="2000" dirty="0"/>
-              <a:t>Exit Condition</a:t>
+              <a:t>Data Sample for Attacks</a:t>
             </a:r>
           </a:p>
         </p:txBody>
@@ -10817,46 +12076,1127 @@
           </a:fontRef>
         </p:style>
       </p:cxnSp>
-      <p:pic>
-        <p:nvPicPr>
-          <p:cNvPr id="14" name="Picture 13" descr="Diagram&#10;&#10;Description automatically generated">
-            <a:extLst>
-              <a:ext uri="{FF2B5EF4-FFF2-40B4-BE49-F238E27FC236}">
-                <a16:creationId xmlns:a16="http://schemas.microsoft.com/office/drawing/2014/main" id="{BE7D70D2-856A-4F97-8934-73C3651A4CDF}"/>
-              </a:ext>
-            </a:extLst>
-          </p:cNvPr>
-          <p:cNvPicPr>
-            <a:picLocks noChangeAspect="1"/>
-          </p:cNvPicPr>
+      <p:graphicFrame>
+        <p:nvGraphicFramePr>
+          <p:cNvPr id="3" name="Table 2">
+            <a:extLst>
+              <a:ext uri="{FF2B5EF4-FFF2-40B4-BE49-F238E27FC236}">
+                <a16:creationId xmlns:a16="http://schemas.microsoft.com/office/drawing/2014/main" id="{8B3AAA67-24F3-42DA-81C0-8D1723444073}"/>
+              </a:ext>
+            </a:extLst>
+          </p:cNvPr>
+          <p:cNvGraphicFramePr>
+            <a:graphicFrameLocks noGrp="1"/>
+          </p:cNvGraphicFramePr>
+          <p:nvPr>
+            <p:extLst>
+              <p:ext uri="{D42A27DB-BD31-4B8C-83A1-F6EECF244321}">
+                <p14:modId xmlns:p14="http://schemas.microsoft.com/office/powerpoint/2010/main" val="3352538353"/>
+              </p:ext>
+            </p:extLst>
+          </p:nvPr>
+        </p:nvGraphicFramePr>
+        <p:xfrm>
+          <a:off x="6810498" y="656150"/>
+          <a:ext cx="4449104" cy="581025"/>
+        </p:xfrm>
+        <a:graphic>
+          <a:graphicData uri="http://schemas.openxmlformats.org/drawingml/2006/table">
+            <a:tbl>
+              <a:tblPr firstRow="1" firstCol="1" bandRow="1">
+                <a:tableStyleId>{5C22544A-7EE6-4342-B048-85BDC9FD1C3A}</a:tableStyleId>
+              </a:tblPr>
+              <a:tblGrid>
+                <a:gridCol w="985468">
+                  <a:extLst>
+                    <a:ext uri="{9D8B030D-6E8A-4147-A177-3AD203B41FA5}">
+                      <a16:colId xmlns:a16="http://schemas.microsoft.com/office/drawing/2014/main" val="813443202"/>
+                    </a:ext>
+                  </a:extLst>
+                </a:gridCol>
+                <a:gridCol w="785091">
+                  <a:extLst>
+                    <a:ext uri="{9D8B030D-6E8A-4147-A177-3AD203B41FA5}">
+                      <a16:colId xmlns:a16="http://schemas.microsoft.com/office/drawing/2014/main" val="1570218317"/>
+                    </a:ext>
+                  </a:extLst>
+                </a:gridCol>
+                <a:gridCol w="849745">
+                  <a:extLst>
+                    <a:ext uri="{9D8B030D-6E8A-4147-A177-3AD203B41FA5}">
+                      <a16:colId xmlns:a16="http://schemas.microsoft.com/office/drawing/2014/main" val="1945867822"/>
+                    </a:ext>
+                  </a:extLst>
+                </a:gridCol>
+                <a:gridCol w="785091">
+                  <a:extLst>
+                    <a:ext uri="{9D8B030D-6E8A-4147-A177-3AD203B41FA5}">
+                      <a16:colId xmlns:a16="http://schemas.microsoft.com/office/drawing/2014/main" val="3589580064"/>
+                    </a:ext>
+                  </a:extLst>
+                </a:gridCol>
+                <a:gridCol w="1043709">
+                  <a:extLst>
+                    <a:ext uri="{9D8B030D-6E8A-4147-A177-3AD203B41FA5}">
+                      <a16:colId xmlns:a16="http://schemas.microsoft.com/office/drawing/2014/main" val="323704768"/>
+                    </a:ext>
+                  </a:extLst>
+                </a:gridCol>
+              </a:tblGrid>
+              <a:tr h="381000">
+                <a:tc>
+                  <a:txBody>
+                    <a:bodyPr/>
+                    <a:lstStyle/>
+                    <a:p>
+                      <a:pPr algn="ctr">
+                        <a:spcAft>
+                          <a:spcPts val="600"/>
+                        </a:spcAft>
+                      </a:pPr>
+                      <a:r>
+                        <a:rPr lang="en-GB" sz="1000" dirty="0">
+                          <a:effectLst/>
+                        </a:rPr>
+                        <a:t>Common Configuration</a:t>
+                      </a:r>
+                      <a:endParaRPr lang="en-GB" sz="1100" dirty="0">
+                        <a:effectLst/>
+                        <a:latin typeface="Calibri" panose="020F0502020204030204" pitchFamily="34" charset="0"/>
+                        <a:ea typeface="Times New Roman" panose="02020603050405020304" pitchFamily="18" charset="0"/>
+                        <a:cs typeface="Times New Roman" panose="02020603050405020304" pitchFamily="18" charset="0"/>
+                      </a:endParaRPr>
+                    </a:p>
+                  </a:txBody>
+                  <a:tcPr marL="68580" marR="68580" marT="0" marB="0"/>
+                </a:tc>
+                <a:tc>
+                  <a:txBody>
+                    <a:bodyPr/>
+                    <a:lstStyle/>
+                    <a:p>
+                      <a:pPr algn="ctr">
+                        <a:spcAft>
+                          <a:spcPts val="600"/>
+                        </a:spcAft>
+                      </a:pPr>
+                      <a:r>
+                        <a:rPr lang="en-GB" sz="1000" dirty="0">
+                          <a:effectLst/>
+                        </a:rPr>
+                        <a:t>Generations</a:t>
+                      </a:r>
+                      <a:endParaRPr lang="en-GB" sz="1100" dirty="0">
+                        <a:effectLst/>
+                        <a:latin typeface="Calibri" panose="020F0502020204030204" pitchFamily="34" charset="0"/>
+                        <a:ea typeface="Times New Roman" panose="02020603050405020304" pitchFamily="18" charset="0"/>
+                        <a:cs typeface="Times New Roman" panose="02020603050405020304" pitchFamily="18" charset="0"/>
+                      </a:endParaRPr>
+                    </a:p>
+                  </a:txBody>
+                  <a:tcPr marL="68580" marR="68580" marT="0" marB="0"/>
+                </a:tc>
+                <a:tc>
+                  <a:txBody>
+                    <a:bodyPr/>
+                    <a:lstStyle/>
+                    <a:p>
+                      <a:pPr algn="ctr">
+                        <a:spcAft>
+                          <a:spcPts val="600"/>
+                        </a:spcAft>
+                      </a:pPr>
+                      <a:r>
+                        <a:rPr lang="en-GB" sz="1000" dirty="0">
+                          <a:effectLst/>
+                        </a:rPr>
+                        <a:t>Population Size</a:t>
+                      </a:r>
+                      <a:endParaRPr lang="en-GB" sz="1100" dirty="0">
+                        <a:effectLst/>
+                        <a:latin typeface="Calibri" panose="020F0502020204030204" pitchFamily="34" charset="0"/>
+                        <a:ea typeface="Times New Roman" panose="02020603050405020304" pitchFamily="18" charset="0"/>
+                        <a:cs typeface="Times New Roman" panose="02020603050405020304" pitchFamily="18" charset="0"/>
+                      </a:endParaRPr>
+                    </a:p>
+                  </a:txBody>
+                  <a:tcPr marL="68580" marR="68580" marT="0" marB="0"/>
+                </a:tc>
+                <a:tc>
+                  <a:txBody>
+                    <a:bodyPr/>
+                    <a:lstStyle/>
+                    <a:p>
+                      <a:pPr algn="ctr">
+                        <a:spcAft>
+                          <a:spcPts val="600"/>
+                        </a:spcAft>
+                      </a:pPr>
+                      <a:r>
+                        <a:rPr lang="en-GB" sz="1000" dirty="0">
+                          <a:effectLst/>
+                        </a:rPr>
+                        <a:t>Dataset Sample Size</a:t>
+                      </a:r>
+                      <a:endParaRPr lang="en-GB" sz="1100" dirty="0">
+                        <a:effectLst/>
+                        <a:latin typeface="Calibri" panose="020F0502020204030204" pitchFamily="34" charset="0"/>
+                        <a:ea typeface="Times New Roman" panose="02020603050405020304" pitchFamily="18" charset="0"/>
+                        <a:cs typeface="Times New Roman" panose="02020603050405020304" pitchFamily="18" charset="0"/>
+                      </a:endParaRPr>
+                    </a:p>
+                  </a:txBody>
+                  <a:tcPr marL="68580" marR="68580" marT="0" marB="0"/>
+                </a:tc>
+                <a:tc>
+                  <a:txBody>
+                    <a:bodyPr/>
+                    <a:lstStyle/>
+                    <a:p>
+                      <a:pPr algn="ctr">
+                        <a:spcAft>
+                          <a:spcPts val="600"/>
+                        </a:spcAft>
+                      </a:pPr>
+                      <a:r>
+                        <a:rPr lang="en-GB" sz="1000" dirty="0">
+                          <a:effectLst/>
+                        </a:rPr>
+                        <a:t>Maximum perturbations</a:t>
+                      </a:r>
+                      <a:endParaRPr lang="en-GB" sz="1100" dirty="0">
+                        <a:effectLst/>
+                        <a:latin typeface="Calibri" panose="020F0502020204030204" pitchFamily="34" charset="0"/>
+                        <a:ea typeface="Times New Roman" panose="02020603050405020304" pitchFamily="18" charset="0"/>
+                        <a:cs typeface="Times New Roman" panose="02020603050405020304" pitchFamily="18" charset="0"/>
+                      </a:endParaRPr>
+                    </a:p>
+                  </a:txBody>
+                  <a:tcPr marL="68580" marR="68580" marT="0" marB="0"/>
+                </a:tc>
+                <a:extLst>
+                  <a:ext uri="{0D108BD9-81ED-4DB2-BD59-A6C34878D82A}">
+                    <a16:rowId xmlns:a16="http://schemas.microsoft.com/office/drawing/2014/main" val="3046055913"/>
+                  </a:ext>
+                </a:extLst>
+              </a:tr>
+              <a:tr h="200025">
+                <a:tc>
+                  <a:txBody>
+                    <a:bodyPr/>
+                    <a:lstStyle/>
+                    <a:p>
+                      <a:pPr algn="ctr">
+                        <a:spcAft>
+                          <a:spcPts val="600"/>
+                        </a:spcAft>
+                      </a:pPr>
+                      <a:r>
+                        <a:rPr lang="en-GB" sz="1000">
+                          <a:effectLst/>
+                        </a:rPr>
+                        <a:t>All Runs</a:t>
+                      </a:r>
+                      <a:endParaRPr lang="en-GB" sz="1100">
+                        <a:effectLst/>
+                        <a:latin typeface="Calibri" panose="020F0502020204030204" pitchFamily="34" charset="0"/>
+                        <a:ea typeface="Times New Roman" panose="02020603050405020304" pitchFamily="18" charset="0"/>
+                        <a:cs typeface="Times New Roman" panose="02020603050405020304" pitchFamily="18" charset="0"/>
+                      </a:endParaRPr>
+                    </a:p>
+                  </a:txBody>
+                  <a:tcPr marL="68580" marR="68580" marT="0" marB="0"/>
+                </a:tc>
+                <a:tc>
+                  <a:txBody>
+                    <a:bodyPr/>
+                    <a:lstStyle/>
+                    <a:p>
+                      <a:pPr algn="ctr">
+                        <a:spcAft>
+                          <a:spcPts val="600"/>
+                        </a:spcAft>
+                      </a:pPr>
+                      <a:r>
+                        <a:rPr lang="en-GB" sz="1000">
+                          <a:effectLst/>
+                        </a:rPr>
+                        <a:t>20</a:t>
+                      </a:r>
+                      <a:endParaRPr lang="en-GB" sz="1100">
+                        <a:effectLst/>
+                        <a:latin typeface="Calibri" panose="020F0502020204030204" pitchFamily="34" charset="0"/>
+                        <a:ea typeface="Times New Roman" panose="02020603050405020304" pitchFamily="18" charset="0"/>
+                        <a:cs typeface="Times New Roman" panose="02020603050405020304" pitchFamily="18" charset="0"/>
+                      </a:endParaRPr>
+                    </a:p>
+                  </a:txBody>
+                  <a:tcPr marL="68580" marR="68580" marT="0" marB="0"/>
+                </a:tc>
+                <a:tc>
+                  <a:txBody>
+                    <a:bodyPr/>
+                    <a:lstStyle/>
+                    <a:p>
+                      <a:pPr algn="ctr">
+                        <a:spcAft>
+                          <a:spcPts val="600"/>
+                        </a:spcAft>
+                      </a:pPr>
+                      <a:r>
+                        <a:rPr lang="en-GB" sz="1000">
+                          <a:effectLst/>
+                        </a:rPr>
+                        <a:t>20</a:t>
+                      </a:r>
+                      <a:endParaRPr lang="en-GB" sz="1100">
+                        <a:effectLst/>
+                        <a:latin typeface="Calibri" panose="020F0502020204030204" pitchFamily="34" charset="0"/>
+                        <a:ea typeface="Times New Roman" panose="02020603050405020304" pitchFamily="18" charset="0"/>
+                        <a:cs typeface="Times New Roman" panose="02020603050405020304" pitchFamily="18" charset="0"/>
+                      </a:endParaRPr>
+                    </a:p>
+                  </a:txBody>
+                  <a:tcPr marL="68580" marR="68580" marT="0" marB="0"/>
+                </a:tc>
+                <a:tc>
+                  <a:txBody>
+                    <a:bodyPr/>
+                    <a:lstStyle/>
+                    <a:p>
+                      <a:pPr algn="ctr">
+                        <a:spcAft>
+                          <a:spcPts val="600"/>
+                        </a:spcAft>
+                      </a:pPr>
+                      <a:r>
+                        <a:rPr lang="en-GB" sz="1000">
+                          <a:effectLst/>
+                        </a:rPr>
+                        <a:t>250</a:t>
+                      </a:r>
+                      <a:endParaRPr lang="en-GB" sz="1100">
+                        <a:effectLst/>
+                        <a:latin typeface="Calibri" panose="020F0502020204030204" pitchFamily="34" charset="0"/>
+                        <a:ea typeface="Times New Roman" panose="02020603050405020304" pitchFamily="18" charset="0"/>
+                        <a:cs typeface="Times New Roman" panose="02020603050405020304" pitchFamily="18" charset="0"/>
+                      </a:endParaRPr>
+                    </a:p>
+                  </a:txBody>
+                  <a:tcPr marL="68580" marR="68580" marT="0" marB="0"/>
+                </a:tc>
+                <a:tc>
+                  <a:txBody>
+                    <a:bodyPr/>
+                    <a:lstStyle/>
+                    <a:p>
+                      <a:pPr algn="ctr">
+                        <a:spcAft>
+                          <a:spcPts val="600"/>
+                        </a:spcAft>
+                      </a:pPr>
+                      <a:r>
+                        <a:rPr lang="en-GB" sz="1000" dirty="0">
+                          <a:effectLst/>
+                        </a:rPr>
+                        <a:t>5</a:t>
+                      </a:r>
+                      <a:endParaRPr lang="en-GB" sz="1100" dirty="0">
+                        <a:effectLst/>
+                        <a:latin typeface="Calibri" panose="020F0502020204030204" pitchFamily="34" charset="0"/>
+                        <a:ea typeface="Times New Roman" panose="02020603050405020304" pitchFamily="18" charset="0"/>
+                        <a:cs typeface="Times New Roman" panose="02020603050405020304" pitchFamily="18" charset="0"/>
+                      </a:endParaRPr>
+                    </a:p>
+                  </a:txBody>
+                  <a:tcPr marL="68580" marR="68580" marT="0" marB="0"/>
+                </a:tc>
+                <a:extLst>
+                  <a:ext uri="{0D108BD9-81ED-4DB2-BD59-A6C34878D82A}">
+                    <a16:rowId xmlns:a16="http://schemas.microsoft.com/office/drawing/2014/main" val="4059309088"/>
+                  </a:ext>
+                </a:extLst>
+              </a:tr>
+            </a:tbl>
+          </a:graphicData>
+        </a:graphic>
+      </p:graphicFrame>
+      <p:graphicFrame>
+        <p:nvGraphicFramePr>
+          <p:cNvPr id="5" name="Table 4">
+            <a:extLst>
+              <a:ext uri="{FF2B5EF4-FFF2-40B4-BE49-F238E27FC236}">
+                <a16:creationId xmlns:a16="http://schemas.microsoft.com/office/drawing/2014/main" id="{A104A4FE-0B66-4A4C-A7F0-4874167557A7}"/>
+              </a:ext>
+            </a:extLst>
+          </p:cNvPr>
+          <p:cNvGraphicFramePr>
+            <a:graphicFrameLocks noGrp="1"/>
+          </p:cNvGraphicFramePr>
+          <p:nvPr>
+            <p:extLst>
+              <p:ext uri="{D42A27DB-BD31-4B8C-83A1-F6EECF244321}">
+                <p14:modId xmlns:p14="http://schemas.microsoft.com/office/powerpoint/2010/main" val="1331226149"/>
+              </p:ext>
+            </p:extLst>
+          </p:nvPr>
+        </p:nvGraphicFramePr>
+        <p:xfrm>
+          <a:off x="6831600" y="1975585"/>
+          <a:ext cx="4406900" cy="581025"/>
+        </p:xfrm>
+        <a:graphic>
+          <a:graphicData uri="http://schemas.openxmlformats.org/drawingml/2006/table">
+            <a:tbl>
+              <a:tblPr firstRow="1" firstCol="1" bandRow="1">
+                <a:tableStyleId>{5C22544A-7EE6-4342-B048-85BDC9FD1C3A}</a:tableStyleId>
+              </a:tblPr>
+              <a:tblGrid>
+                <a:gridCol w="1630045">
+                  <a:extLst>
+                    <a:ext uri="{9D8B030D-6E8A-4147-A177-3AD203B41FA5}">
+                      <a16:colId xmlns:a16="http://schemas.microsoft.com/office/drawing/2014/main" val="350010657"/>
+                    </a:ext>
+                  </a:extLst>
+                </a:gridCol>
+                <a:gridCol w="1457325">
+                  <a:extLst>
+                    <a:ext uri="{9D8B030D-6E8A-4147-A177-3AD203B41FA5}">
+                      <a16:colId xmlns:a16="http://schemas.microsoft.com/office/drawing/2014/main" val="3215266371"/>
+                    </a:ext>
+                  </a:extLst>
+                </a:gridCol>
+                <a:gridCol w="1319530">
+                  <a:extLst>
+                    <a:ext uri="{9D8B030D-6E8A-4147-A177-3AD203B41FA5}">
+                      <a16:colId xmlns:a16="http://schemas.microsoft.com/office/drawing/2014/main" val="895992689"/>
+                    </a:ext>
+                  </a:extLst>
+                </a:gridCol>
+              </a:tblGrid>
+              <a:tr h="190500">
+                <a:tc gridSpan="3">
+                  <a:txBody>
+                    <a:bodyPr/>
+                    <a:lstStyle/>
+                    <a:p>
+                      <a:pPr algn="ctr">
+                        <a:spcAft>
+                          <a:spcPts val="600"/>
+                        </a:spcAft>
+                      </a:pPr>
+                      <a:r>
+                        <a:rPr lang="en-GB" sz="1100" b="1" dirty="0">
+                          <a:effectLst/>
+                        </a:rPr>
+                        <a:t>Length of reviews in our dataset (number of words)</a:t>
+                      </a:r>
+                      <a:endParaRPr lang="en-GB" sz="1100" b="1" dirty="0">
+                        <a:effectLst/>
+                        <a:latin typeface="Calibri" panose="020F0502020204030204" pitchFamily="34" charset="0"/>
+                        <a:ea typeface="Times New Roman" panose="02020603050405020304" pitchFamily="18" charset="0"/>
+                        <a:cs typeface="Times New Roman" panose="02020603050405020304" pitchFamily="18" charset="0"/>
+                      </a:endParaRPr>
+                    </a:p>
+                  </a:txBody>
+                  <a:tcPr marL="68580" marR="68580" marT="0" marB="0"/>
+                </a:tc>
+                <a:tc hMerge="1">
+                  <a:txBody>
+                    <a:bodyPr/>
+                    <a:lstStyle/>
+                    <a:p>
+                      <a:endParaRPr lang="en-GB"/>
+                    </a:p>
+                  </a:txBody>
+                  <a:tcPr/>
+                </a:tc>
+                <a:tc hMerge="1">
+                  <a:txBody>
+                    <a:bodyPr/>
+                    <a:lstStyle/>
+                    <a:p>
+                      <a:endParaRPr lang="en-GB"/>
+                    </a:p>
+                  </a:txBody>
+                  <a:tcPr/>
+                </a:tc>
+                <a:extLst>
+                  <a:ext uri="{0D108BD9-81ED-4DB2-BD59-A6C34878D82A}">
+                    <a16:rowId xmlns:a16="http://schemas.microsoft.com/office/drawing/2014/main" val="3515668895"/>
+                  </a:ext>
+                </a:extLst>
+              </a:tr>
+              <a:tr h="190500">
+                <a:tc>
+                  <a:txBody>
+                    <a:bodyPr/>
+                    <a:lstStyle/>
+                    <a:p>
+                      <a:pPr algn="ctr">
+                        <a:spcAft>
+                          <a:spcPts val="600"/>
+                        </a:spcAft>
+                      </a:pPr>
+                      <a:r>
+                        <a:rPr lang="en-GB" sz="1100" b="1" dirty="0">
+                          <a:solidFill>
+                            <a:schemeClr val="tx1"/>
+                          </a:solidFill>
+                          <a:effectLst/>
+                        </a:rPr>
+                        <a:t>Smallest Review</a:t>
+                      </a:r>
+                      <a:endParaRPr lang="en-GB" sz="1100" b="1" dirty="0">
+                        <a:solidFill>
+                          <a:schemeClr val="tx1"/>
+                        </a:solidFill>
+                        <a:effectLst/>
+                        <a:latin typeface="Calibri" panose="020F0502020204030204" pitchFamily="34" charset="0"/>
+                        <a:ea typeface="Times New Roman" panose="02020603050405020304" pitchFamily="18" charset="0"/>
+                        <a:cs typeface="Times New Roman" panose="02020603050405020304" pitchFamily="18" charset="0"/>
+                      </a:endParaRPr>
+                    </a:p>
+                  </a:txBody>
+                  <a:tcPr marL="68580" marR="68580" marT="0" marB="0">
+                    <a:solidFill>
+                      <a:schemeClr val="accent3">
+                        <a:lumMod val="20000"/>
+                        <a:lumOff val="80000"/>
+                      </a:schemeClr>
+                    </a:solidFill>
+                  </a:tcPr>
+                </a:tc>
+                <a:tc>
+                  <a:txBody>
+                    <a:bodyPr/>
+                    <a:lstStyle/>
+                    <a:p>
+                      <a:pPr algn="ctr">
+                        <a:spcAft>
+                          <a:spcPts val="600"/>
+                        </a:spcAft>
+                      </a:pPr>
+                      <a:r>
+                        <a:rPr lang="en-GB" sz="1100" b="1" dirty="0">
+                          <a:solidFill>
+                            <a:schemeClr val="tx1"/>
+                          </a:solidFill>
+                          <a:effectLst/>
+                        </a:rPr>
+                        <a:t>Largest review</a:t>
+                      </a:r>
+                      <a:endParaRPr lang="en-GB" sz="1100" b="1" dirty="0">
+                        <a:solidFill>
+                          <a:schemeClr val="tx1"/>
+                        </a:solidFill>
+                        <a:effectLst/>
+                        <a:latin typeface="Calibri" panose="020F0502020204030204" pitchFamily="34" charset="0"/>
+                        <a:ea typeface="Times New Roman" panose="02020603050405020304" pitchFamily="18" charset="0"/>
+                        <a:cs typeface="Times New Roman" panose="02020603050405020304" pitchFamily="18" charset="0"/>
+                      </a:endParaRPr>
+                    </a:p>
+                  </a:txBody>
+                  <a:tcPr marL="68580" marR="68580" marT="0" marB="0">
+                    <a:solidFill>
+                      <a:schemeClr val="accent3">
+                        <a:lumMod val="20000"/>
+                        <a:lumOff val="80000"/>
+                      </a:schemeClr>
+                    </a:solidFill>
+                  </a:tcPr>
+                </a:tc>
+                <a:tc>
+                  <a:txBody>
+                    <a:bodyPr/>
+                    <a:lstStyle/>
+                    <a:p>
+                      <a:pPr algn="ctr">
+                        <a:spcAft>
+                          <a:spcPts val="600"/>
+                        </a:spcAft>
+                      </a:pPr>
+                      <a:r>
+                        <a:rPr lang="en-GB" sz="1100" b="1" dirty="0">
+                          <a:solidFill>
+                            <a:schemeClr val="tx1"/>
+                          </a:solidFill>
+                          <a:effectLst/>
+                        </a:rPr>
+                        <a:t>Mean review</a:t>
+                      </a:r>
+                      <a:endParaRPr lang="en-GB" sz="1100" b="1" dirty="0">
+                        <a:solidFill>
+                          <a:schemeClr val="tx1"/>
+                        </a:solidFill>
+                        <a:effectLst/>
+                        <a:latin typeface="Calibri" panose="020F0502020204030204" pitchFamily="34" charset="0"/>
+                        <a:ea typeface="Times New Roman" panose="02020603050405020304" pitchFamily="18" charset="0"/>
+                        <a:cs typeface="Times New Roman" panose="02020603050405020304" pitchFamily="18" charset="0"/>
+                      </a:endParaRPr>
+                    </a:p>
+                  </a:txBody>
+                  <a:tcPr marL="68580" marR="68580" marT="0" marB="0">
+                    <a:solidFill>
+                      <a:schemeClr val="accent3">
+                        <a:lumMod val="20000"/>
+                        <a:lumOff val="80000"/>
+                      </a:schemeClr>
+                    </a:solidFill>
+                  </a:tcPr>
+                </a:tc>
+                <a:extLst>
+                  <a:ext uri="{0D108BD9-81ED-4DB2-BD59-A6C34878D82A}">
+                    <a16:rowId xmlns:a16="http://schemas.microsoft.com/office/drawing/2014/main" val="3750159558"/>
+                  </a:ext>
+                </a:extLst>
+              </a:tr>
+              <a:tr h="200025">
+                <a:tc>
+                  <a:txBody>
+                    <a:bodyPr/>
+                    <a:lstStyle/>
+                    <a:p>
+                      <a:pPr algn="ctr">
+                        <a:spcAft>
+                          <a:spcPts val="600"/>
+                        </a:spcAft>
+                      </a:pPr>
+                      <a:r>
+                        <a:rPr lang="en-GB" sz="1100" b="0" dirty="0">
+                          <a:solidFill>
+                            <a:schemeClr val="tx1"/>
+                          </a:solidFill>
+                          <a:effectLst/>
+                        </a:rPr>
+                        <a:t>37 words</a:t>
+                      </a:r>
+                      <a:endParaRPr lang="en-GB" sz="1100" b="0" dirty="0">
+                        <a:solidFill>
+                          <a:schemeClr val="tx1"/>
+                        </a:solidFill>
+                        <a:effectLst/>
+                        <a:latin typeface="Calibri" panose="020F0502020204030204" pitchFamily="34" charset="0"/>
+                        <a:ea typeface="Times New Roman" panose="02020603050405020304" pitchFamily="18" charset="0"/>
+                        <a:cs typeface="Times New Roman" panose="02020603050405020304" pitchFamily="18" charset="0"/>
+                      </a:endParaRPr>
+                    </a:p>
+                  </a:txBody>
+                  <a:tcPr marL="68580" marR="68580" marT="0" marB="0">
+                    <a:solidFill>
+                      <a:schemeClr val="bg1">
+                        <a:lumMod val="95000"/>
+                      </a:schemeClr>
+                    </a:solidFill>
+                  </a:tcPr>
+                </a:tc>
+                <a:tc>
+                  <a:txBody>
+                    <a:bodyPr/>
+                    <a:lstStyle/>
+                    <a:p>
+                      <a:pPr algn="ctr">
+                        <a:spcAft>
+                          <a:spcPts val="600"/>
+                        </a:spcAft>
+                      </a:pPr>
+                      <a:r>
+                        <a:rPr lang="en-GB" sz="1100" b="0" dirty="0">
+                          <a:solidFill>
+                            <a:schemeClr val="tx1"/>
+                          </a:solidFill>
+                          <a:effectLst/>
+                        </a:rPr>
+                        <a:t>945 words</a:t>
+                      </a:r>
+                      <a:endParaRPr lang="en-GB" sz="1100" b="0" dirty="0">
+                        <a:solidFill>
+                          <a:schemeClr val="tx1"/>
+                        </a:solidFill>
+                        <a:effectLst/>
+                        <a:latin typeface="Calibri" panose="020F0502020204030204" pitchFamily="34" charset="0"/>
+                        <a:ea typeface="Times New Roman" panose="02020603050405020304" pitchFamily="18" charset="0"/>
+                        <a:cs typeface="Times New Roman" panose="02020603050405020304" pitchFamily="18" charset="0"/>
+                      </a:endParaRPr>
+                    </a:p>
+                  </a:txBody>
+                  <a:tcPr marL="68580" marR="68580" marT="0" marB="0">
+                    <a:solidFill>
+                      <a:schemeClr val="bg1">
+                        <a:lumMod val="95000"/>
+                      </a:schemeClr>
+                    </a:solidFill>
+                  </a:tcPr>
+                </a:tc>
+                <a:tc>
+                  <a:txBody>
+                    <a:bodyPr/>
+                    <a:lstStyle/>
+                    <a:p>
+                      <a:pPr algn="ctr">
+                        <a:spcAft>
+                          <a:spcPts val="600"/>
+                        </a:spcAft>
+                      </a:pPr>
+                      <a:r>
+                        <a:rPr lang="en-GB" sz="1100" b="0" dirty="0">
+                          <a:solidFill>
+                            <a:schemeClr val="tx1"/>
+                          </a:solidFill>
+                          <a:effectLst/>
+                        </a:rPr>
+                        <a:t>236 words</a:t>
+                      </a:r>
+                      <a:endParaRPr lang="en-GB" sz="1100" b="0" dirty="0">
+                        <a:solidFill>
+                          <a:schemeClr val="tx1"/>
+                        </a:solidFill>
+                        <a:effectLst/>
+                        <a:latin typeface="Calibri" panose="020F0502020204030204" pitchFamily="34" charset="0"/>
+                        <a:ea typeface="Times New Roman" panose="02020603050405020304" pitchFamily="18" charset="0"/>
+                        <a:cs typeface="Times New Roman" panose="02020603050405020304" pitchFamily="18" charset="0"/>
+                      </a:endParaRPr>
+                    </a:p>
+                  </a:txBody>
+                  <a:tcPr marL="68580" marR="68580" marT="0" marB="0">
+                    <a:solidFill>
+                      <a:schemeClr val="bg1">
+                        <a:lumMod val="95000"/>
+                      </a:schemeClr>
+                    </a:solidFill>
+                  </a:tcPr>
+                </a:tc>
+                <a:extLst>
+                  <a:ext uri="{0D108BD9-81ED-4DB2-BD59-A6C34878D82A}">
+                    <a16:rowId xmlns:a16="http://schemas.microsoft.com/office/drawing/2014/main" val="1900173967"/>
+                  </a:ext>
+                </a:extLst>
+              </a:tr>
+            </a:tbl>
+          </a:graphicData>
+        </a:graphic>
+      </p:graphicFrame>
+      <p:sp>
+        <p:nvSpPr>
+          <p:cNvPr id="16" name="TextBox 15">
+            <a:extLst>
+              <a:ext uri="{FF2B5EF4-FFF2-40B4-BE49-F238E27FC236}">
+                <a16:creationId xmlns:a16="http://schemas.microsoft.com/office/drawing/2014/main" id="{698D4FDD-B8DD-426C-B459-C58EE1597244}"/>
+              </a:ext>
+            </a:extLst>
+          </p:cNvPr>
+          <p:cNvSpPr txBox="1"/>
           <p:nvPr/>
-        </p:nvPicPr>
-        <p:blipFill>
-          <a:blip r:embed="rId2">
-            <a:extLst>
-              <a:ext uri="{28A0092B-C50C-407E-A947-70E740481C1C}">
-                <a14:useLocalDpi xmlns:a14="http://schemas.microsoft.com/office/drawing/2010/main" val="0"/>
-              </a:ext>
-            </a:extLst>
-          </a:blip>
-          <a:stretch>
-            <a:fillRect/>
-          </a:stretch>
-        </p:blipFill>
+        </p:nvSpPr>
         <p:spPr>
           <a:xfrm>
-            <a:off x="6805119" y="812951"/>
-            <a:ext cx="4459861" cy="5231461"/>
+            <a:off x="6810498" y="1297368"/>
+            <a:ext cx="3934691" cy="553998"/>
+          </a:xfrm>
+          <a:prstGeom prst="rect">
+            <a:avLst/>
+          </a:prstGeom>
+          <a:noFill/>
+        </p:spPr>
+        <p:txBody>
+          <a:bodyPr wrap="square">
+            <a:spAutoFit/>
+          </a:bodyPr>
+          <a:lstStyle/>
+          <a:p>
+            <a:pPr algn="just">
+              <a:spcAft>
+                <a:spcPts val="600"/>
+              </a:spcAft>
+            </a:pPr>
+            <a:r>
+              <a:rPr lang="en-GB" sz="1000" b="1" dirty="0">
+                <a:effectLst/>
+                <a:latin typeface="Calibri" panose="020F0502020204030204" pitchFamily="34" charset="0"/>
+                <a:ea typeface="Times New Roman" panose="02020603050405020304" pitchFamily="18" charset="0"/>
+                <a:cs typeface="Times New Roman" panose="02020603050405020304" pitchFamily="18" charset="0"/>
+              </a:rPr>
+              <a:t>Maximum perturbations</a:t>
+            </a:r>
+            <a:r>
+              <a:rPr lang="en-GB" sz="1000" dirty="0">
+                <a:effectLst/>
+                <a:latin typeface="Calibri" panose="020F0502020204030204" pitchFamily="34" charset="0"/>
+                <a:ea typeface="Times New Roman" panose="02020603050405020304" pitchFamily="18" charset="0"/>
+                <a:cs typeface="Times New Roman" panose="02020603050405020304" pitchFamily="18" charset="0"/>
+              </a:rPr>
+              <a:t>: </a:t>
+            </a:r>
+            <a:r>
+              <a:rPr lang="en-GB" sz="1000" i="1" dirty="0">
+                <a:effectLst/>
+                <a:latin typeface="Calibri" panose="020F0502020204030204" pitchFamily="34" charset="0"/>
+                <a:ea typeface="Times New Roman" panose="02020603050405020304" pitchFamily="18" charset="0"/>
+                <a:cs typeface="Times New Roman" panose="02020603050405020304" pitchFamily="18" charset="0"/>
+              </a:rPr>
+              <a:t>is the maximum number of swaps of words allowed per review when generating a new population member for a new population set</a:t>
+            </a:r>
+            <a:r>
+              <a:rPr lang="en-GB" sz="1000" dirty="0">
+                <a:effectLst/>
+                <a:latin typeface="Calibri" panose="020F0502020204030204" pitchFamily="34" charset="0"/>
+                <a:ea typeface="Times New Roman" panose="02020603050405020304" pitchFamily="18" charset="0"/>
+                <a:cs typeface="Times New Roman" panose="02020603050405020304" pitchFamily="18" charset="0"/>
+              </a:rPr>
+              <a:t>.</a:t>
+            </a:r>
+          </a:p>
+        </p:txBody>
+      </p:sp>
+      <p:sp>
+        <p:nvSpPr>
+          <p:cNvPr id="17" name="TextBox 16">
+            <a:extLst>
+              <a:ext uri="{FF2B5EF4-FFF2-40B4-BE49-F238E27FC236}">
+                <a16:creationId xmlns:a16="http://schemas.microsoft.com/office/drawing/2014/main" id="{87493015-8396-4916-B1AB-0F8DE0C2D454}"/>
+              </a:ext>
+            </a:extLst>
+          </p:cNvPr>
+          <p:cNvSpPr txBox="1"/>
+          <p:nvPr/>
+        </p:nvSpPr>
+        <p:spPr>
+          <a:xfrm>
+            <a:off x="640080" y="2579372"/>
+            <a:ext cx="4991629" cy="2925494"/>
           </a:xfrm>
           <a:prstGeom prst="rect">
             <a:avLst/>
           </a:prstGeom>
         </p:spPr>
-      </p:pic>
+        <p:txBody>
+          <a:bodyPr vert="horz" lIns="91440" tIns="45720" rIns="91440" bIns="45720" rtlCol="0" anchor="ctr">
+            <a:noAutofit/>
+          </a:bodyPr>
+          <a:lstStyle/>
+          <a:p>
+            <a:pPr marL="457200" indent="-228600">
+              <a:lnSpc>
+                <a:spcPct val="90000"/>
+              </a:lnSpc>
+              <a:spcAft>
+                <a:spcPts val="1680"/>
+              </a:spcAft>
+              <a:buFont typeface="Arial" panose="020B0604020202020204" pitchFamily="34" charset="0"/>
+              <a:buChar char="•"/>
+            </a:pPr>
+            <a:r>
+              <a:rPr lang="en-US" sz="2000" dirty="0"/>
+              <a:t>250 IMDB Reviews In Sample Dataset</a:t>
+            </a:r>
+          </a:p>
+          <a:p>
+            <a:pPr marL="457200" indent="-228600">
+              <a:lnSpc>
+                <a:spcPct val="90000"/>
+              </a:lnSpc>
+              <a:spcAft>
+                <a:spcPts val="1680"/>
+              </a:spcAft>
+              <a:buFont typeface="Arial" panose="020B0604020202020204" pitchFamily="34" charset="0"/>
+              <a:buChar char="•"/>
+            </a:pPr>
+            <a:r>
+              <a:rPr lang="en-GB" sz="2000" dirty="0">
+                <a:ea typeface="Times New Roman" panose="02020603050405020304" pitchFamily="18" charset="0"/>
+                <a:cs typeface="Times New Roman" panose="02020603050405020304" pitchFamily="18" charset="0"/>
+              </a:rPr>
+              <a:t>R</a:t>
+            </a:r>
+            <a:r>
+              <a:rPr lang="en-GB" sz="2000" dirty="0">
+                <a:effectLst/>
+                <a:ea typeface="Times New Roman" panose="02020603050405020304" pitchFamily="18" charset="0"/>
+                <a:cs typeface="Times New Roman" panose="02020603050405020304" pitchFamily="18" charset="0"/>
+              </a:rPr>
+              <a:t>eview is considered </a:t>
+            </a:r>
+            <a:r>
+              <a:rPr lang="en-GB" sz="2000" b="1" dirty="0">
+                <a:effectLst/>
+                <a:ea typeface="Times New Roman" panose="02020603050405020304" pitchFamily="18" charset="0"/>
+                <a:cs typeface="Times New Roman" panose="02020603050405020304" pitchFamily="18" charset="0"/>
+              </a:rPr>
+              <a:t>negative if it has a score of </a:t>
+            </a:r>
+            <a:r>
+              <a:rPr lang="en-GB" sz="2000" b="1" dirty="0">
+                <a:effectLst/>
+                <a:ea typeface="Times New Roman" panose="02020603050405020304" pitchFamily="18" charset="0"/>
+                <a:cs typeface="Calibri" panose="020F0502020204030204" pitchFamily="34" charset="0"/>
+              </a:rPr>
+              <a:t>≤</a:t>
+            </a:r>
+            <a:r>
+              <a:rPr lang="en-GB" sz="2000" b="1" dirty="0">
+                <a:effectLst/>
+                <a:ea typeface="Times New Roman" panose="02020603050405020304" pitchFamily="18" charset="0"/>
+                <a:cs typeface="Times New Roman" panose="02020603050405020304" pitchFamily="18" charset="0"/>
+              </a:rPr>
+              <a:t> 4</a:t>
+            </a:r>
+            <a:r>
+              <a:rPr lang="en-GB" sz="2000" dirty="0">
+                <a:effectLst/>
+                <a:ea typeface="Times New Roman" panose="02020603050405020304" pitchFamily="18" charset="0"/>
+                <a:cs typeface="Times New Roman" panose="02020603050405020304" pitchFamily="18" charset="0"/>
+              </a:rPr>
+              <a:t> </a:t>
+            </a:r>
+            <a:r>
+              <a:rPr lang="en-GB" sz="2000" b="1" dirty="0">
+                <a:effectLst/>
+                <a:ea typeface="Times New Roman" panose="02020603050405020304" pitchFamily="18" charset="0"/>
+                <a:cs typeface="Times New Roman" panose="02020603050405020304" pitchFamily="18" charset="0"/>
+              </a:rPr>
+              <a:t>out of 10 </a:t>
+            </a:r>
+            <a:r>
+              <a:rPr lang="en-GB" sz="2000" dirty="0">
+                <a:effectLst/>
+                <a:ea typeface="Times New Roman" panose="02020603050405020304" pitchFamily="18" charset="0"/>
+                <a:cs typeface="Times New Roman" panose="02020603050405020304" pitchFamily="18" charset="0"/>
+              </a:rPr>
+              <a:t>on the IMDB website, and </a:t>
+            </a:r>
+            <a:r>
+              <a:rPr lang="en-GB" sz="2000" b="1" dirty="0">
+                <a:effectLst/>
+                <a:ea typeface="Times New Roman" panose="02020603050405020304" pitchFamily="18" charset="0"/>
+                <a:cs typeface="Times New Roman" panose="02020603050405020304" pitchFamily="18" charset="0"/>
+              </a:rPr>
+              <a:t>positive if it has a score of </a:t>
+            </a:r>
+            <a:r>
+              <a:rPr lang="en-GB" sz="2000" b="1" dirty="0">
+                <a:effectLst/>
+                <a:ea typeface="Times New Roman" panose="02020603050405020304" pitchFamily="18" charset="0"/>
+                <a:cs typeface="Calibri" panose="020F0502020204030204" pitchFamily="34" charset="0"/>
+              </a:rPr>
+              <a:t>≥</a:t>
+            </a:r>
+            <a:r>
+              <a:rPr lang="en-GB" sz="2000" b="1" dirty="0">
+                <a:effectLst/>
+                <a:ea typeface="Times New Roman" panose="02020603050405020304" pitchFamily="18" charset="0"/>
+                <a:cs typeface="Times New Roman" panose="02020603050405020304" pitchFamily="18" charset="0"/>
+              </a:rPr>
+              <a:t> 7 out of 10</a:t>
+            </a:r>
+            <a:r>
+              <a:rPr lang="en-GB" sz="2000" dirty="0">
+                <a:effectLst/>
+                <a:ea typeface="Times New Roman" panose="02020603050405020304" pitchFamily="18" charset="0"/>
+                <a:cs typeface="Times New Roman" panose="02020603050405020304" pitchFamily="18" charset="0"/>
+              </a:rPr>
+              <a:t>. (</a:t>
+            </a:r>
+            <a:r>
+              <a:rPr lang="en-GB" sz="1600" dirty="0">
+                <a:effectLst/>
+                <a:ea typeface="Times New Roman" panose="02020603050405020304" pitchFamily="18" charset="0"/>
+                <a:cs typeface="Times New Roman" panose="02020603050405020304" pitchFamily="18" charset="0"/>
+              </a:rPr>
+              <a:t>Reviews with ratings of 5 or 6 were excluded for the dataset</a:t>
+            </a:r>
+            <a:r>
+              <a:rPr lang="en-GB" sz="2000" dirty="0">
+                <a:effectLst/>
+                <a:ea typeface="Times New Roman" panose="02020603050405020304" pitchFamily="18" charset="0"/>
+                <a:cs typeface="Times New Roman" panose="02020603050405020304" pitchFamily="18" charset="0"/>
+              </a:rPr>
+              <a:t>)</a:t>
+            </a:r>
+            <a:endParaRPr lang="en-US" sz="2000" dirty="0"/>
+          </a:p>
+          <a:p>
+            <a:pPr marL="457200" indent="-228600">
+              <a:lnSpc>
+                <a:spcPct val="90000"/>
+              </a:lnSpc>
+              <a:spcAft>
+                <a:spcPts val="1680"/>
+              </a:spcAft>
+              <a:buFont typeface="Arial" panose="020B0604020202020204" pitchFamily="34" charset="0"/>
+              <a:buChar char="•"/>
+            </a:pPr>
+            <a:r>
+              <a:rPr lang="en-US" sz="2000" dirty="0"/>
+              <a:t>Same Dataset Used For All algorithms</a:t>
+            </a:r>
+          </a:p>
+        </p:txBody>
+      </p:sp>
+      <p:sp>
+        <p:nvSpPr>
+          <p:cNvPr id="18" name="TextBox 17">
+            <a:extLst>
+              <a:ext uri="{FF2B5EF4-FFF2-40B4-BE49-F238E27FC236}">
+                <a16:creationId xmlns:a16="http://schemas.microsoft.com/office/drawing/2014/main" id="{24AB8453-FAE8-467B-85F4-6099BA128BB3}"/>
+              </a:ext>
+            </a:extLst>
+          </p:cNvPr>
+          <p:cNvSpPr txBox="1"/>
+          <p:nvPr/>
+        </p:nvSpPr>
+        <p:spPr>
+          <a:xfrm>
+            <a:off x="6429970" y="2906565"/>
+            <a:ext cx="4923830" cy="369113"/>
+          </a:xfrm>
+          <a:prstGeom prst="rect">
+            <a:avLst/>
+          </a:prstGeom>
+        </p:spPr>
+        <p:txBody>
+          <a:bodyPr vert="horz" lIns="91440" tIns="45720" rIns="91440" bIns="45720" rtlCol="0" anchor="ctr">
+            <a:noAutofit/>
+          </a:bodyPr>
+          <a:lstStyle/>
+          <a:p>
+            <a:pPr marL="228600">
+              <a:lnSpc>
+                <a:spcPct val="90000"/>
+              </a:lnSpc>
+              <a:spcAft>
+                <a:spcPts val="1680"/>
+              </a:spcAft>
+            </a:pPr>
+            <a:r>
+              <a:rPr lang="en-US" sz="1600" dirty="0"/>
+              <a:t>Sample Review: </a:t>
+            </a:r>
+            <a:r>
+              <a:rPr lang="en-GB" sz="1200" dirty="0">
+                <a:effectLst/>
+                <a:ea typeface="Times New Roman" panose="02020603050405020304" pitchFamily="18" charset="0"/>
+                <a:cs typeface="Times New Roman" panose="02020603050405020304" pitchFamily="18" charset="0"/>
+              </a:rPr>
+              <a:t>Probability = </a:t>
+            </a:r>
+            <a:r>
+              <a:rPr lang="en-GB" sz="1200" b="1" dirty="0">
+                <a:effectLst/>
+                <a:ea typeface="Times New Roman" panose="02020603050405020304" pitchFamily="18" charset="0"/>
+                <a:cs typeface="Times New Roman" panose="02020603050405020304" pitchFamily="18" charset="0"/>
+              </a:rPr>
+              <a:t>Positive</a:t>
+            </a:r>
+            <a:r>
+              <a:rPr lang="en-GB" sz="1200" dirty="0">
+                <a:effectLst/>
+                <a:ea typeface="Times New Roman" panose="02020603050405020304" pitchFamily="18" charset="0"/>
+                <a:cs typeface="Times New Roman" panose="02020603050405020304" pitchFamily="18" charset="0"/>
+              </a:rPr>
+              <a:t> with confidence of </a:t>
+            </a:r>
+            <a:r>
+              <a:rPr lang="en-GB" sz="1200" b="1" dirty="0">
+                <a:effectLst/>
+                <a:ea typeface="Times New Roman" panose="02020603050405020304" pitchFamily="18" charset="0"/>
+              </a:rPr>
+              <a:t>99.13%</a:t>
+            </a:r>
+            <a:endParaRPr lang="en-US" sz="1200" dirty="0"/>
+          </a:p>
+        </p:txBody>
+      </p:sp>
+      <p:sp>
+        <p:nvSpPr>
+          <p:cNvPr id="19" name="TextBox 18">
+            <a:extLst>
+              <a:ext uri="{FF2B5EF4-FFF2-40B4-BE49-F238E27FC236}">
+                <a16:creationId xmlns:a16="http://schemas.microsoft.com/office/drawing/2014/main" id="{F23D288F-B674-4999-880C-3437FBB3C569}"/>
+              </a:ext>
+            </a:extLst>
+          </p:cNvPr>
+          <p:cNvSpPr txBox="1"/>
+          <p:nvPr/>
+        </p:nvSpPr>
+        <p:spPr>
+          <a:xfrm>
+            <a:off x="6716299" y="3275678"/>
+            <a:ext cx="4637501" cy="2411831"/>
+          </a:xfrm>
+          <a:prstGeom prst="rect">
+            <a:avLst/>
+          </a:prstGeom>
+          <a:solidFill>
+            <a:schemeClr val="bg1">
+              <a:lumMod val="95000"/>
+            </a:schemeClr>
+          </a:solidFill>
+        </p:spPr>
+        <p:txBody>
+          <a:bodyPr vert="horz" lIns="0" tIns="0" rIns="180000" bIns="0" rtlCol="0" anchor="ctr">
+            <a:noAutofit/>
+          </a:bodyPr>
+          <a:lstStyle/>
+          <a:p>
+            <a:pPr marL="228600" algn="just">
+              <a:lnSpc>
+                <a:spcPct val="90000"/>
+              </a:lnSpc>
+              <a:spcAft>
+                <a:spcPts val="1680"/>
+              </a:spcAft>
+            </a:pPr>
+            <a:r>
+              <a:rPr lang="en-GB" sz="1200" dirty="0">
+                <a:latin typeface="Calibri" panose="020F0502020204030204" pitchFamily="34" charset="0"/>
+                <a:ea typeface="Times New Roman" panose="02020603050405020304" pitchFamily="18" charset="0"/>
+              </a:rPr>
+              <a:t>“There's some very clever humour in this film, which is both a parody of and a tribute to actors. However, after a while it just seems an exercise in style (notwithstanding great gags such as Balasko continuing the part of Dussolier, and very good acting by all involved) and I was wondering why Blier made this film. All is revealed in the ending, when Blier, directing Claude Brasseur, gets a phone call from his dad (Bernard Blier) - from heaven, and gets the chance to say how much he misses him. An effective emotional capper and obviously heartfelt. But there isn't really sufficient dramatic tension or emotional involvement to keep the rest of the film interesting throughout it's entire running time. Some really nice scenes and sequences, however, and anyone who likes these 'mosntres sacrés' of the French cinema should get a fair amount of enjoyment out of this film.”</a:t>
+            </a:r>
+            <a:endParaRPr lang="en-US" sz="1200" dirty="0"/>
+          </a:p>
+        </p:txBody>
+      </p:sp>
+      <p:sp>
+        <p:nvSpPr>
+          <p:cNvPr id="6" name="Slide Number Placeholder 5">
+            <a:extLst>
+              <a:ext uri="{FF2B5EF4-FFF2-40B4-BE49-F238E27FC236}">
+                <a16:creationId xmlns:a16="http://schemas.microsoft.com/office/drawing/2014/main" id="{2C104F48-093A-4805-BC01-FCF097173362}"/>
+              </a:ext>
+            </a:extLst>
+          </p:cNvPr>
+          <p:cNvSpPr>
+            <a:spLocks noGrp="1"/>
+          </p:cNvSpPr>
+          <p:nvPr>
+            <p:ph type="sldNum" sz="quarter" idx="12"/>
+          </p:nvPr>
+        </p:nvSpPr>
+        <p:spPr>
+          <a:xfrm>
+            <a:off x="4941147" y="6484655"/>
+            <a:ext cx="2743200" cy="365125"/>
+          </a:xfrm>
+        </p:spPr>
+        <p:txBody>
+          <a:bodyPr/>
+          <a:lstStyle/>
+          <a:p>
+            <a:pPr algn="ctr"/>
+            <a:fld id="{59E45DDC-7D0C-4364-8766-4F6548156F25}" type="slidenum">
+              <a:rPr lang="en-GB" sz="1600" b="1" smtClean="0"/>
+              <a:pPr algn="ctr"/>
+              <a:t>8</a:t>
+            </a:fld>
+            <a:endParaRPr lang="en-GB" sz="1600" b="1" dirty="0"/>
+          </a:p>
+        </p:txBody>
+      </p:sp>
     </p:spTree>
     <p:extLst>
       <p:ext uri="{BB962C8B-B14F-4D97-AF65-F5344CB8AC3E}">
-        <p14:creationId xmlns:p14="http://schemas.microsoft.com/office/powerpoint/2010/main" val="3439525465"/>
+        <p14:creationId xmlns:p14="http://schemas.microsoft.com/office/powerpoint/2010/main" val="2513362042"/>
       </p:ext>
     </p:extLst>
   </p:cSld>
@@ -10866,7 +13206,7 @@
 </p:sld>
 </file>
 
-<file path=ppt/slides/slide8.xml><?xml version="1.0" encoding="utf-8"?>
+<file path=ppt/slides/slide9.xml><?xml version="1.0" encoding="utf-8"?>
 <p:sld xmlns:a="http://schemas.openxmlformats.org/drawingml/2006/main" xmlns:r="http://schemas.openxmlformats.org/officeDocument/2006/relationships" xmlns:p="http://schemas.openxmlformats.org/presentationml/2006/main">
   <p:cSld>
     <p:bg>
@@ -11270,7 +13610,7 @@
                 <a:ea typeface="+mj-ea"/>
                 <a:cs typeface="+mj-cs"/>
               </a:rPr>
-              <a:t>Data Sample for Attacks</a:t>
+              <a:t>Attack Results</a:t>
             </a:r>
           </a:p>
         </p:txBody>
@@ -11399,1631 +13739,6 @@
       </p:cxnSp>
       <p:graphicFrame>
         <p:nvGraphicFramePr>
-          <p:cNvPr id="3" name="Table 2">
-            <a:extLst>
-              <a:ext uri="{FF2B5EF4-FFF2-40B4-BE49-F238E27FC236}">
-                <a16:creationId xmlns:a16="http://schemas.microsoft.com/office/drawing/2014/main" id="{8B3AAA67-24F3-42DA-81C0-8D1723444073}"/>
-              </a:ext>
-            </a:extLst>
-          </p:cNvPr>
-          <p:cNvGraphicFramePr>
-            <a:graphicFrameLocks noGrp="1"/>
-          </p:cNvGraphicFramePr>
-          <p:nvPr>
-            <p:extLst>
-              <p:ext uri="{D42A27DB-BD31-4B8C-83A1-F6EECF244321}">
-                <p14:modId xmlns:p14="http://schemas.microsoft.com/office/powerpoint/2010/main" val="3352538353"/>
-              </p:ext>
-            </p:extLst>
-          </p:nvPr>
-        </p:nvGraphicFramePr>
-        <p:xfrm>
-          <a:off x="6810498" y="656150"/>
-          <a:ext cx="4449104" cy="581025"/>
-        </p:xfrm>
-        <a:graphic>
-          <a:graphicData uri="http://schemas.openxmlformats.org/drawingml/2006/table">
-            <a:tbl>
-              <a:tblPr firstRow="1" firstCol="1" bandRow="1">
-                <a:tableStyleId>{5C22544A-7EE6-4342-B048-85BDC9FD1C3A}</a:tableStyleId>
-              </a:tblPr>
-              <a:tblGrid>
-                <a:gridCol w="985468">
-                  <a:extLst>
-                    <a:ext uri="{9D8B030D-6E8A-4147-A177-3AD203B41FA5}">
-                      <a16:colId xmlns:a16="http://schemas.microsoft.com/office/drawing/2014/main" val="813443202"/>
-                    </a:ext>
-                  </a:extLst>
-                </a:gridCol>
-                <a:gridCol w="785091">
-                  <a:extLst>
-                    <a:ext uri="{9D8B030D-6E8A-4147-A177-3AD203B41FA5}">
-                      <a16:colId xmlns:a16="http://schemas.microsoft.com/office/drawing/2014/main" val="1570218317"/>
-                    </a:ext>
-                  </a:extLst>
-                </a:gridCol>
-                <a:gridCol w="849745">
-                  <a:extLst>
-                    <a:ext uri="{9D8B030D-6E8A-4147-A177-3AD203B41FA5}">
-                      <a16:colId xmlns:a16="http://schemas.microsoft.com/office/drawing/2014/main" val="1945867822"/>
-                    </a:ext>
-                  </a:extLst>
-                </a:gridCol>
-                <a:gridCol w="785091">
-                  <a:extLst>
-                    <a:ext uri="{9D8B030D-6E8A-4147-A177-3AD203B41FA5}">
-                      <a16:colId xmlns:a16="http://schemas.microsoft.com/office/drawing/2014/main" val="3589580064"/>
-                    </a:ext>
-                  </a:extLst>
-                </a:gridCol>
-                <a:gridCol w="1043709">
-                  <a:extLst>
-                    <a:ext uri="{9D8B030D-6E8A-4147-A177-3AD203B41FA5}">
-                      <a16:colId xmlns:a16="http://schemas.microsoft.com/office/drawing/2014/main" val="323704768"/>
-                    </a:ext>
-                  </a:extLst>
-                </a:gridCol>
-              </a:tblGrid>
-              <a:tr h="381000">
-                <a:tc>
-                  <a:txBody>
-                    <a:bodyPr/>
-                    <a:lstStyle/>
-                    <a:p>
-                      <a:pPr algn="ctr">
-                        <a:spcAft>
-                          <a:spcPts val="600"/>
-                        </a:spcAft>
-                      </a:pPr>
-                      <a:r>
-                        <a:rPr lang="en-GB" sz="1000" dirty="0">
-                          <a:effectLst/>
-                        </a:rPr>
-                        <a:t>Common Configuration</a:t>
-                      </a:r>
-                      <a:endParaRPr lang="en-GB" sz="1100" dirty="0">
-                        <a:effectLst/>
-                        <a:latin typeface="Calibri" panose="020F0502020204030204" pitchFamily="34" charset="0"/>
-                        <a:ea typeface="Times New Roman" panose="02020603050405020304" pitchFamily="18" charset="0"/>
-                        <a:cs typeface="Times New Roman" panose="02020603050405020304" pitchFamily="18" charset="0"/>
-                      </a:endParaRPr>
-                    </a:p>
-                  </a:txBody>
-                  <a:tcPr marL="68580" marR="68580" marT="0" marB="0"/>
-                </a:tc>
-                <a:tc>
-                  <a:txBody>
-                    <a:bodyPr/>
-                    <a:lstStyle/>
-                    <a:p>
-                      <a:pPr algn="ctr">
-                        <a:spcAft>
-                          <a:spcPts val="600"/>
-                        </a:spcAft>
-                      </a:pPr>
-                      <a:r>
-                        <a:rPr lang="en-GB" sz="1000" dirty="0">
-                          <a:effectLst/>
-                        </a:rPr>
-                        <a:t>Generations</a:t>
-                      </a:r>
-                      <a:endParaRPr lang="en-GB" sz="1100" dirty="0">
-                        <a:effectLst/>
-                        <a:latin typeface="Calibri" panose="020F0502020204030204" pitchFamily="34" charset="0"/>
-                        <a:ea typeface="Times New Roman" panose="02020603050405020304" pitchFamily="18" charset="0"/>
-                        <a:cs typeface="Times New Roman" panose="02020603050405020304" pitchFamily="18" charset="0"/>
-                      </a:endParaRPr>
-                    </a:p>
-                  </a:txBody>
-                  <a:tcPr marL="68580" marR="68580" marT="0" marB="0"/>
-                </a:tc>
-                <a:tc>
-                  <a:txBody>
-                    <a:bodyPr/>
-                    <a:lstStyle/>
-                    <a:p>
-                      <a:pPr algn="ctr">
-                        <a:spcAft>
-                          <a:spcPts val="600"/>
-                        </a:spcAft>
-                      </a:pPr>
-                      <a:r>
-                        <a:rPr lang="en-GB" sz="1000" dirty="0">
-                          <a:effectLst/>
-                        </a:rPr>
-                        <a:t>Population Size</a:t>
-                      </a:r>
-                      <a:endParaRPr lang="en-GB" sz="1100" dirty="0">
-                        <a:effectLst/>
-                        <a:latin typeface="Calibri" panose="020F0502020204030204" pitchFamily="34" charset="0"/>
-                        <a:ea typeface="Times New Roman" panose="02020603050405020304" pitchFamily="18" charset="0"/>
-                        <a:cs typeface="Times New Roman" panose="02020603050405020304" pitchFamily="18" charset="0"/>
-                      </a:endParaRPr>
-                    </a:p>
-                  </a:txBody>
-                  <a:tcPr marL="68580" marR="68580" marT="0" marB="0"/>
-                </a:tc>
-                <a:tc>
-                  <a:txBody>
-                    <a:bodyPr/>
-                    <a:lstStyle/>
-                    <a:p>
-                      <a:pPr algn="ctr">
-                        <a:spcAft>
-                          <a:spcPts val="600"/>
-                        </a:spcAft>
-                      </a:pPr>
-                      <a:r>
-                        <a:rPr lang="en-GB" sz="1000" dirty="0">
-                          <a:effectLst/>
-                        </a:rPr>
-                        <a:t>Dataset Sample Size</a:t>
-                      </a:r>
-                      <a:endParaRPr lang="en-GB" sz="1100" dirty="0">
-                        <a:effectLst/>
-                        <a:latin typeface="Calibri" panose="020F0502020204030204" pitchFamily="34" charset="0"/>
-                        <a:ea typeface="Times New Roman" panose="02020603050405020304" pitchFamily="18" charset="0"/>
-                        <a:cs typeface="Times New Roman" panose="02020603050405020304" pitchFamily="18" charset="0"/>
-                      </a:endParaRPr>
-                    </a:p>
-                  </a:txBody>
-                  <a:tcPr marL="68580" marR="68580" marT="0" marB="0"/>
-                </a:tc>
-                <a:tc>
-                  <a:txBody>
-                    <a:bodyPr/>
-                    <a:lstStyle/>
-                    <a:p>
-                      <a:pPr algn="ctr">
-                        <a:spcAft>
-                          <a:spcPts val="600"/>
-                        </a:spcAft>
-                      </a:pPr>
-                      <a:r>
-                        <a:rPr lang="en-GB" sz="1000" dirty="0">
-                          <a:effectLst/>
-                        </a:rPr>
-                        <a:t>Maximum perturbations</a:t>
-                      </a:r>
-                      <a:endParaRPr lang="en-GB" sz="1100" dirty="0">
-                        <a:effectLst/>
-                        <a:latin typeface="Calibri" panose="020F0502020204030204" pitchFamily="34" charset="0"/>
-                        <a:ea typeface="Times New Roman" panose="02020603050405020304" pitchFamily="18" charset="0"/>
-                        <a:cs typeface="Times New Roman" panose="02020603050405020304" pitchFamily="18" charset="0"/>
-                      </a:endParaRPr>
-                    </a:p>
-                  </a:txBody>
-                  <a:tcPr marL="68580" marR="68580" marT="0" marB="0"/>
-                </a:tc>
-                <a:extLst>
-                  <a:ext uri="{0D108BD9-81ED-4DB2-BD59-A6C34878D82A}">
-                    <a16:rowId xmlns:a16="http://schemas.microsoft.com/office/drawing/2014/main" val="3046055913"/>
-                  </a:ext>
-                </a:extLst>
-              </a:tr>
-              <a:tr h="200025">
-                <a:tc>
-                  <a:txBody>
-                    <a:bodyPr/>
-                    <a:lstStyle/>
-                    <a:p>
-                      <a:pPr algn="ctr">
-                        <a:spcAft>
-                          <a:spcPts val="600"/>
-                        </a:spcAft>
-                      </a:pPr>
-                      <a:r>
-                        <a:rPr lang="en-GB" sz="1000">
-                          <a:effectLst/>
-                        </a:rPr>
-                        <a:t>All Runs</a:t>
-                      </a:r>
-                      <a:endParaRPr lang="en-GB" sz="1100">
-                        <a:effectLst/>
-                        <a:latin typeface="Calibri" panose="020F0502020204030204" pitchFamily="34" charset="0"/>
-                        <a:ea typeface="Times New Roman" panose="02020603050405020304" pitchFamily="18" charset="0"/>
-                        <a:cs typeface="Times New Roman" panose="02020603050405020304" pitchFamily="18" charset="0"/>
-                      </a:endParaRPr>
-                    </a:p>
-                  </a:txBody>
-                  <a:tcPr marL="68580" marR="68580" marT="0" marB="0"/>
-                </a:tc>
-                <a:tc>
-                  <a:txBody>
-                    <a:bodyPr/>
-                    <a:lstStyle/>
-                    <a:p>
-                      <a:pPr algn="ctr">
-                        <a:spcAft>
-                          <a:spcPts val="600"/>
-                        </a:spcAft>
-                      </a:pPr>
-                      <a:r>
-                        <a:rPr lang="en-GB" sz="1000">
-                          <a:effectLst/>
-                        </a:rPr>
-                        <a:t>20</a:t>
-                      </a:r>
-                      <a:endParaRPr lang="en-GB" sz="1100">
-                        <a:effectLst/>
-                        <a:latin typeface="Calibri" panose="020F0502020204030204" pitchFamily="34" charset="0"/>
-                        <a:ea typeface="Times New Roman" panose="02020603050405020304" pitchFamily="18" charset="0"/>
-                        <a:cs typeface="Times New Roman" panose="02020603050405020304" pitchFamily="18" charset="0"/>
-                      </a:endParaRPr>
-                    </a:p>
-                  </a:txBody>
-                  <a:tcPr marL="68580" marR="68580" marT="0" marB="0"/>
-                </a:tc>
-                <a:tc>
-                  <a:txBody>
-                    <a:bodyPr/>
-                    <a:lstStyle/>
-                    <a:p>
-                      <a:pPr algn="ctr">
-                        <a:spcAft>
-                          <a:spcPts val="600"/>
-                        </a:spcAft>
-                      </a:pPr>
-                      <a:r>
-                        <a:rPr lang="en-GB" sz="1000">
-                          <a:effectLst/>
-                        </a:rPr>
-                        <a:t>20</a:t>
-                      </a:r>
-                      <a:endParaRPr lang="en-GB" sz="1100">
-                        <a:effectLst/>
-                        <a:latin typeface="Calibri" panose="020F0502020204030204" pitchFamily="34" charset="0"/>
-                        <a:ea typeface="Times New Roman" panose="02020603050405020304" pitchFamily="18" charset="0"/>
-                        <a:cs typeface="Times New Roman" panose="02020603050405020304" pitchFamily="18" charset="0"/>
-                      </a:endParaRPr>
-                    </a:p>
-                  </a:txBody>
-                  <a:tcPr marL="68580" marR="68580" marT="0" marB="0"/>
-                </a:tc>
-                <a:tc>
-                  <a:txBody>
-                    <a:bodyPr/>
-                    <a:lstStyle/>
-                    <a:p>
-                      <a:pPr algn="ctr">
-                        <a:spcAft>
-                          <a:spcPts val="600"/>
-                        </a:spcAft>
-                      </a:pPr>
-                      <a:r>
-                        <a:rPr lang="en-GB" sz="1000">
-                          <a:effectLst/>
-                        </a:rPr>
-                        <a:t>250</a:t>
-                      </a:r>
-                      <a:endParaRPr lang="en-GB" sz="1100">
-                        <a:effectLst/>
-                        <a:latin typeface="Calibri" panose="020F0502020204030204" pitchFamily="34" charset="0"/>
-                        <a:ea typeface="Times New Roman" panose="02020603050405020304" pitchFamily="18" charset="0"/>
-                        <a:cs typeface="Times New Roman" panose="02020603050405020304" pitchFamily="18" charset="0"/>
-                      </a:endParaRPr>
-                    </a:p>
-                  </a:txBody>
-                  <a:tcPr marL="68580" marR="68580" marT="0" marB="0"/>
-                </a:tc>
-                <a:tc>
-                  <a:txBody>
-                    <a:bodyPr/>
-                    <a:lstStyle/>
-                    <a:p>
-                      <a:pPr algn="ctr">
-                        <a:spcAft>
-                          <a:spcPts val="600"/>
-                        </a:spcAft>
-                      </a:pPr>
-                      <a:r>
-                        <a:rPr lang="en-GB" sz="1000" dirty="0">
-                          <a:effectLst/>
-                        </a:rPr>
-                        <a:t>5</a:t>
-                      </a:r>
-                      <a:endParaRPr lang="en-GB" sz="1100" dirty="0">
-                        <a:effectLst/>
-                        <a:latin typeface="Calibri" panose="020F0502020204030204" pitchFamily="34" charset="0"/>
-                        <a:ea typeface="Times New Roman" panose="02020603050405020304" pitchFamily="18" charset="0"/>
-                        <a:cs typeface="Times New Roman" panose="02020603050405020304" pitchFamily="18" charset="0"/>
-                      </a:endParaRPr>
-                    </a:p>
-                  </a:txBody>
-                  <a:tcPr marL="68580" marR="68580" marT="0" marB="0"/>
-                </a:tc>
-                <a:extLst>
-                  <a:ext uri="{0D108BD9-81ED-4DB2-BD59-A6C34878D82A}">
-                    <a16:rowId xmlns:a16="http://schemas.microsoft.com/office/drawing/2014/main" val="4059309088"/>
-                  </a:ext>
-                </a:extLst>
-              </a:tr>
-            </a:tbl>
-          </a:graphicData>
-        </a:graphic>
-      </p:graphicFrame>
-      <p:graphicFrame>
-        <p:nvGraphicFramePr>
-          <p:cNvPr id="5" name="Table 4">
-            <a:extLst>
-              <a:ext uri="{FF2B5EF4-FFF2-40B4-BE49-F238E27FC236}">
-                <a16:creationId xmlns:a16="http://schemas.microsoft.com/office/drawing/2014/main" id="{A104A4FE-0B66-4A4C-A7F0-4874167557A7}"/>
-              </a:ext>
-            </a:extLst>
-          </p:cNvPr>
-          <p:cNvGraphicFramePr>
-            <a:graphicFrameLocks noGrp="1"/>
-          </p:cNvGraphicFramePr>
-          <p:nvPr>
-            <p:extLst>
-              <p:ext uri="{D42A27DB-BD31-4B8C-83A1-F6EECF244321}">
-                <p14:modId xmlns:p14="http://schemas.microsoft.com/office/powerpoint/2010/main" val="1331226149"/>
-              </p:ext>
-            </p:extLst>
-          </p:nvPr>
-        </p:nvGraphicFramePr>
-        <p:xfrm>
-          <a:off x="6831600" y="1975585"/>
-          <a:ext cx="4406900" cy="581025"/>
-        </p:xfrm>
-        <a:graphic>
-          <a:graphicData uri="http://schemas.openxmlformats.org/drawingml/2006/table">
-            <a:tbl>
-              <a:tblPr firstRow="1" firstCol="1" bandRow="1">
-                <a:tableStyleId>{5C22544A-7EE6-4342-B048-85BDC9FD1C3A}</a:tableStyleId>
-              </a:tblPr>
-              <a:tblGrid>
-                <a:gridCol w="1630045">
-                  <a:extLst>
-                    <a:ext uri="{9D8B030D-6E8A-4147-A177-3AD203B41FA5}">
-                      <a16:colId xmlns:a16="http://schemas.microsoft.com/office/drawing/2014/main" val="350010657"/>
-                    </a:ext>
-                  </a:extLst>
-                </a:gridCol>
-                <a:gridCol w="1457325">
-                  <a:extLst>
-                    <a:ext uri="{9D8B030D-6E8A-4147-A177-3AD203B41FA5}">
-                      <a16:colId xmlns:a16="http://schemas.microsoft.com/office/drawing/2014/main" val="3215266371"/>
-                    </a:ext>
-                  </a:extLst>
-                </a:gridCol>
-                <a:gridCol w="1319530">
-                  <a:extLst>
-                    <a:ext uri="{9D8B030D-6E8A-4147-A177-3AD203B41FA5}">
-                      <a16:colId xmlns:a16="http://schemas.microsoft.com/office/drawing/2014/main" val="895992689"/>
-                    </a:ext>
-                  </a:extLst>
-                </a:gridCol>
-              </a:tblGrid>
-              <a:tr h="190500">
-                <a:tc gridSpan="3">
-                  <a:txBody>
-                    <a:bodyPr/>
-                    <a:lstStyle/>
-                    <a:p>
-                      <a:pPr algn="ctr">
-                        <a:spcAft>
-                          <a:spcPts val="600"/>
-                        </a:spcAft>
-                      </a:pPr>
-                      <a:r>
-                        <a:rPr lang="en-GB" sz="1100" b="1" dirty="0">
-                          <a:effectLst/>
-                        </a:rPr>
-                        <a:t>Length of reviews in our dataset (number of words)</a:t>
-                      </a:r>
-                      <a:endParaRPr lang="en-GB" sz="1100" b="1" dirty="0">
-                        <a:effectLst/>
-                        <a:latin typeface="Calibri" panose="020F0502020204030204" pitchFamily="34" charset="0"/>
-                        <a:ea typeface="Times New Roman" panose="02020603050405020304" pitchFamily="18" charset="0"/>
-                        <a:cs typeface="Times New Roman" panose="02020603050405020304" pitchFamily="18" charset="0"/>
-                      </a:endParaRPr>
-                    </a:p>
-                  </a:txBody>
-                  <a:tcPr marL="68580" marR="68580" marT="0" marB="0"/>
-                </a:tc>
-                <a:tc hMerge="1">
-                  <a:txBody>
-                    <a:bodyPr/>
-                    <a:lstStyle/>
-                    <a:p>
-                      <a:endParaRPr lang="en-GB"/>
-                    </a:p>
-                  </a:txBody>
-                  <a:tcPr/>
-                </a:tc>
-                <a:tc hMerge="1">
-                  <a:txBody>
-                    <a:bodyPr/>
-                    <a:lstStyle/>
-                    <a:p>
-                      <a:endParaRPr lang="en-GB"/>
-                    </a:p>
-                  </a:txBody>
-                  <a:tcPr/>
-                </a:tc>
-                <a:extLst>
-                  <a:ext uri="{0D108BD9-81ED-4DB2-BD59-A6C34878D82A}">
-                    <a16:rowId xmlns:a16="http://schemas.microsoft.com/office/drawing/2014/main" val="3515668895"/>
-                  </a:ext>
-                </a:extLst>
-              </a:tr>
-              <a:tr h="190500">
-                <a:tc>
-                  <a:txBody>
-                    <a:bodyPr/>
-                    <a:lstStyle/>
-                    <a:p>
-                      <a:pPr algn="ctr">
-                        <a:spcAft>
-                          <a:spcPts val="600"/>
-                        </a:spcAft>
-                      </a:pPr>
-                      <a:r>
-                        <a:rPr lang="en-GB" sz="1100" b="1" dirty="0">
-                          <a:solidFill>
-                            <a:schemeClr val="tx1"/>
-                          </a:solidFill>
-                          <a:effectLst/>
-                        </a:rPr>
-                        <a:t>Smallest Review</a:t>
-                      </a:r>
-                      <a:endParaRPr lang="en-GB" sz="1100" b="1" dirty="0">
-                        <a:solidFill>
-                          <a:schemeClr val="tx1"/>
-                        </a:solidFill>
-                        <a:effectLst/>
-                        <a:latin typeface="Calibri" panose="020F0502020204030204" pitchFamily="34" charset="0"/>
-                        <a:ea typeface="Times New Roman" panose="02020603050405020304" pitchFamily="18" charset="0"/>
-                        <a:cs typeface="Times New Roman" panose="02020603050405020304" pitchFamily="18" charset="0"/>
-                      </a:endParaRPr>
-                    </a:p>
-                  </a:txBody>
-                  <a:tcPr marL="68580" marR="68580" marT="0" marB="0">
-                    <a:solidFill>
-                      <a:schemeClr val="accent3">
-                        <a:lumMod val="20000"/>
-                        <a:lumOff val="80000"/>
-                      </a:schemeClr>
-                    </a:solidFill>
-                  </a:tcPr>
-                </a:tc>
-                <a:tc>
-                  <a:txBody>
-                    <a:bodyPr/>
-                    <a:lstStyle/>
-                    <a:p>
-                      <a:pPr algn="ctr">
-                        <a:spcAft>
-                          <a:spcPts val="600"/>
-                        </a:spcAft>
-                      </a:pPr>
-                      <a:r>
-                        <a:rPr lang="en-GB" sz="1100" b="1" dirty="0">
-                          <a:solidFill>
-                            <a:schemeClr val="tx1"/>
-                          </a:solidFill>
-                          <a:effectLst/>
-                        </a:rPr>
-                        <a:t>Largest review</a:t>
-                      </a:r>
-                      <a:endParaRPr lang="en-GB" sz="1100" b="1" dirty="0">
-                        <a:solidFill>
-                          <a:schemeClr val="tx1"/>
-                        </a:solidFill>
-                        <a:effectLst/>
-                        <a:latin typeface="Calibri" panose="020F0502020204030204" pitchFamily="34" charset="0"/>
-                        <a:ea typeface="Times New Roman" panose="02020603050405020304" pitchFamily="18" charset="0"/>
-                        <a:cs typeface="Times New Roman" panose="02020603050405020304" pitchFamily="18" charset="0"/>
-                      </a:endParaRPr>
-                    </a:p>
-                  </a:txBody>
-                  <a:tcPr marL="68580" marR="68580" marT="0" marB="0">
-                    <a:solidFill>
-                      <a:schemeClr val="accent3">
-                        <a:lumMod val="20000"/>
-                        <a:lumOff val="80000"/>
-                      </a:schemeClr>
-                    </a:solidFill>
-                  </a:tcPr>
-                </a:tc>
-                <a:tc>
-                  <a:txBody>
-                    <a:bodyPr/>
-                    <a:lstStyle/>
-                    <a:p>
-                      <a:pPr algn="ctr">
-                        <a:spcAft>
-                          <a:spcPts val="600"/>
-                        </a:spcAft>
-                      </a:pPr>
-                      <a:r>
-                        <a:rPr lang="en-GB" sz="1100" b="1" dirty="0">
-                          <a:solidFill>
-                            <a:schemeClr val="tx1"/>
-                          </a:solidFill>
-                          <a:effectLst/>
-                        </a:rPr>
-                        <a:t>Mean review</a:t>
-                      </a:r>
-                      <a:endParaRPr lang="en-GB" sz="1100" b="1" dirty="0">
-                        <a:solidFill>
-                          <a:schemeClr val="tx1"/>
-                        </a:solidFill>
-                        <a:effectLst/>
-                        <a:latin typeface="Calibri" panose="020F0502020204030204" pitchFamily="34" charset="0"/>
-                        <a:ea typeface="Times New Roman" panose="02020603050405020304" pitchFamily="18" charset="0"/>
-                        <a:cs typeface="Times New Roman" panose="02020603050405020304" pitchFamily="18" charset="0"/>
-                      </a:endParaRPr>
-                    </a:p>
-                  </a:txBody>
-                  <a:tcPr marL="68580" marR="68580" marT="0" marB="0">
-                    <a:solidFill>
-                      <a:schemeClr val="accent3">
-                        <a:lumMod val="20000"/>
-                        <a:lumOff val="80000"/>
-                      </a:schemeClr>
-                    </a:solidFill>
-                  </a:tcPr>
-                </a:tc>
-                <a:extLst>
-                  <a:ext uri="{0D108BD9-81ED-4DB2-BD59-A6C34878D82A}">
-                    <a16:rowId xmlns:a16="http://schemas.microsoft.com/office/drawing/2014/main" val="3750159558"/>
-                  </a:ext>
-                </a:extLst>
-              </a:tr>
-              <a:tr h="200025">
-                <a:tc>
-                  <a:txBody>
-                    <a:bodyPr/>
-                    <a:lstStyle/>
-                    <a:p>
-                      <a:pPr algn="ctr">
-                        <a:spcAft>
-                          <a:spcPts val="600"/>
-                        </a:spcAft>
-                      </a:pPr>
-                      <a:r>
-                        <a:rPr lang="en-GB" sz="1100" b="0" dirty="0">
-                          <a:solidFill>
-                            <a:schemeClr val="tx1"/>
-                          </a:solidFill>
-                          <a:effectLst/>
-                        </a:rPr>
-                        <a:t>37 words</a:t>
-                      </a:r>
-                      <a:endParaRPr lang="en-GB" sz="1100" b="0" dirty="0">
-                        <a:solidFill>
-                          <a:schemeClr val="tx1"/>
-                        </a:solidFill>
-                        <a:effectLst/>
-                        <a:latin typeface="Calibri" panose="020F0502020204030204" pitchFamily="34" charset="0"/>
-                        <a:ea typeface="Times New Roman" panose="02020603050405020304" pitchFamily="18" charset="0"/>
-                        <a:cs typeface="Times New Roman" panose="02020603050405020304" pitchFamily="18" charset="0"/>
-                      </a:endParaRPr>
-                    </a:p>
-                  </a:txBody>
-                  <a:tcPr marL="68580" marR="68580" marT="0" marB="0">
-                    <a:solidFill>
-                      <a:schemeClr val="bg1">
-                        <a:lumMod val="95000"/>
-                      </a:schemeClr>
-                    </a:solidFill>
-                  </a:tcPr>
-                </a:tc>
-                <a:tc>
-                  <a:txBody>
-                    <a:bodyPr/>
-                    <a:lstStyle/>
-                    <a:p>
-                      <a:pPr algn="ctr">
-                        <a:spcAft>
-                          <a:spcPts val="600"/>
-                        </a:spcAft>
-                      </a:pPr>
-                      <a:r>
-                        <a:rPr lang="en-GB" sz="1100" b="0" dirty="0">
-                          <a:solidFill>
-                            <a:schemeClr val="tx1"/>
-                          </a:solidFill>
-                          <a:effectLst/>
-                        </a:rPr>
-                        <a:t>945 words</a:t>
-                      </a:r>
-                      <a:endParaRPr lang="en-GB" sz="1100" b="0" dirty="0">
-                        <a:solidFill>
-                          <a:schemeClr val="tx1"/>
-                        </a:solidFill>
-                        <a:effectLst/>
-                        <a:latin typeface="Calibri" panose="020F0502020204030204" pitchFamily="34" charset="0"/>
-                        <a:ea typeface="Times New Roman" panose="02020603050405020304" pitchFamily="18" charset="0"/>
-                        <a:cs typeface="Times New Roman" panose="02020603050405020304" pitchFamily="18" charset="0"/>
-                      </a:endParaRPr>
-                    </a:p>
-                  </a:txBody>
-                  <a:tcPr marL="68580" marR="68580" marT="0" marB="0">
-                    <a:solidFill>
-                      <a:schemeClr val="bg1">
-                        <a:lumMod val="95000"/>
-                      </a:schemeClr>
-                    </a:solidFill>
-                  </a:tcPr>
-                </a:tc>
-                <a:tc>
-                  <a:txBody>
-                    <a:bodyPr/>
-                    <a:lstStyle/>
-                    <a:p>
-                      <a:pPr algn="ctr">
-                        <a:spcAft>
-                          <a:spcPts val="600"/>
-                        </a:spcAft>
-                      </a:pPr>
-                      <a:r>
-                        <a:rPr lang="en-GB" sz="1100" b="0" dirty="0">
-                          <a:solidFill>
-                            <a:schemeClr val="tx1"/>
-                          </a:solidFill>
-                          <a:effectLst/>
-                        </a:rPr>
-                        <a:t>236 words</a:t>
-                      </a:r>
-                      <a:endParaRPr lang="en-GB" sz="1100" b="0" dirty="0">
-                        <a:solidFill>
-                          <a:schemeClr val="tx1"/>
-                        </a:solidFill>
-                        <a:effectLst/>
-                        <a:latin typeface="Calibri" panose="020F0502020204030204" pitchFamily="34" charset="0"/>
-                        <a:ea typeface="Times New Roman" panose="02020603050405020304" pitchFamily="18" charset="0"/>
-                        <a:cs typeface="Times New Roman" panose="02020603050405020304" pitchFamily="18" charset="0"/>
-                      </a:endParaRPr>
-                    </a:p>
-                  </a:txBody>
-                  <a:tcPr marL="68580" marR="68580" marT="0" marB="0">
-                    <a:solidFill>
-                      <a:schemeClr val="bg1">
-                        <a:lumMod val="95000"/>
-                      </a:schemeClr>
-                    </a:solidFill>
-                  </a:tcPr>
-                </a:tc>
-                <a:extLst>
-                  <a:ext uri="{0D108BD9-81ED-4DB2-BD59-A6C34878D82A}">
-                    <a16:rowId xmlns:a16="http://schemas.microsoft.com/office/drawing/2014/main" val="1900173967"/>
-                  </a:ext>
-                </a:extLst>
-              </a:tr>
-            </a:tbl>
-          </a:graphicData>
-        </a:graphic>
-      </p:graphicFrame>
-      <p:sp>
-        <p:nvSpPr>
-          <p:cNvPr id="16" name="TextBox 15">
-            <a:extLst>
-              <a:ext uri="{FF2B5EF4-FFF2-40B4-BE49-F238E27FC236}">
-                <a16:creationId xmlns:a16="http://schemas.microsoft.com/office/drawing/2014/main" id="{698D4FDD-B8DD-426C-B459-C58EE1597244}"/>
-              </a:ext>
-            </a:extLst>
-          </p:cNvPr>
-          <p:cNvSpPr txBox="1"/>
-          <p:nvPr/>
-        </p:nvSpPr>
-        <p:spPr>
-          <a:xfrm>
-            <a:off x="6810498" y="1297368"/>
-            <a:ext cx="3934691" cy="553998"/>
-          </a:xfrm>
-          <a:prstGeom prst="rect">
-            <a:avLst/>
-          </a:prstGeom>
-          <a:noFill/>
-        </p:spPr>
-        <p:txBody>
-          <a:bodyPr wrap="square">
-            <a:spAutoFit/>
-          </a:bodyPr>
-          <a:lstStyle/>
-          <a:p>
-            <a:pPr algn="just">
-              <a:spcAft>
-                <a:spcPts val="600"/>
-              </a:spcAft>
-            </a:pPr>
-            <a:r>
-              <a:rPr lang="en-GB" sz="1000" b="1" dirty="0">
-                <a:effectLst/>
-                <a:latin typeface="Calibri" panose="020F0502020204030204" pitchFamily="34" charset="0"/>
-                <a:ea typeface="Times New Roman" panose="02020603050405020304" pitchFamily="18" charset="0"/>
-                <a:cs typeface="Times New Roman" panose="02020603050405020304" pitchFamily="18" charset="0"/>
-              </a:rPr>
-              <a:t>Maximum perturbations</a:t>
-            </a:r>
-            <a:r>
-              <a:rPr lang="en-GB" sz="1000" dirty="0">
-                <a:effectLst/>
-                <a:latin typeface="Calibri" panose="020F0502020204030204" pitchFamily="34" charset="0"/>
-                <a:ea typeface="Times New Roman" panose="02020603050405020304" pitchFamily="18" charset="0"/>
-                <a:cs typeface="Times New Roman" panose="02020603050405020304" pitchFamily="18" charset="0"/>
-              </a:rPr>
-              <a:t>: </a:t>
-            </a:r>
-            <a:r>
-              <a:rPr lang="en-GB" sz="1000" i="1" dirty="0">
-                <a:effectLst/>
-                <a:latin typeface="Calibri" panose="020F0502020204030204" pitchFamily="34" charset="0"/>
-                <a:ea typeface="Times New Roman" panose="02020603050405020304" pitchFamily="18" charset="0"/>
-                <a:cs typeface="Times New Roman" panose="02020603050405020304" pitchFamily="18" charset="0"/>
-              </a:rPr>
-              <a:t>is the maximum number of swaps of words allowed per review when generating a new population member for a new population set</a:t>
-            </a:r>
-            <a:r>
-              <a:rPr lang="en-GB" sz="1000" dirty="0">
-                <a:effectLst/>
-                <a:latin typeface="Calibri" panose="020F0502020204030204" pitchFamily="34" charset="0"/>
-                <a:ea typeface="Times New Roman" panose="02020603050405020304" pitchFamily="18" charset="0"/>
-                <a:cs typeface="Times New Roman" panose="02020603050405020304" pitchFamily="18" charset="0"/>
-              </a:rPr>
-              <a:t>.</a:t>
-            </a:r>
-          </a:p>
-        </p:txBody>
-      </p:sp>
-      <p:sp>
-        <p:nvSpPr>
-          <p:cNvPr id="17" name="TextBox 16">
-            <a:extLst>
-              <a:ext uri="{FF2B5EF4-FFF2-40B4-BE49-F238E27FC236}">
-                <a16:creationId xmlns:a16="http://schemas.microsoft.com/office/drawing/2014/main" id="{87493015-8396-4916-B1AB-0F8DE0C2D454}"/>
-              </a:ext>
-            </a:extLst>
-          </p:cNvPr>
-          <p:cNvSpPr txBox="1"/>
-          <p:nvPr/>
-        </p:nvSpPr>
-        <p:spPr>
-          <a:xfrm>
-            <a:off x="640080" y="2579372"/>
-            <a:ext cx="4991629" cy="2925494"/>
-          </a:xfrm>
-          <a:prstGeom prst="rect">
-            <a:avLst/>
-          </a:prstGeom>
-        </p:spPr>
-        <p:txBody>
-          <a:bodyPr vert="horz" lIns="91440" tIns="45720" rIns="91440" bIns="45720" rtlCol="0" anchor="ctr">
-            <a:noAutofit/>
-          </a:bodyPr>
-          <a:lstStyle/>
-          <a:p>
-            <a:pPr marL="457200" indent="-228600">
-              <a:lnSpc>
-                <a:spcPct val="90000"/>
-              </a:lnSpc>
-              <a:spcAft>
-                <a:spcPts val="1680"/>
-              </a:spcAft>
-              <a:buFont typeface="Arial" panose="020B0604020202020204" pitchFamily="34" charset="0"/>
-              <a:buChar char="•"/>
-            </a:pPr>
-            <a:r>
-              <a:rPr lang="en-US" sz="2000" dirty="0"/>
-              <a:t>250 IMDB Reviews In Sample Dataset</a:t>
-            </a:r>
-          </a:p>
-          <a:p>
-            <a:pPr marL="457200" indent="-228600">
-              <a:lnSpc>
-                <a:spcPct val="90000"/>
-              </a:lnSpc>
-              <a:spcAft>
-                <a:spcPts val="1680"/>
-              </a:spcAft>
-              <a:buFont typeface="Arial" panose="020B0604020202020204" pitchFamily="34" charset="0"/>
-              <a:buChar char="•"/>
-            </a:pPr>
-            <a:r>
-              <a:rPr lang="en-GB" sz="2000" dirty="0">
-                <a:ea typeface="Times New Roman" panose="02020603050405020304" pitchFamily="18" charset="0"/>
-                <a:cs typeface="Times New Roman" panose="02020603050405020304" pitchFamily="18" charset="0"/>
-              </a:rPr>
-              <a:t>R</a:t>
-            </a:r>
-            <a:r>
-              <a:rPr lang="en-GB" sz="2000" dirty="0">
-                <a:effectLst/>
-                <a:ea typeface="Times New Roman" panose="02020603050405020304" pitchFamily="18" charset="0"/>
-                <a:cs typeface="Times New Roman" panose="02020603050405020304" pitchFamily="18" charset="0"/>
-              </a:rPr>
-              <a:t>eview is considered </a:t>
-            </a:r>
-            <a:r>
-              <a:rPr lang="en-GB" sz="2000" b="1" dirty="0">
-                <a:effectLst/>
-                <a:ea typeface="Times New Roman" panose="02020603050405020304" pitchFamily="18" charset="0"/>
-                <a:cs typeface="Times New Roman" panose="02020603050405020304" pitchFamily="18" charset="0"/>
-              </a:rPr>
-              <a:t>negative if it has a score of </a:t>
-            </a:r>
-            <a:r>
-              <a:rPr lang="en-GB" sz="2000" b="1" dirty="0">
-                <a:effectLst/>
-                <a:ea typeface="Times New Roman" panose="02020603050405020304" pitchFamily="18" charset="0"/>
-                <a:cs typeface="Calibri" panose="020F0502020204030204" pitchFamily="34" charset="0"/>
-              </a:rPr>
-              <a:t>≤</a:t>
-            </a:r>
-            <a:r>
-              <a:rPr lang="en-GB" sz="2000" b="1" dirty="0">
-                <a:effectLst/>
-                <a:ea typeface="Times New Roman" panose="02020603050405020304" pitchFamily="18" charset="0"/>
-                <a:cs typeface="Times New Roman" panose="02020603050405020304" pitchFamily="18" charset="0"/>
-              </a:rPr>
-              <a:t> 4</a:t>
-            </a:r>
-            <a:r>
-              <a:rPr lang="en-GB" sz="2000" dirty="0">
-                <a:effectLst/>
-                <a:ea typeface="Times New Roman" panose="02020603050405020304" pitchFamily="18" charset="0"/>
-                <a:cs typeface="Times New Roman" panose="02020603050405020304" pitchFamily="18" charset="0"/>
-              </a:rPr>
-              <a:t> </a:t>
-            </a:r>
-            <a:r>
-              <a:rPr lang="en-GB" sz="2000" b="1" dirty="0">
-                <a:effectLst/>
-                <a:ea typeface="Times New Roman" panose="02020603050405020304" pitchFamily="18" charset="0"/>
-                <a:cs typeface="Times New Roman" panose="02020603050405020304" pitchFamily="18" charset="0"/>
-              </a:rPr>
-              <a:t>out of 10 </a:t>
-            </a:r>
-            <a:r>
-              <a:rPr lang="en-GB" sz="2000" dirty="0">
-                <a:effectLst/>
-                <a:ea typeface="Times New Roman" panose="02020603050405020304" pitchFamily="18" charset="0"/>
-                <a:cs typeface="Times New Roman" panose="02020603050405020304" pitchFamily="18" charset="0"/>
-              </a:rPr>
-              <a:t>on the IMDB website, and </a:t>
-            </a:r>
-            <a:r>
-              <a:rPr lang="en-GB" sz="2000" b="1" dirty="0">
-                <a:effectLst/>
-                <a:ea typeface="Times New Roman" panose="02020603050405020304" pitchFamily="18" charset="0"/>
-                <a:cs typeface="Times New Roman" panose="02020603050405020304" pitchFamily="18" charset="0"/>
-              </a:rPr>
-              <a:t>positive if it has a score of </a:t>
-            </a:r>
-            <a:r>
-              <a:rPr lang="en-GB" sz="2000" b="1" dirty="0">
-                <a:effectLst/>
-                <a:ea typeface="Times New Roman" panose="02020603050405020304" pitchFamily="18" charset="0"/>
-                <a:cs typeface="Calibri" panose="020F0502020204030204" pitchFamily="34" charset="0"/>
-              </a:rPr>
-              <a:t>≥</a:t>
-            </a:r>
-            <a:r>
-              <a:rPr lang="en-GB" sz="2000" b="1" dirty="0">
-                <a:effectLst/>
-                <a:ea typeface="Times New Roman" panose="02020603050405020304" pitchFamily="18" charset="0"/>
-                <a:cs typeface="Times New Roman" panose="02020603050405020304" pitchFamily="18" charset="0"/>
-              </a:rPr>
-              <a:t> 7 out of 10</a:t>
-            </a:r>
-            <a:r>
-              <a:rPr lang="en-GB" sz="2000" dirty="0">
-                <a:effectLst/>
-                <a:ea typeface="Times New Roman" panose="02020603050405020304" pitchFamily="18" charset="0"/>
-                <a:cs typeface="Times New Roman" panose="02020603050405020304" pitchFamily="18" charset="0"/>
-              </a:rPr>
-              <a:t>. (</a:t>
-            </a:r>
-            <a:r>
-              <a:rPr lang="en-GB" sz="1600" dirty="0">
-                <a:effectLst/>
-                <a:ea typeface="Times New Roman" panose="02020603050405020304" pitchFamily="18" charset="0"/>
-                <a:cs typeface="Times New Roman" panose="02020603050405020304" pitchFamily="18" charset="0"/>
-              </a:rPr>
-              <a:t>Reviews with ratings of 5 or 6 were excluded for the dataset</a:t>
-            </a:r>
-            <a:r>
-              <a:rPr lang="en-GB" sz="2000" dirty="0">
-                <a:effectLst/>
-                <a:ea typeface="Times New Roman" panose="02020603050405020304" pitchFamily="18" charset="0"/>
-                <a:cs typeface="Times New Roman" panose="02020603050405020304" pitchFamily="18" charset="0"/>
-              </a:rPr>
-              <a:t>)</a:t>
-            </a:r>
-            <a:endParaRPr lang="en-US" sz="2000" dirty="0"/>
-          </a:p>
-          <a:p>
-            <a:pPr marL="457200" indent="-228600">
-              <a:lnSpc>
-                <a:spcPct val="90000"/>
-              </a:lnSpc>
-              <a:spcAft>
-                <a:spcPts val="1680"/>
-              </a:spcAft>
-              <a:buFont typeface="Arial" panose="020B0604020202020204" pitchFamily="34" charset="0"/>
-              <a:buChar char="•"/>
-            </a:pPr>
-            <a:r>
-              <a:rPr lang="en-US" sz="2000" dirty="0"/>
-              <a:t>Same Dataset Used For All algorithms</a:t>
-            </a:r>
-          </a:p>
-        </p:txBody>
-      </p:sp>
-      <p:sp>
-        <p:nvSpPr>
-          <p:cNvPr id="18" name="TextBox 17">
-            <a:extLst>
-              <a:ext uri="{FF2B5EF4-FFF2-40B4-BE49-F238E27FC236}">
-                <a16:creationId xmlns:a16="http://schemas.microsoft.com/office/drawing/2014/main" id="{24AB8453-FAE8-467B-85F4-6099BA128BB3}"/>
-              </a:ext>
-            </a:extLst>
-          </p:cNvPr>
-          <p:cNvSpPr txBox="1"/>
-          <p:nvPr/>
-        </p:nvSpPr>
-        <p:spPr>
-          <a:xfrm>
-            <a:off x="6429970" y="2906565"/>
-            <a:ext cx="4923830" cy="369113"/>
-          </a:xfrm>
-          <a:prstGeom prst="rect">
-            <a:avLst/>
-          </a:prstGeom>
-        </p:spPr>
-        <p:txBody>
-          <a:bodyPr vert="horz" lIns="91440" tIns="45720" rIns="91440" bIns="45720" rtlCol="0" anchor="ctr">
-            <a:noAutofit/>
-          </a:bodyPr>
-          <a:lstStyle/>
-          <a:p>
-            <a:pPr marL="228600">
-              <a:lnSpc>
-                <a:spcPct val="90000"/>
-              </a:lnSpc>
-              <a:spcAft>
-                <a:spcPts val="1680"/>
-              </a:spcAft>
-            </a:pPr>
-            <a:r>
-              <a:rPr lang="en-US" sz="1600" dirty="0"/>
-              <a:t>Sample Review: </a:t>
-            </a:r>
-            <a:r>
-              <a:rPr lang="en-GB" sz="1200" dirty="0">
-                <a:effectLst/>
-                <a:ea typeface="Times New Roman" panose="02020603050405020304" pitchFamily="18" charset="0"/>
-                <a:cs typeface="Times New Roman" panose="02020603050405020304" pitchFamily="18" charset="0"/>
-              </a:rPr>
-              <a:t>Probability = </a:t>
-            </a:r>
-            <a:r>
-              <a:rPr lang="en-GB" sz="1200" b="1" dirty="0">
-                <a:effectLst/>
-                <a:ea typeface="Times New Roman" panose="02020603050405020304" pitchFamily="18" charset="0"/>
-                <a:cs typeface="Times New Roman" panose="02020603050405020304" pitchFamily="18" charset="0"/>
-              </a:rPr>
-              <a:t>Positive</a:t>
-            </a:r>
-            <a:r>
-              <a:rPr lang="en-GB" sz="1200" dirty="0">
-                <a:effectLst/>
-                <a:ea typeface="Times New Roman" panose="02020603050405020304" pitchFamily="18" charset="0"/>
-                <a:cs typeface="Times New Roman" panose="02020603050405020304" pitchFamily="18" charset="0"/>
-              </a:rPr>
-              <a:t> with confidence of </a:t>
-            </a:r>
-            <a:r>
-              <a:rPr lang="en-GB" sz="1200" b="1" dirty="0">
-                <a:effectLst/>
-                <a:ea typeface="Times New Roman" panose="02020603050405020304" pitchFamily="18" charset="0"/>
-              </a:rPr>
-              <a:t>99.13%</a:t>
-            </a:r>
-            <a:endParaRPr lang="en-US" sz="1200" dirty="0"/>
-          </a:p>
-        </p:txBody>
-      </p:sp>
-      <p:sp>
-        <p:nvSpPr>
-          <p:cNvPr id="19" name="TextBox 18">
-            <a:extLst>
-              <a:ext uri="{FF2B5EF4-FFF2-40B4-BE49-F238E27FC236}">
-                <a16:creationId xmlns:a16="http://schemas.microsoft.com/office/drawing/2014/main" id="{F23D288F-B674-4999-880C-3437FBB3C569}"/>
-              </a:ext>
-            </a:extLst>
-          </p:cNvPr>
-          <p:cNvSpPr txBox="1"/>
-          <p:nvPr/>
-        </p:nvSpPr>
-        <p:spPr>
-          <a:xfrm>
-            <a:off x="6716299" y="3275678"/>
-            <a:ext cx="4637501" cy="2411831"/>
-          </a:xfrm>
-          <a:prstGeom prst="rect">
-            <a:avLst/>
-          </a:prstGeom>
-          <a:solidFill>
-            <a:schemeClr val="bg1">
-              <a:lumMod val="95000"/>
-            </a:schemeClr>
-          </a:solidFill>
-        </p:spPr>
-        <p:txBody>
-          <a:bodyPr vert="horz" lIns="0" tIns="0" rIns="180000" bIns="0" rtlCol="0" anchor="ctr">
-            <a:noAutofit/>
-          </a:bodyPr>
-          <a:lstStyle/>
-          <a:p>
-            <a:pPr marL="228600" algn="just">
-              <a:lnSpc>
-                <a:spcPct val="90000"/>
-              </a:lnSpc>
-              <a:spcAft>
-                <a:spcPts val="1680"/>
-              </a:spcAft>
-            </a:pPr>
-            <a:r>
-              <a:rPr lang="en-GB" sz="1200" dirty="0">
-                <a:latin typeface="Calibri" panose="020F0502020204030204" pitchFamily="34" charset="0"/>
-                <a:ea typeface="Times New Roman" panose="02020603050405020304" pitchFamily="18" charset="0"/>
-              </a:rPr>
-              <a:t>“There's some very clever humour in this film, which is both a parody of and a tribute to actors. However, after a while it just seems an exercise in style (notwithstanding great gags such as Balasko continuing the part of Dussolier, and very good acting by all involved) and I was wondering why Blier made this film. All is revealed in the ending, when Blier, directing Claude Brasseur, gets a phone call from his dad (Bernard Blier) - from heaven, and gets the chance to say how much he misses him. An effective emotional capper and obviously heartfelt. But there isn't really sufficient dramatic tension or emotional involvement to keep the rest of the film interesting throughout it's entire running time. Some really nice scenes and sequences, however, and anyone who likes these 'mosntres sacrés' of the French cinema should get a fair amount of enjoyment out of this film.”</a:t>
-            </a:r>
-            <a:endParaRPr lang="en-US" sz="1200" dirty="0"/>
-          </a:p>
-        </p:txBody>
-      </p:sp>
-    </p:spTree>
-    <p:extLst>
-      <p:ext uri="{BB962C8B-B14F-4D97-AF65-F5344CB8AC3E}">
-        <p14:creationId xmlns:p14="http://schemas.microsoft.com/office/powerpoint/2010/main" val="2513362042"/>
-      </p:ext>
-    </p:extLst>
-  </p:cSld>
-  <p:clrMapOvr>
-    <a:masterClrMapping/>
-  </p:clrMapOvr>
-</p:sld>
-</file>
-
-<file path=ppt/slides/slide9.xml><?xml version="1.0" encoding="utf-8"?>
-<p:sld xmlns:a="http://schemas.openxmlformats.org/drawingml/2006/main" xmlns:r="http://schemas.openxmlformats.org/officeDocument/2006/relationships" xmlns:p="http://schemas.openxmlformats.org/presentationml/2006/main">
-  <p:cSld>
-    <p:bg>
-      <p:bgPr>
-        <a:solidFill>
-          <a:schemeClr val="bg1"/>
-        </a:solidFill>
-        <a:effectLst/>
-      </p:bgPr>
-    </p:bg>
-    <p:spTree>
-      <p:nvGrpSpPr>
-        <p:cNvPr id="1" name=""/>
-        <p:cNvGrpSpPr/>
-        <p:nvPr/>
-      </p:nvGrpSpPr>
-      <p:grpSpPr>
-        <a:xfrm>
-          <a:off x="0" y="0"/>
-          <a:ext cx="0" cy="0"/>
-          <a:chOff x="0" y="0"/>
-          <a:chExt cx="0" cy="0"/>
-        </a:xfrm>
-      </p:grpSpPr>
-      <p:sp useBgFill="1">
-        <p:nvSpPr>
-          <p:cNvPr id="26" name="Rectangle 25">
-            <a:extLst>
-              <a:ext uri="{FF2B5EF4-FFF2-40B4-BE49-F238E27FC236}">
-                <a16:creationId xmlns:a16="http://schemas.microsoft.com/office/drawing/2014/main" id="{28D31E1B-0407-4223-9642-0B642CBF57D9}"/>
-              </a:ext>
-              <a:ext uri="{C183D7F6-B498-43B3-948B-1728B52AA6E4}">
-                <adec:decorative xmlns:adec="http://schemas.microsoft.com/office/drawing/2017/decorative" val="1"/>
-              </a:ext>
-            </a:extLst>
-          </p:cNvPr>
-          <p:cNvSpPr>
-            <a:spLocks noGrp="1" noRot="1" noChangeAspect="1" noMove="1" noResize="1" noEditPoints="1" noAdjustHandles="1" noChangeArrowheads="1" noChangeShapeType="1" noTextEdit="1"/>
-          </p:cNvSpPr>
-          <p:nvPr>
-            <p:extLst>
-              <p:ext uri="{386F3935-93C4-4BCD-93E2-E3B085C9AB24}">
-                <p16:designElem xmlns:p16="http://schemas.microsoft.com/office/powerpoint/2015/main" val="1"/>
-              </p:ext>
-            </p:extLst>
-          </p:nvPr>
-        </p:nvSpPr>
-        <p:spPr>
-          <a:xfrm>
-            <a:off x="0" y="0"/>
-            <a:ext cx="12191999" cy="6857365"/>
-          </a:xfrm>
-          <a:prstGeom prst="rect">
-            <a:avLst/>
-          </a:prstGeom>
-          <a:ln>
-            <a:noFill/>
-          </a:ln>
-        </p:spPr>
-        <p:style>
-          <a:lnRef idx="2">
-            <a:schemeClr val="accent1">
-              <a:shade val="50000"/>
-            </a:schemeClr>
-          </a:lnRef>
-          <a:fillRef idx="1">
-            <a:schemeClr val="accent1"/>
-          </a:fillRef>
-          <a:effectRef idx="0">
-            <a:schemeClr val="accent1"/>
-          </a:effectRef>
-          <a:fontRef idx="minor">
-            <a:schemeClr val="lt1"/>
-          </a:fontRef>
-        </p:style>
-        <p:txBody>
-          <a:bodyPr rtlCol="0" anchor="ctr"/>
-          <a:lstStyle/>
-          <a:p>
-            <a:pPr algn="ctr"/>
-            <a:endParaRPr lang="en-US"/>
-          </a:p>
-        </p:txBody>
-      </p:sp>
-      <p:grpSp>
-        <p:nvGrpSpPr>
-          <p:cNvPr id="28" name="Group 27">
-            <a:extLst>
-              <a:ext uri="{FF2B5EF4-FFF2-40B4-BE49-F238E27FC236}">
-                <a16:creationId xmlns:a16="http://schemas.microsoft.com/office/drawing/2014/main" id="{AE1C45F0-260A-458C-96ED-C1F6D2151219}"/>
-              </a:ext>
-              <a:ext uri="{C183D7F6-B498-43B3-948B-1728B52AA6E4}">
-                <adec:decorative xmlns:adec="http://schemas.microsoft.com/office/drawing/2017/decorative" val="1"/>
-              </a:ext>
-            </a:extLst>
-          </p:cNvPr>
-          <p:cNvGrpSpPr>
-            <a:grpSpLocks noGrp="1" noUngrp="1" noRot="1" noChangeAspect="1" noMove="1" noResize="1"/>
-          </p:cNvGrpSpPr>
-          <p:nvPr>
-            <p:extLst>
-              <p:ext uri="{386F3935-93C4-4BCD-93E2-E3B085C9AB24}">
-                <p16:designElem xmlns:p16="http://schemas.microsoft.com/office/powerpoint/2015/main" val="1"/>
-              </p:ext>
-            </p:extLst>
-          </p:nvPr>
-        </p:nvGrpSpPr>
-        <p:grpSpPr>
-          <a:xfrm>
-            <a:off x="4" y="1062849"/>
-            <a:ext cx="731521" cy="673460"/>
-            <a:chOff x="3940602" y="308034"/>
-            <a:chExt cx="2116791" cy="3428999"/>
-          </a:xfrm>
-          <a:solidFill>
-            <a:schemeClr val="accent4"/>
-          </a:solidFill>
-        </p:grpSpPr>
-        <p:sp>
-          <p:nvSpPr>
-            <p:cNvPr id="42" name="Rectangle 28">
-              <a:extLst>
-                <a:ext uri="{FF2B5EF4-FFF2-40B4-BE49-F238E27FC236}">
-                  <a16:creationId xmlns:a16="http://schemas.microsoft.com/office/drawing/2014/main" id="{A6604B49-AD5C-4590-B051-06C8222ECD99}"/>
-                </a:ext>
-                <a:ext uri="{C183D7F6-B498-43B3-948B-1728B52AA6E4}">
-                  <adec:decorative xmlns:adec="http://schemas.microsoft.com/office/drawing/2017/decorative" val="1"/>
-                </a:ext>
-              </a:extLst>
-            </p:cNvPr>
-            <p:cNvSpPr/>
-            <p:nvPr>
-              <p:extLst>
-                <p:ext uri="{386F3935-93C4-4BCD-93E2-E3B085C9AB24}">
-                  <p16:designElem xmlns:p16="http://schemas.microsoft.com/office/powerpoint/2015/main" val="1"/>
-                </p:ext>
-              </p:extLst>
-            </p:nvPr>
-          </p:nvSpPr>
-          <p:spPr>
-            <a:xfrm>
-              <a:off x="3940602" y="308034"/>
-              <a:ext cx="566743" cy="3428999"/>
-            </a:xfrm>
-            <a:prstGeom prst="rect">
-              <a:avLst/>
-            </a:prstGeom>
-            <a:grpFill/>
-            <a:ln>
-              <a:noFill/>
-            </a:ln>
-          </p:spPr>
-          <p:style>
-            <a:lnRef idx="2">
-              <a:schemeClr val="accent1">
-                <a:shade val="50000"/>
-              </a:schemeClr>
-            </a:lnRef>
-            <a:fillRef idx="1">
-              <a:schemeClr val="accent1"/>
-            </a:fillRef>
-            <a:effectRef idx="0">
-              <a:schemeClr val="accent1"/>
-            </a:effectRef>
-            <a:fontRef idx="minor">
-              <a:schemeClr val="lt1"/>
-            </a:fontRef>
-          </p:style>
-          <p:txBody>
-            <a:bodyPr rtlCol="0" anchor="ctr"/>
-            <a:lstStyle/>
-            <a:p>
-              <a:pPr algn="ctr"/>
-              <a:endParaRPr lang="en-US"/>
-            </a:p>
-          </p:txBody>
-        </p:sp>
-        <p:sp>
-          <p:nvSpPr>
-            <p:cNvPr id="30" name="Rectangle 29">
-              <a:extLst>
-                <a:ext uri="{FF2B5EF4-FFF2-40B4-BE49-F238E27FC236}">
-                  <a16:creationId xmlns:a16="http://schemas.microsoft.com/office/drawing/2014/main" id="{743ECCAF-29C5-4537-947C-7EA1292463DB}"/>
-                </a:ext>
-                <a:ext uri="{C183D7F6-B498-43B3-948B-1728B52AA6E4}">
-                  <adec:decorative xmlns:adec="http://schemas.microsoft.com/office/drawing/2017/decorative" val="1"/>
-                </a:ext>
-              </a:extLst>
-            </p:cNvPr>
-            <p:cNvSpPr/>
-            <p:nvPr>
-              <p:extLst>
-                <p:ext uri="{386F3935-93C4-4BCD-93E2-E3B085C9AB24}">
-                  <p16:designElem xmlns:p16="http://schemas.microsoft.com/office/powerpoint/2015/main" val="1"/>
-                </p:ext>
-              </p:extLst>
-            </p:nvPr>
-          </p:nvSpPr>
-          <p:spPr>
-            <a:xfrm>
-              <a:off x="4715626" y="308034"/>
-              <a:ext cx="566743" cy="3428999"/>
-            </a:xfrm>
-            <a:prstGeom prst="rect">
-              <a:avLst/>
-            </a:prstGeom>
-            <a:grpFill/>
-            <a:ln>
-              <a:noFill/>
-            </a:ln>
-          </p:spPr>
-          <p:style>
-            <a:lnRef idx="2">
-              <a:schemeClr val="accent1">
-                <a:shade val="50000"/>
-              </a:schemeClr>
-            </a:lnRef>
-            <a:fillRef idx="1">
-              <a:schemeClr val="accent1"/>
-            </a:fillRef>
-            <a:effectRef idx="0">
-              <a:schemeClr val="accent1"/>
-            </a:effectRef>
-            <a:fontRef idx="minor">
-              <a:schemeClr val="lt1"/>
-            </a:fontRef>
-          </p:style>
-          <p:txBody>
-            <a:bodyPr rtlCol="0" anchor="ctr"/>
-            <a:lstStyle/>
-            <a:p>
-              <a:pPr algn="ctr"/>
-              <a:endParaRPr lang="en-US"/>
-            </a:p>
-          </p:txBody>
-        </p:sp>
-        <p:sp>
-          <p:nvSpPr>
-            <p:cNvPr id="31" name="Rectangle 30">
-              <a:extLst>
-                <a:ext uri="{FF2B5EF4-FFF2-40B4-BE49-F238E27FC236}">
-                  <a16:creationId xmlns:a16="http://schemas.microsoft.com/office/drawing/2014/main" id="{ED49787B-8DE6-4467-AD0A-8DECC6E0C2D6}"/>
-                </a:ext>
-                <a:ext uri="{C183D7F6-B498-43B3-948B-1728B52AA6E4}">
-                  <adec:decorative xmlns:adec="http://schemas.microsoft.com/office/drawing/2017/decorative" val="1"/>
-                </a:ext>
-              </a:extLst>
-            </p:cNvPr>
-            <p:cNvSpPr/>
-            <p:nvPr>
-              <p:extLst>
-                <p:ext uri="{386F3935-93C4-4BCD-93E2-E3B085C9AB24}">
-                  <p16:designElem xmlns:p16="http://schemas.microsoft.com/office/powerpoint/2015/main" val="1"/>
-                </p:ext>
-              </p:extLst>
-            </p:nvPr>
-          </p:nvSpPr>
-          <p:spPr>
-            <a:xfrm>
-              <a:off x="5490650" y="308034"/>
-              <a:ext cx="566743" cy="3428999"/>
-            </a:xfrm>
-            <a:prstGeom prst="rect">
-              <a:avLst/>
-            </a:prstGeom>
-            <a:grpFill/>
-            <a:ln>
-              <a:noFill/>
-            </a:ln>
-          </p:spPr>
-          <p:style>
-            <a:lnRef idx="2">
-              <a:schemeClr val="accent1">
-                <a:shade val="50000"/>
-              </a:schemeClr>
-            </a:lnRef>
-            <a:fillRef idx="1">
-              <a:schemeClr val="accent1"/>
-            </a:fillRef>
-            <a:effectRef idx="0">
-              <a:schemeClr val="accent1"/>
-            </a:effectRef>
-            <a:fontRef idx="minor">
-              <a:schemeClr val="lt1"/>
-            </a:fontRef>
-          </p:style>
-          <p:txBody>
-            <a:bodyPr rtlCol="0" anchor="ctr"/>
-            <a:lstStyle/>
-            <a:p>
-              <a:pPr algn="ctr"/>
-              <a:endParaRPr lang="en-US"/>
-            </a:p>
-          </p:txBody>
-        </p:sp>
-      </p:grpSp>
-      <p:sp>
-        <p:nvSpPr>
-          <p:cNvPr id="33" name="Rectangle 32">
-            <a:extLst>
-              <a:ext uri="{FF2B5EF4-FFF2-40B4-BE49-F238E27FC236}">
-                <a16:creationId xmlns:a16="http://schemas.microsoft.com/office/drawing/2014/main" id="{D5B0017B-2ECA-49AF-B397-DC140825DF8D}"/>
-              </a:ext>
-              <a:ext uri="{C183D7F6-B498-43B3-948B-1728B52AA6E4}">
-                <adec:decorative xmlns:adec="http://schemas.microsoft.com/office/drawing/2017/decorative" val="1"/>
-              </a:ext>
-            </a:extLst>
-          </p:cNvPr>
-          <p:cNvSpPr>
-            <a:spLocks noGrp="1" noRot="1" noChangeAspect="1" noMove="1" noResize="1" noEditPoints="1" noAdjustHandles="1" noChangeArrowheads="1" noChangeShapeType="1" noTextEdit="1"/>
-          </p:cNvSpPr>
-          <p:nvPr>
-            <p:extLst>
-              <p:ext uri="{386F3935-93C4-4BCD-93E2-E3B085C9AB24}">
-                <p16:designElem xmlns:p16="http://schemas.microsoft.com/office/powerpoint/2015/main" val="1"/>
-              </p:ext>
-            </p:extLst>
-          </p:nvPr>
-        </p:nvSpPr>
-        <p:spPr>
-          <a:xfrm>
-            <a:off x="640080" y="656150"/>
-            <a:ext cx="5672667" cy="1431591"/>
-          </a:xfrm>
-          <a:prstGeom prst="rect">
-            <a:avLst/>
-          </a:prstGeom>
-          <a:solidFill>
-            <a:schemeClr val="bg1"/>
-          </a:solidFill>
-          <a:ln>
-            <a:noFill/>
-          </a:ln>
-          <a:effectLst>
-            <a:outerShdw blurRad="139700" dist="127000" dir="5400000" algn="t" rotWithShape="0">
-              <a:prstClr val="black">
-                <a:alpha val="15000"/>
-              </a:prstClr>
-            </a:outerShdw>
-          </a:effectLst>
-        </p:spPr>
-        <p:style>
-          <a:lnRef idx="2">
-            <a:schemeClr val="accent1">
-              <a:shade val="50000"/>
-            </a:schemeClr>
-          </a:lnRef>
-          <a:fillRef idx="1">
-            <a:schemeClr val="accent1"/>
-          </a:fillRef>
-          <a:effectRef idx="0">
-            <a:schemeClr val="accent1"/>
-          </a:effectRef>
-          <a:fontRef idx="minor">
-            <a:schemeClr val="lt1"/>
-          </a:fontRef>
-        </p:style>
-        <p:txBody>
-          <a:bodyPr rtlCol="0" anchor="ctr"/>
-          <a:lstStyle/>
-          <a:p>
-            <a:pPr algn="ctr"/>
-            <a:endParaRPr lang="en-US"/>
-          </a:p>
-        </p:txBody>
-      </p:sp>
-      <p:sp>
-        <p:nvSpPr>
-          <p:cNvPr id="2" name="Title 1">
-            <a:extLst>
-              <a:ext uri="{FF2B5EF4-FFF2-40B4-BE49-F238E27FC236}">
-                <a16:creationId xmlns:a16="http://schemas.microsoft.com/office/drawing/2014/main" id="{F88937ED-511D-4BE7-9355-6D2EB05BBC4D}"/>
-              </a:ext>
-            </a:extLst>
-          </p:cNvPr>
-          <p:cNvSpPr>
-            <a:spLocks noGrp="1"/>
-          </p:cNvSpPr>
-          <p:nvPr>
-            <p:ph type="title"/>
-          </p:nvPr>
-        </p:nvSpPr>
-        <p:spPr>
-          <a:xfrm>
-            <a:off x="1043631" y="873940"/>
-            <a:ext cx="5052369" cy="1035781"/>
-          </a:xfrm>
-        </p:spPr>
-        <p:txBody>
-          <a:bodyPr vert="horz" lIns="91440" tIns="45720" rIns="91440" bIns="45720" rtlCol="0" anchor="ctr">
-            <a:normAutofit/>
-          </a:bodyPr>
-          <a:lstStyle/>
-          <a:p>
-            <a:r>
-              <a:rPr lang="en-US" sz="3600" kern="1200" dirty="0">
-                <a:solidFill>
-                  <a:schemeClr val="tx1"/>
-                </a:solidFill>
-                <a:latin typeface="+mj-lt"/>
-                <a:ea typeface="+mj-ea"/>
-                <a:cs typeface="+mj-cs"/>
-              </a:rPr>
-              <a:t>Attack Results</a:t>
-            </a:r>
-          </a:p>
-        </p:txBody>
-      </p:sp>
-      <p:sp>
-        <p:nvSpPr>
-          <p:cNvPr id="35" name="Rectangle 34">
-            <a:extLst>
-              <a:ext uri="{FF2B5EF4-FFF2-40B4-BE49-F238E27FC236}">
-                <a16:creationId xmlns:a16="http://schemas.microsoft.com/office/drawing/2014/main" id="{70E96339-907C-46C3-99AC-31179B6F0EBD}"/>
-              </a:ext>
-              <a:ext uri="{C183D7F6-B498-43B3-948B-1728B52AA6E4}">
-                <adec:decorative xmlns:adec="http://schemas.microsoft.com/office/drawing/2017/decorative" val="1"/>
-              </a:ext>
-            </a:extLst>
-          </p:cNvPr>
-          <p:cNvSpPr>
-            <a:spLocks noGrp="1" noRot="1" noChangeAspect="1" noMove="1" noResize="1" noEditPoints="1" noAdjustHandles="1" noChangeArrowheads="1" noChangeShapeType="1" noTextEdit="1"/>
-          </p:cNvSpPr>
-          <p:nvPr>
-            <p:extLst>
-              <p:ext uri="{386F3935-93C4-4BCD-93E2-E3B085C9AB24}">
-                <p16:designElem xmlns:p16="http://schemas.microsoft.com/office/powerpoint/2015/main" val="1"/>
-              </p:ext>
-            </p:extLst>
-          </p:nvPr>
-        </p:nvSpPr>
-        <p:spPr>
-          <a:xfrm>
-            <a:off x="6716299" y="608401"/>
-            <a:ext cx="4637502" cy="5593443"/>
-          </a:xfrm>
-          <a:prstGeom prst="rect">
-            <a:avLst/>
-          </a:prstGeom>
-          <a:solidFill>
-            <a:schemeClr val="bg1"/>
-          </a:solidFill>
-          <a:ln>
-            <a:noFill/>
-          </a:ln>
-          <a:effectLst>
-            <a:outerShdw blurRad="139700" dist="127000" dir="5400000" algn="t" rotWithShape="0">
-              <a:prstClr val="black">
-                <a:alpha val="15000"/>
-              </a:prstClr>
-            </a:outerShdw>
-          </a:effectLst>
-        </p:spPr>
-        <p:style>
-          <a:lnRef idx="2">
-            <a:schemeClr val="accent1">
-              <a:shade val="50000"/>
-            </a:schemeClr>
-          </a:lnRef>
-          <a:fillRef idx="1">
-            <a:schemeClr val="accent1"/>
-          </a:fillRef>
-          <a:effectRef idx="0">
-            <a:schemeClr val="accent1"/>
-          </a:effectRef>
-          <a:fontRef idx="minor">
-            <a:schemeClr val="lt1"/>
-          </a:fontRef>
-        </p:style>
-        <p:txBody>
-          <a:bodyPr rtlCol="0" anchor="ctr"/>
-          <a:lstStyle/>
-          <a:p>
-            <a:pPr algn="ctr"/>
-            <a:endParaRPr lang="en-US"/>
-          </a:p>
-        </p:txBody>
-      </p:sp>
-      <p:cxnSp>
-        <p:nvCxnSpPr>
-          <p:cNvPr id="43" name="Straight Connector 36">
-            <a:extLst>
-              <a:ext uri="{FF2B5EF4-FFF2-40B4-BE49-F238E27FC236}">
-                <a16:creationId xmlns:a16="http://schemas.microsoft.com/office/drawing/2014/main" id="{6CF1BAF6-AD41-4082-B212-8A1F9A2E8779}"/>
-              </a:ext>
-              <a:ext uri="{C183D7F6-B498-43B3-948B-1728B52AA6E4}">
-                <adec:decorative xmlns:adec="http://schemas.microsoft.com/office/drawing/2017/decorative" val="1"/>
-              </a:ext>
-            </a:extLst>
-          </p:cNvPr>
-          <p:cNvCxnSpPr>
-            <a:cxnSpLocks noGrp="1" noRot="1" noChangeAspect="1" noMove="1" noResize="1" noEditPoints="1" noAdjustHandles="1" noChangeArrowheads="1" noChangeShapeType="1"/>
-          </p:cNvCxnSpPr>
-          <p:nvPr>
-            <p:extLst>
-              <p:ext uri="{386F3935-93C4-4BCD-93E2-E3B085C9AB24}">
-                <p16:designElem xmlns:p16="http://schemas.microsoft.com/office/powerpoint/2015/main" val="1"/>
-              </p:ext>
-            </p:extLst>
-          </p:nvPr>
-        </p:nvCxnSpPr>
-        <p:spPr>
-          <a:xfrm flipH="1">
-            <a:off x="838200" y="6492240"/>
-            <a:ext cx="10515600" cy="0"/>
-          </a:xfrm>
-          <a:prstGeom prst="line">
-            <a:avLst/>
-          </a:prstGeom>
-          <a:ln w="57150">
-            <a:solidFill>
-              <a:schemeClr val="accent4"/>
-            </a:solidFill>
-          </a:ln>
-        </p:spPr>
-        <p:style>
-          <a:lnRef idx="1">
-            <a:schemeClr val="accent1"/>
-          </a:lnRef>
-          <a:fillRef idx="0">
-            <a:schemeClr val="accent1"/>
-          </a:fillRef>
-          <a:effectRef idx="0">
-            <a:schemeClr val="accent1"/>
-          </a:effectRef>
-          <a:fontRef idx="minor">
-            <a:schemeClr val="tx1"/>
-          </a:fontRef>
-        </p:style>
-      </p:cxnSp>
-      <p:graphicFrame>
-        <p:nvGraphicFramePr>
           <p:cNvPr id="4" name="Table 3">
             <a:extLst>
               <a:ext uri="{FF2B5EF4-FFF2-40B4-BE49-F238E27FC236}">
@@ -15232,6 +15947,42 @@
           </a:graphicData>
         </a:graphic>
       </p:graphicFrame>
+      <p:sp>
+        <p:nvSpPr>
+          <p:cNvPr id="5" name="Slide Number Placeholder 4">
+            <a:extLst>
+              <a:ext uri="{FF2B5EF4-FFF2-40B4-BE49-F238E27FC236}">
+                <a16:creationId xmlns:a16="http://schemas.microsoft.com/office/drawing/2014/main" id="{71AAD93A-D2FD-4FC1-86DF-D5B2260B3FCE}"/>
+              </a:ext>
+            </a:extLst>
+          </p:cNvPr>
+          <p:cNvSpPr>
+            <a:spLocks noGrp="1"/>
+          </p:cNvSpPr>
+          <p:nvPr>
+            <p:ph type="sldNum" sz="quarter" idx="12"/>
+          </p:nvPr>
+        </p:nvSpPr>
+        <p:spPr>
+          <a:xfrm>
+            <a:off x="4724399" y="6483362"/>
+            <a:ext cx="2743200" cy="365125"/>
+          </a:xfrm>
+        </p:spPr>
+        <p:txBody>
+          <a:bodyPr/>
+          <a:lstStyle/>
+          <a:p>
+            <a:pPr algn="ctr"/>
+            <a:fld id="{59E45DDC-7D0C-4364-8766-4F6548156F25}" type="slidenum">
+              <a:rPr lang="en-GB" sz="1600" b="1" smtClean="0"/>
+              <a:pPr algn="ctr"/>
+              <a:t>9</a:t>
+            </a:fld>
+            <a:endParaRPr lang="en-GB" sz="1600" b="1" dirty="0"/>
+          </a:p>
+        </p:txBody>
+      </p:sp>
     </p:spTree>
     <p:extLst>
       <p:ext uri="{BB962C8B-B14F-4D97-AF65-F5344CB8AC3E}">
@@ -15538,4 +16289,299 @@
     </a:ext>
   </a:extLst>
 </a:theme>
+</file>
+
+<file path=ppt/theme/theme2.xml><?xml version="1.0" encoding="utf-8"?>
+<a:theme xmlns:a="http://schemas.openxmlformats.org/drawingml/2006/main" name="Office Theme">
+  <a:themeElements>
+    <a:clrScheme name="Office">
+      <a:dk1>
+        <a:sysClr val="windowText" lastClr="000000"/>
+      </a:dk1>
+      <a:lt1>
+        <a:sysClr val="window" lastClr="FFFFFF"/>
+      </a:lt1>
+      <a:dk2>
+        <a:srgbClr val="44546A"/>
+      </a:dk2>
+      <a:lt2>
+        <a:srgbClr val="E7E6E6"/>
+      </a:lt2>
+      <a:accent1>
+        <a:srgbClr val="4472C4"/>
+      </a:accent1>
+      <a:accent2>
+        <a:srgbClr val="ED7D31"/>
+      </a:accent2>
+      <a:accent3>
+        <a:srgbClr val="A5A5A5"/>
+      </a:accent3>
+      <a:accent4>
+        <a:srgbClr val="FFC000"/>
+      </a:accent4>
+      <a:accent5>
+        <a:srgbClr val="5B9BD5"/>
+      </a:accent5>
+      <a:accent6>
+        <a:srgbClr val="70AD47"/>
+      </a:accent6>
+      <a:hlink>
+        <a:srgbClr val="0563C1"/>
+      </a:hlink>
+      <a:folHlink>
+        <a:srgbClr val="954F72"/>
+      </a:folHlink>
+    </a:clrScheme>
+    <a:fontScheme name="Office">
+      <a:majorFont>
+        <a:latin typeface="Calibri Light" panose="020F0302020204030204"/>
+        <a:ea typeface=""/>
+        <a:cs typeface=""/>
+        <a:font script="Jpan" typeface="游ゴシック Light"/>
+        <a:font script="Hang" typeface="맑은 고딕"/>
+        <a:font script="Hans" typeface="等线 Light"/>
+        <a:font script="Hant" typeface="新細明體"/>
+        <a:font script="Arab" typeface="Times New Roman"/>
+        <a:font script="Hebr" typeface="Times New Roman"/>
+        <a:font script="Thai" typeface="Angsana New"/>
+        <a:font script="Ethi" typeface="Nyala"/>
+        <a:font script="Beng" typeface="Vrinda"/>
+        <a:font script="Gujr" typeface="Shruti"/>
+        <a:font script="Khmr" typeface="MoolBoran"/>
+        <a:font script="Knda" typeface="Tunga"/>
+        <a:font script="Guru" typeface="Raavi"/>
+        <a:font script="Cans" typeface="Euphemia"/>
+        <a:font script="Cher" typeface="Plantagenet Cherokee"/>
+        <a:font script="Yiii" typeface="Microsoft Yi Baiti"/>
+        <a:font script="Tibt" typeface="Microsoft Himalaya"/>
+        <a:font script="Thaa" typeface="MV Boli"/>
+        <a:font script="Deva" typeface="Mangal"/>
+        <a:font script="Telu" typeface="Gautami"/>
+        <a:font script="Taml" typeface="Latha"/>
+        <a:font script="Syrc" typeface="Estrangelo Edessa"/>
+        <a:font script="Orya" typeface="Kalinga"/>
+        <a:font script="Mlym" typeface="Kartika"/>
+        <a:font script="Laoo" typeface="DokChampa"/>
+        <a:font script="Sinh" typeface="Iskoola Pota"/>
+        <a:font script="Mong" typeface="Mongolian Baiti"/>
+        <a:font script="Viet" typeface="Times New Roman"/>
+        <a:font script="Uigh" typeface="Microsoft Uighur"/>
+        <a:font script="Geor" typeface="Sylfaen"/>
+        <a:font script="Armn" typeface="Arial"/>
+        <a:font script="Bugi" typeface="Leelawadee UI"/>
+        <a:font script="Bopo" typeface="Microsoft JhengHei"/>
+        <a:font script="Java" typeface="Javanese Text"/>
+        <a:font script="Lisu" typeface="Segoe UI"/>
+        <a:font script="Mymr" typeface="Myanmar Text"/>
+        <a:font script="Nkoo" typeface="Ebrima"/>
+        <a:font script="Olck" typeface="Nirmala UI"/>
+        <a:font script="Osma" typeface="Ebrima"/>
+        <a:font script="Phag" typeface="Phagspa"/>
+        <a:font script="Syrn" typeface="Estrangelo Edessa"/>
+        <a:font script="Syrj" typeface="Estrangelo Edessa"/>
+        <a:font script="Syre" typeface="Estrangelo Edessa"/>
+        <a:font script="Sora" typeface="Nirmala UI"/>
+        <a:font script="Tale" typeface="Microsoft Tai Le"/>
+        <a:font script="Talu" typeface="Microsoft New Tai Lue"/>
+        <a:font script="Tfng" typeface="Ebrima"/>
+      </a:majorFont>
+      <a:minorFont>
+        <a:latin typeface="Calibri" panose="020F0502020204030204"/>
+        <a:ea typeface=""/>
+        <a:cs typeface=""/>
+        <a:font script="Jpan" typeface="游ゴシック"/>
+        <a:font script="Hang" typeface="맑은 고딕"/>
+        <a:font script="Hans" typeface="等线"/>
+        <a:font script="Hant" typeface="新細明體"/>
+        <a:font script="Arab" typeface="Arial"/>
+        <a:font script="Hebr" typeface="Arial"/>
+        <a:font script="Thai" typeface="Cordia New"/>
+        <a:font script="Ethi" typeface="Nyala"/>
+        <a:font script="Beng" typeface="Vrinda"/>
+        <a:font script="Gujr" typeface="Shruti"/>
+        <a:font script="Khmr" typeface="DaunPenh"/>
+        <a:font script="Knda" typeface="Tunga"/>
+        <a:font script="Guru" typeface="Raavi"/>
+        <a:font script="Cans" typeface="Euphemia"/>
+        <a:font script="Cher" typeface="Plantagenet Cherokee"/>
+        <a:font script="Yiii" typeface="Microsoft Yi Baiti"/>
+        <a:font script="Tibt" typeface="Microsoft Himalaya"/>
+        <a:font script="Thaa" typeface="MV Boli"/>
+        <a:font script="Deva" typeface="Mangal"/>
+        <a:font script="Telu" typeface="Gautami"/>
+        <a:font script="Taml" typeface="Latha"/>
+        <a:font script="Syrc" typeface="Estrangelo Edessa"/>
+        <a:font script="Orya" typeface="Kalinga"/>
+        <a:font script="Mlym" typeface="Kartika"/>
+        <a:font script="Laoo" typeface="DokChampa"/>
+        <a:font script="Sinh" typeface="Iskoola Pota"/>
+        <a:font script="Mong" typeface="Mongolian Baiti"/>
+        <a:font script="Viet" typeface="Arial"/>
+        <a:font script="Uigh" typeface="Microsoft Uighur"/>
+        <a:font script="Geor" typeface="Sylfaen"/>
+        <a:font script="Armn" typeface="Arial"/>
+        <a:font script="Bugi" typeface="Leelawadee UI"/>
+        <a:font script="Bopo" typeface="Microsoft JhengHei"/>
+        <a:font script="Java" typeface="Javanese Text"/>
+        <a:font script="Lisu" typeface="Segoe UI"/>
+        <a:font script="Mymr" typeface="Myanmar Text"/>
+        <a:font script="Nkoo" typeface="Ebrima"/>
+        <a:font script="Olck" typeface="Nirmala UI"/>
+        <a:font script="Osma" typeface="Ebrima"/>
+        <a:font script="Phag" typeface="Phagspa"/>
+        <a:font script="Syrn" typeface="Estrangelo Edessa"/>
+        <a:font script="Syrj" typeface="Estrangelo Edessa"/>
+        <a:font script="Syre" typeface="Estrangelo Edessa"/>
+        <a:font script="Sora" typeface="Nirmala UI"/>
+        <a:font script="Tale" typeface="Microsoft Tai Le"/>
+        <a:font script="Talu" typeface="Microsoft New Tai Lue"/>
+        <a:font script="Tfng" typeface="Ebrima"/>
+      </a:minorFont>
+    </a:fontScheme>
+    <a:fmtScheme name="Office">
+      <a:fillStyleLst>
+        <a:solidFill>
+          <a:schemeClr val="phClr"/>
+        </a:solidFill>
+        <a:gradFill rotWithShape="1">
+          <a:gsLst>
+            <a:gs pos="0">
+              <a:schemeClr val="phClr">
+                <a:lumMod val="110000"/>
+                <a:satMod val="105000"/>
+                <a:tint val="67000"/>
+              </a:schemeClr>
+            </a:gs>
+            <a:gs pos="50000">
+              <a:schemeClr val="phClr">
+                <a:lumMod val="105000"/>
+                <a:satMod val="103000"/>
+                <a:tint val="73000"/>
+              </a:schemeClr>
+            </a:gs>
+            <a:gs pos="100000">
+              <a:schemeClr val="phClr">
+                <a:lumMod val="105000"/>
+                <a:satMod val="109000"/>
+                <a:tint val="81000"/>
+              </a:schemeClr>
+            </a:gs>
+          </a:gsLst>
+          <a:lin ang="5400000" scaled="0"/>
+        </a:gradFill>
+        <a:gradFill rotWithShape="1">
+          <a:gsLst>
+            <a:gs pos="0">
+              <a:schemeClr val="phClr">
+                <a:satMod val="103000"/>
+                <a:lumMod val="102000"/>
+                <a:tint val="94000"/>
+              </a:schemeClr>
+            </a:gs>
+            <a:gs pos="50000">
+              <a:schemeClr val="phClr">
+                <a:satMod val="110000"/>
+                <a:lumMod val="100000"/>
+                <a:shade val="100000"/>
+              </a:schemeClr>
+            </a:gs>
+            <a:gs pos="100000">
+              <a:schemeClr val="phClr">
+                <a:lumMod val="99000"/>
+                <a:satMod val="120000"/>
+                <a:shade val="78000"/>
+              </a:schemeClr>
+            </a:gs>
+          </a:gsLst>
+          <a:lin ang="5400000" scaled="0"/>
+        </a:gradFill>
+      </a:fillStyleLst>
+      <a:lnStyleLst>
+        <a:ln w="6350" cap="flat" cmpd="sng" algn="ctr">
+          <a:solidFill>
+            <a:schemeClr val="phClr"/>
+          </a:solidFill>
+          <a:prstDash val="solid"/>
+          <a:miter lim="800000"/>
+        </a:ln>
+        <a:ln w="12700" cap="flat" cmpd="sng" algn="ctr">
+          <a:solidFill>
+            <a:schemeClr val="phClr"/>
+          </a:solidFill>
+          <a:prstDash val="solid"/>
+          <a:miter lim="800000"/>
+        </a:ln>
+        <a:ln w="19050" cap="flat" cmpd="sng" algn="ctr">
+          <a:solidFill>
+            <a:schemeClr val="phClr"/>
+          </a:solidFill>
+          <a:prstDash val="solid"/>
+          <a:miter lim="800000"/>
+        </a:ln>
+      </a:lnStyleLst>
+      <a:effectStyleLst>
+        <a:effectStyle>
+          <a:effectLst/>
+        </a:effectStyle>
+        <a:effectStyle>
+          <a:effectLst/>
+        </a:effectStyle>
+        <a:effectStyle>
+          <a:effectLst>
+            <a:outerShdw blurRad="57150" dist="19050" dir="5400000" algn="ctr" rotWithShape="0">
+              <a:srgbClr val="000000">
+                <a:alpha val="63000"/>
+              </a:srgbClr>
+            </a:outerShdw>
+          </a:effectLst>
+        </a:effectStyle>
+      </a:effectStyleLst>
+      <a:bgFillStyleLst>
+        <a:solidFill>
+          <a:schemeClr val="phClr"/>
+        </a:solidFill>
+        <a:solidFill>
+          <a:schemeClr val="phClr">
+            <a:tint val="95000"/>
+            <a:satMod val="170000"/>
+          </a:schemeClr>
+        </a:solidFill>
+        <a:gradFill rotWithShape="1">
+          <a:gsLst>
+            <a:gs pos="0">
+              <a:schemeClr val="phClr">
+                <a:tint val="93000"/>
+                <a:satMod val="150000"/>
+                <a:shade val="98000"/>
+                <a:lumMod val="102000"/>
+              </a:schemeClr>
+            </a:gs>
+            <a:gs pos="50000">
+              <a:schemeClr val="phClr">
+                <a:tint val="98000"/>
+                <a:satMod val="130000"/>
+                <a:shade val="90000"/>
+                <a:lumMod val="103000"/>
+              </a:schemeClr>
+            </a:gs>
+            <a:gs pos="100000">
+              <a:schemeClr val="phClr">
+                <a:shade val="63000"/>
+                <a:satMod val="120000"/>
+              </a:schemeClr>
+            </a:gs>
+          </a:gsLst>
+          <a:lin ang="5400000" scaled="0"/>
+        </a:gradFill>
+      </a:bgFillStyleLst>
+    </a:fmtScheme>
+  </a:themeElements>
+  <a:objectDefaults/>
+  <a:extraClrSchemeLst/>
+  <a:extLst>
+    <a:ext uri="{05A4C25C-085E-4340-85A3-A5531E510DB2}">
+      <thm15:themeFamily xmlns:thm15="http://schemas.microsoft.com/office/thememl/2012/main" name="Office Theme" id="{62F939B6-93AF-4DB8-9C6B-D6C7DFDC589F}" vid="{4A3C46E8-61CC-4603-A589-7422A47A8E4A}"/>
+    </a:ext>
+  </a:extLst>
+</a:theme>
 </file>